--- a/MidDefence/Presentation/MidTerm.pptx
+++ b/MidDefence/Presentation/MidTerm.pptx
@@ -1,33 +1,35 @@
 
 <file path=ppt/presentation.xml><?xml version="1.0" encoding="utf-8"?>
-<p:presentation xmlns:a="http://schemas.openxmlformats.org/drawingml/2006/main" xmlns:r="http://schemas.openxmlformats.org/officeDocument/2006/relationships" xmlns:p="http://schemas.openxmlformats.org/presentationml/2006/main">
+<p:presentation xmlns:a="http://schemas.openxmlformats.org/drawingml/2006/main" xmlns:r="http://schemas.openxmlformats.org/officeDocument/2006/relationships" xmlns:p="http://schemas.openxmlformats.org/presentationml/2006/main" showSpecialPlsOnTitleSld="0">
   <p:sldMasterIdLst>
-    <p:sldMasterId id="2147483648" r:id="rId1"/>
-    <p:sldMasterId id="2147483661" r:id="rId2"/>
+    <p:sldMasterId id="2147483744" r:id="rId1"/>
   </p:sldMasterIdLst>
+  <p:notesMasterIdLst>
+    <p:notesMasterId r:id="rId24"/>
+  </p:notesMasterIdLst>
   <p:sldIdLst>
-    <p:sldId id="256" r:id="rId3"/>
-    <p:sldId id="257" r:id="rId4"/>
-    <p:sldId id="258" r:id="rId5"/>
-    <p:sldId id="259" r:id="rId6"/>
-    <p:sldId id="260" r:id="rId7"/>
-    <p:sldId id="261" r:id="rId8"/>
-    <p:sldId id="262" r:id="rId9"/>
-    <p:sldId id="263" r:id="rId10"/>
-    <p:sldId id="265" r:id="rId11"/>
-    <p:sldId id="266" r:id="rId12"/>
-    <p:sldId id="270" r:id="rId13"/>
-    <p:sldId id="271" r:id="rId14"/>
-    <p:sldId id="272" r:id="rId15"/>
-    <p:sldId id="273" r:id="rId16"/>
-    <p:sldId id="274" r:id="rId17"/>
-    <p:sldId id="275" r:id="rId18"/>
-    <p:sldId id="276" r:id="rId19"/>
-    <p:sldId id="277" r:id="rId20"/>
-    <p:sldId id="267" r:id="rId21"/>
-    <p:sldId id="268" r:id="rId22"/>
-    <p:sldId id="278" r:id="rId23"/>
-    <p:sldId id="269" r:id="rId24"/>
+    <p:sldId id="256" r:id="rId2"/>
+    <p:sldId id="257" r:id="rId3"/>
+    <p:sldId id="258" r:id="rId4"/>
+    <p:sldId id="259" r:id="rId5"/>
+    <p:sldId id="260" r:id="rId6"/>
+    <p:sldId id="261" r:id="rId7"/>
+    <p:sldId id="262" r:id="rId8"/>
+    <p:sldId id="263" r:id="rId9"/>
+    <p:sldId id="265" r:id="rId10"/>
+    <p:sldId id="266" r:id="rId11"/>
+    <p:sldId id="270" r:id="rId12"/>
+    <p:sldId id="271" r:id="rId13"/>
+    <p:sldId id="272" r:id="rId14"/>
+    <p:sldId id="273" r:id="rId15"/>
+    <p:sldId id="274" r:id="rId16"/>
+    <p:sldId id="275" r:id="rId17"/>
+    <p:sldId id="276" r:id="rId18"/>
+    <p:sldId id="277" r:id="rId19"/>
+    <p:sldId id="267" r:id="rId20"/>
+    <p:sldId id="268" r:id="rId21"/>
+    <p:sldId id="278" r:id="rId22"/>
+    <p:sldId id="269" r:id="rId23"/>
   </p:sldIdLst>
   <p:sldSz cx="12192000" cy="6858000"/>
   <p:notesSz cx="7772400" cy="10058400"/>
@@ -130,13 +132,21 @@
     <p:ext uri="{EFAFB233-063F-42B5-8137-9DF3F51BA10A}">
       <p15:sldGuideLst xmlns:p15="http://schemas.microsoft.com/office/powerpoint/2012/main"/>
     </p:ext>
+    <p:ext uri="{2D200454-40CA-4A62-9FC3-DE9A4176ACB9}">
+      <p15:notesGuideLst xmlns:p15="http://schemas.microsoft.com/office/powerpoint/2012/main"/>
+    </p:ext>
   </p:extLst>
 </p:presentation>
 </file>
 
-<file path=ppt/slideLayouts/slideLayout1.xml><?xml version="1.0" encoding="utf-8"?>
-<p:sldLayout xmlns:a="http://schemas.openxmlformats.org/drawingml/2006/main" xmlns:r="http://schemas.openxmlformats.org/officeDocument/2006/relationships" xmlns:p="http://schemas.openxmlformats.org/presentationml/2006/main" type="blank" preserve="1">
-  <p:cSld name="Blank Slide">
+<file path=ppt/notesMasters/notesMaster1.xml><?xml version="1.0" encoding="utf-8"?>
+<p:notesMaster xmlns:a="http://schemas.openxmlformats.org/drawingml/2006/main" xmlns:r="http://schemas.openxmlformats.org/officeDocument/2006/relationships" xmlns:p="http://schemas.openxmlformats.org/presentationml/2006/main">
+  <p:cSld>
+    <p:bg>
+      <p:bgRef idx="1001">
+        <a:schemeClr val="bg1"/>
+      </p:bgRef>
+    </p:bg>
     <p:spTree>
       <p:nvGrpSpPr>
         <p:cNvPr id="1" name=""/>
@@ -151,17 +161,337 @@
           <a:chExt cx="0" cy="0"/>
         </a:xfrm>
       </p:grpSpPr>
+      <p:sp>
+        <p:nvSpPr>
+          <p:cNvPr id="2" name="Header Placeholder 1"/>
+          <p:cNvSpPr>
+            <a:spLocks noGrp="1"/>
+          </p:cNvSpPr>
+          <p:nvPr>
+            <p:ph type="hdr" sz="quarter"/>
+          </p:nvPr>
+        </p:nvSpPr>
+        <p:spPr>
+          <a:xfrm>
+            <a:off x="0" y="0"/>
+            <a:ext cx="3368675" cy="504825"/>
+          </a:xfrm>
+          <a:prstGeom prst="rect">
+            <a:avLst/>
+          </a:prstGeom>
+        </p:spPr>
+        <p:txBody>
+          <a:bodyPr vert="horz" lIns="91440" tIns="45720" rIns="91440" bIns="45720" rtlCol="0"/>
+          <a:lstStyle>
+            <a:lvl1pPr algn="l">
+              <a:defRPr sz="1200"/>
+            </a:lvl1pPr>
+          </a:lstStyle>
+          <a:p>
+            <a:endParaRPr lang="en-GB"/>
+          </a:p>
+        </p:txBody>
+      </p:sp>
+      <p:sp>
+        <p:nvSpPr>
+          <p:cNvPr id="3" name="Date Placeholder 2"/>
+          <p:cNvSpPr>
+            <a:spLocks noGrp="1"/>
+          </p:cNvSpPr>
+          <p:nvPr>
+            <p:ph type="dt" idx="1"/>
+          </p:nvPr>
+        </p:nvSpPr>
+        <p:spPr>
+          <a:xfrm>
+            <a:off x="4402138" y="0"/>
+            <a:ext cx="3368675" cy="504825"/>
+          </a:xfrm>
+          <a:prstGeom prst="rect">
+            <a:avLst/>
+          </a:prstGeom>
+        </p:spPr>
+        <p:txBody>
+          <a:bodyPr vert="horz" lIns="91440" tIns="45720" rIns="91440" bIns="45720" rtlCol="0"/>
+          <a:lstStyle>
+            <a:lvl1pPr algn="r">
+              <a:defRPr sz="1200"/>
+            </a:lvl1pPr>
+          </a:lstStyle>
+          <a:p>
+            <a:fld id="{E587A8C1-17F6-479E-AF3A-4762DC7525E8}" type="datetimeFigureOut">
+              <a:rPr lang="en-GB" smtClean="0"/>
+              <a:t>15/03/2020</a:t>
+            </a:fld>
+            <a:endParaRPr lang="en-GB"/>
+          </a:p>
+        </p:txBody>
+      </p:sp>
+      <p:sp>
+        <p:nvSpPr>
+          <p:cNvPr id="4" name="Slide Image Placeholder 3"/>
+          <p:cNvSpPr>
+            <a:spLocks noGrp="1" noRot="1" noChangeAspect="1"/>
+          </p:cNvSpPr>
+          <p:nvPr>
+            <p:ph type="sldImg" idx="2"/>
+          </p:nvPr>
+        </p:nvSpPr>
+        <p:spPr>
+          <a:xfrm>
+            <a:off x="869950" y="1257300"/>
+            <a:ext cx="6032500" cy="3394075"/>
+          </a:xfrm>
+          <a:prstGeom prst="rect">
+            <a:avLst/>
+          </a:prstGeom>
+          <a:noFill/>
+          <a:ln w="12700">
+            <a:solidFill>
+              <a:prstClr val="black"/>
+            </a:solidFill>
+          </a:ln>
+        </p:spPr>
+        <p:txBody>
+          <a:bodyPr vert="horz" lIns="91440" tIns="45720" rIns="91440" bIns="45720" rtlCol="0" anchor="ctr"/>
+          <a:lstStyle/>
+          <a:p>
+            <a:endParaRPr lang="en-GB"/>
+          </a:p>
+        </p:txBody>
+      </p:sp>
+      <p:sp>
+        <p:nvSpPr>
+          <p:cNvPr id="5" name="Notes Placeholder 4"/>
+          <p:cNvSpPr>
+            <a:spLocks noGrp="1"/>
+          </p:cNvSpPr>
+          <p:nvPr>
+            <p:ph type="body" sz="quarter" idx="3"/>
+          </p:nvPr>
+        </p:nvSpPr>
+        <p:spPr>
+          <a:xfrm>
+            <a:off x="777875" y="4840288"/>
+            <a:ext cx="6216650" cy="3960812"/>
+          </a:xfrm>
+          <a:prstGeom prst="rect">
+            <a:avLst/>
+          </a:prstGeom>
+        </p:spPr>
+        <p:txBody>
+          <a:bodyPr vert="horz" lIns="91440" tIns="45720" rIns="91440" bIns="45720" rtlCol="0"/>
+          <a:lstStyle/>
+          <a:p>
+            <a:pPr lvl="0"/>
+            <a:r>
+              <a:rPr lang="en-US" smtClean="0"/>
+              <a:t>Click to edit Master text styles</a:t>
+            </a:r>
+          </a:p>
+          <a:p>
+            <a:pPr lvl="1"/>
+            <a:r>
+              <a:rPr lang="en-US" smtClean="0"/>
+              <a:t>Second level</a:t>
+            </a:r>
+          </a:p>
+          <a:p>
+            <a:pPr lvl="2"/>
+            <a:r>
+              <a:rPr lang="en-US" smtClean="0"/>
+              <a:t>Third level</a:t>
+            </a:r>
+          </a:p>
+          <a:p>
+            <a:pPr lvl="3"/>
+            <a:r>
+              <a:rPr lang="en-US" smtClean="0"/>
+              <a:t>Fourth level</a:t>
+            </a:r>
+          </a:p>
+          <a:p>
+            <a:pPr lvl="4"/>
+            <a:r>
+              <a:rPr lang="en-US" smtClean="0"/>
+              <a:t>Fifth level</a:t>
+            </a:r>
+            <a:endParaRPr lang="en-GB"/>
+          </a:p>
+        </p:txBody>
+      </p:sp>
+      <p:sp>
+        <p:nvSpPr>
+          <p:cNvPr id="6" name="Footer Placeholder 5"/>
+          <p:cNvSpPr>
+            <a:spLocks noGrp="1"/>
+          </p:cNvSpPr>
+          <p:nvPr>
+            <p:ph type="ftr" sz="quarter" idx="4"/>
+          </p:nvPr>
+        </p:nvSpPr>
+        <p:spPr>
+          <a:xfrm>
+            <a:off x="0" y="9553575"/>
+            <a:ext cx="3368675" cy="504825"/>
+          </a:xfrm>
+          <a:prstGeom prst="rect">
+            <a:avLst/>
+          </a:prstGeom>
+        </p:spPr>
+        <p:txBody>
+          <a:bodyPr vert="horz" lIns="91440" tIns="45720" rIns="91440" bIns="45720" rtlCol="0" anchor="b"/>
+          <a:lstStyle>
+            <a:lvl1pPr algn="l">
+              <a:defRPr sz="1200"/>
+            </a:lvl1pPr>
+          </a:lstStyle>
+          <a:p>
+            <a:endParaRPr lang="en-GB"/>
+          </a:p>
+        </p:txBody>
+      </p:sp>
+      <p:sp>
+        <p:nvSpPr>
+          <p:cNvPr id="7" name="Slide Number Placeholder 6"/>
+          <p:cNvSpPr>
+            <a:spLocks noGrp="1"/>
+          </p:cNvSpPr>
+          <p:nvPr>
+            <p:ph type="sldNum" sz="quarter" idx="5"/>
+          </p:nvPr>
+        </p:nvSpPr>
+        <p:spPr>
+          <a:xfrm>
+            <a:off x="4402138" y="9553575"/>
+            <a:ext cx="3368675" cy="504825"/>
+          </a:xfrm>
+          <a:prstGeom prst="rect">
+            <a:avLst/>
+          </a:prstGeom>
+        </p:spPr>
+        <p:txBody>
+          <a:bodyPr vert="horz" lIns="91440" tIns="45720" rIns="91440" bIns="45720" rtlCol="0" anchor="b"/>
+          <a:lstStyle>
+            <a:lvl1pPr algn="r">
+              <a:defRPr sz="1200"/>
+            </a:lvl1pPr>
+          </a:lstStyle>
+          <a:p>
+            <a:fld id="{C82BDF54-BC5F-465F-8477-20410E62C8CD}" type="slidenum">
+              <a:rPr lang="en-GB" smtClean="0"/>
+              <a:t>‹#›</a:t>
+            </a:fld>
+            <a:endParaRPr lang="en-GB"/>
+          </a:p>
+        </p:txBody>
+      </p:sp>
     </p:spTree>
+    <p:extLst>
+      <p:ext uri="{BB962C8B-B14F-4D97-AF65-F5344CB8AC3E}">
+        <p14:creationId xmlns:p14="http://schemas.microsoft.com/office/powerpoint/2010/main" val="462627702"/>
+      </p:ext>
+    </p:extLst>
   </p:cSld>
-  <p:clrMapOvr>
-    <a:masterClrMapping/>
-  </p:clrMapOvr>
-</p:sldLayout>
+  <p:clrMap bg1="lt1" tx1="dk1" bg2="lt2" tx2="dk2" accent1="accent1" accent2="accent2" accent3="accent3" accent4="accent4" accent5="accent5" accent6="accent6" hlink="hlink" folHlink="folHlink"/>
+  <p:notesStyle>
+    <a:lvl1pPr marL="0" algn="l" defTabSz="914400" rtl="0" eaLnBrk="1" latinLnBrk="0" hangingPunct="1">
+      <a:defRPr sz="1200" kern="1200">
+        <a:solidFill>
+          <a:schemeClr val="tx1"/>
+        </a:solidFill>
+        <a:latin typeface="+mn-lt"/>
+        <a:ea typeface="+mn-ea"/>
+        <a:cs typeface="+mn-cs"/>
+      </a:defRPr>
+    </a:lvl1pPr>
+    <a:lvl2pPr marL="457200" algn="l" defTabSz="914400" rtl="0" eaLnBrk="1" latinLnBrk="0" hangingPunct="1">
+      <a:defRPr sz="1200" kern="1200">
+        <a:solidFill>
+          <a:schemeClr val="tx1"/>
+        </a:solidFill>
+        <a:latin typeface="+mn-lt"/>
+        <a:ea typeface="+mn-ea"/>
+        <a:cs typeface="+mn-cs"/>
+      </a:defRPr>
+    </a:lvl2pPr>
+    <a:lvl3pPr marL="914400" algn="l" defTabSz="914400" rtl="0" eaLnBrk="1" latinLnBrk="0" hangingPunct="1">
+      <a:defRPr sz="1200" kern="1200">
+        <a:solidFill>
+          <a:schemeClr val="tx1"/>
+        </a:solidFill>
+        <a:latin typeface="+mn-lt"/>
+        <a:ea typeface="+mn-ea"/>
+        <a:cs typeface="+mn-cs"/>
+      </a:defRPr>
+    </a:lvl3pPr>
+    <a:lvl4pPr marL="1371600" algn="l" defTabSz="914400" rtl="0" eaLnBrk="1" latinLnBrk="0" hangingPunct="1">
+      <a:defRPr sz="1200" kern="1200">
+        <a:solidFill>
+          <a:schemeClr val="tx1"/>
+        </a:solidFill>
+        <a:latin typeface="+mn-lt"/>
+        <a:ea typeface="+mn-ea"/>
+        <a:cs typeface="+mn-cs"/>
+      </a:defRPr>
+    </a:lvl4pPr>
+    <a:lvl5pPr marL="1828800" algn="l" defTabSz="914400" rtl="0" eaLnBrk="1" latinLnBrk="0" hangingPunct="1">
+      <a:defRPr sz="1200" kern="1200">
+        <a:solidFill>
+          <a:schemeClr val="tx1"/>
+        </a:solidFill>
+        <a:latin typeface="+mn-lt"/>
+        <a:ea typeface="+mn-ea"/>
+        <a:cs typeface="+mn-cs"/>
+      </a:defRPr>
+    </a:lvl5pPr>
+    <a:lvl6pPr marL="2286000" algn="l" defTabSz="914400" rtl="0" eaLnBrk="1" latinLnBrk="0" hangingPunct="1">
+      <a:defRPr sz="1200" kern="1200">
+        <a:solidFill>
+          <a:schemeClr val="tx1"/>
+        </a:solidFill>
+        <a:latin typeface="+mn-lt"/>
+        <a:ea typeface="+mn-ea"/>
+        <a:cs typeface="+mn-cs"/>
+      </a:defRPr>
+    </a:lvl6pPr>
+    <a:lvl7pPr marL="2743200" algn="l" defTabSz="914400" rtl="0" eaLnBrk="1" latinLnBrk="0" hangingPunct="1">
+      <a:defRPr sz="1200" kern="1200">
+        <a:solidFill>
+          <a:schemeClr val="tx1"/>
+        </a:solidFill>
+        <a:latin typeface="+mn-lt"/>
+        <a:ea typeface="+mn-ea"/>
+        <a:cs typeface="+mn-cs"/>
+      </a:defRPr>
+    </a:lvl7pPr>
+    <a:lvl8pPr marL="3200400" algn="l" defTabSz="914400" rtl="0" eaLnBrk="1" latinLnBrk="0" hangingPunct="1">
+      <a:defRPr sz="1200" kern="1200">
+        <a:solidFill>
+          <a:schemeClr val="tx1"/>
+        </a:solidFill>
+        <a:latin typeface="+mn-lt"/>
+        <a:ea typeface="+mn-ea"/>
+        <a:cs typeface="+mn-cs"/>
+      </a:defRPr>
+    </a:lvl8pPr>
+    <a:lvl9pPr marL="3657600" algn="l" defTabSz="914400" rtl="0" eaLnBrk="1" latinLnBrk="0" hangingPunct="1">
+      <a:defRPr sz="1200" kern="1200">
+        <a:solidFill>
+          <a:schemeClr val="tx1"/>
+        </a:solidFill>
+        <a:latin typeface="+mn-lt"/>
+        <a:ea typeface="+mn-ea"/>
+        <a:cs typeface="+mn-cs"/>
+      </a:defRPr>
+    </a:lvl9pPr>
+  </p:notesStyle>
+</p:notesMaster>
 </file>
 
-<file path=ppt/slideLayouts/slideLayout10.xml><?xml version="1.0" encoding="utf-8"?>
-<p:sldLayout xmlns:a="http://schemas.openxmlformats.org/drawingml/2006/main" xmlns:r="http://schemas.openxmlformats.org/officeDocument/2006/relationships" xmlns:p="http://schemas.openxmlformats.org/presentationml/2006/main" type="objOverTx" preserve="1">
-  <p:cSld name="Title, Content over Content">
+<file path=ppt/notesSlides/notesSlide1.xml><?xml version="1.0" encoding="utf-8"?>
+<p:notes xmlns:a="http://schemas.openxmlformats.org/drawingml/2006/main" xmlns:r="http://schemas.openxmlformats.org/officeDocument/2006/relationships" xmlns:p="http://schemas.openxmlformats.org/presentationml/2006/main">
+  <p:cSld>
     <p:spTree>
       <p:nvGrpSpPr>
         <p:cNvPr id="1" name=""/>
@@ -178,115 +508,74 @@
       </p:grpSpPr>
       <p:sp>
         <p:nvSpPr>
-          <p:cNvPr id="48" name="PlaceHolder 1"/>
+          <p:cNvPr id="2" name="Slide Image Placeholder 1"/>
+          <p:cNvSpPr>
+            <a:spLocks noGrp="1" noRot="1" noChangeAspect="1"/>
+          </p:cNvSpPr>
+          <p:nvPr>
+            <p:ph type="sldImg"/>
+          </p:nvPr>
+        </p:nvSpPr>
+        <p:spPr/>
+      </p:sp>
+      <p:sp>
+        <p:nvSpPr>
+          <p:cNvPr id="3" name="Notes Placeholder 2"/>
           <p:cNvSpPr>
             <a:spLocks noGrp="1"/>
           </p:cNvSpPr>
           <p:nvPr>
-            <p:ph type="title"/>
+            <p:ph type="body" idx="1"/>
           </p:nvPr>
         </p:nvSpPr>
-        <p:spPr>
-          <a:xfrm>
-            <a:off x="677160" y="609480"/>
-            <a:ext cx="8596440" cy="1320480"/>
-          </a:xfrm>
-          <a:prstGeom prst="rect">
-            <a:avLst/>
-          </a:prstGeom>
-        </p:spPr>
+        <p:spPr/>
         <p:txBody>
-          <a:bodyPr lIns="0" tIns="0" rIns="0" bIns="0" anchor="ctr"/>
+          <a:bodyPr/>
           <a:lstStyle/>
           <a:p>
-            <a:endParaRPr lang="en-US" sz="1800" b="0" strike="noStrike" spc="-1">
-              <a:solidFill>
-                <a:srgbClr val="000000"/>
-              </a:solidFill>
-              <a:latin typeface="Trebuchet MS"/>
-            </a:endParaRPr>
+            <a:endParaRPr lang="en-GB"/>
           </a:p>
         </p:txBody>
       </p:sp>
       <p:sp>
         <p:nvSpPr>
-          <p:cNvPr id="49" name="PlaceHolder 2"/>
+          <p:cNvPr id="4" name="Slide Number Placeholder 3"/>
           <p:cNvSpPr>
             <a:spLocks noGrp="1"/>
           </p:cNvSpPr>
           <p:nvPr>
-            <p:ph type="body"/>
+            <p:ph type="sldNum" sz="quarter" idx="10"/>
           </p:nvPr>
         </p:nvSpPr>
-        <p:spPr>
-          <a:xfrm>
-            <a:off x="677160" y="2160720"/>
-            <a:ext cx="8596440" cy="1850760"/>
-          </a:xfrm>
-          <a:prstGeom prst="rect">
-            <a:avLst/>
-          </a:prstGeom>
-        </p:spPr>
+        <p:spPr/>
         <p:txBody>
-          <a:bodyPr lIns="0" tIns="0" rIns="0" bIns="0">
-            <a:normAutofit/>
-          </a:bodyPr>
+          <a:bodyPr/>
           <a:lstStyle/>
           <a:p>
-            <a:endParaRPr lang="en-US" sz="1800" b="0" strike="noStrike" spc="-1">
-              <a:solidFill>
-                <a:srgbClr val="404040"/>
-              </a:solidFill>
-              <a:latin typeface="Trebuchet MS"/>
-            </a:endParaRPr>
+            <a:fld id="{C82BDF54-BC5F-465F-8477-20410E62C8CD}" type="slidenum">
+              <a:rPr lang="en-GB" smtClean="0"/>
+              <a:t>1</a:t>
+            </a:fld>
+            <a:endParaRPr lang="en-GB"/>
           </a:p>
         </p:txBody>
       </p:sp>
-      <p:sp>
-        <p:nvSpPr>
-          <p:cNvPr id="50" name="PlaceHolder 3"/>
-          <p:cNvSpPr>
-            <a:spLocks noGrp="1"/>
-          </p:cNvSpPr>
-          <p:nvPr>
-            <p:ph type="body"/>
-          </p:nvPr>
-        </p:nvSpPr>
-        <p:spPr>
-          <a:xfrm>
-            <a:off x="677160" y="4187520"/>
-            <a:ext cx="8596440" cy="1850760"/>
-          </a:xfrm>
-          <a:prstGeom prst="rect">
-            <a:avLst/>
-          </a:prstGeom>
-        </p:spPr>
-        <p:txBody>
-          <a:bodyPr lIns="0" tIns="0" rIns="0" bIns="0">
-            <a:normAutofit/>
-          </a:bodyPr>
-          <a:lstStyle/>
-          <a:p>
-            <a:endParaRPr lang="en-US" sz="1800" b="0" strike="noStrike" spc="-1">
-              <a:solidFill>
-                <a:srgbClr val="404040"/>
-              </a:solidFill>
-              <a:latin typeface="Trebuchet MS"/>
-            </a:endParaRPr>
-          </a:p>
-        </p:txBody>
-      </p:sp>
     </p:spTree>
+    <p:extLst>
+      <p:ext uri="{BB962C8B-B14F-4D97-AF65-F5344CB8AC3E}">
+        <p14:creationId xmlns:p14="http://schemas.microsoft.com/office/powerpoint/2010/main" val="1036683063"/>
+      </p:ext>
+    </p:extLst>
   </p:cSld>
   <p:clrMapOvr>
     <a:masterClrMapping/>
   </p:clrMapOvr>
-</p:sldLayout>
+</p:notes>
 </file>
 
-<file path=ppt/slideLayouts/slideLayout11.xml><?xml version="1.0" encoding="utf-8"?>
-<p:sldLayout xmlns:a="http://schemas.openxmlformats.org/drawingml/2006/main" xmlns:r="http://schemas.openxmlformats.org/officeDocument/2006/relationships" xmlns:p="http://schemas.openxmlformats.org/presentationml/2006/main" type="fourObj" preserve="1">
-  <p:cSld name="Title, 4 Content">
+<file path=ppt/notesSlides/notesSlide10.xml><?xml version="1.0" encoding="utf-8"?>
+<p:notes xmlns:a="http://schemas.openxmlformats.org/drawingml/2006/main" xmlns:r="http://schemas.openxmlformats.org/officeDocument/2006/relationships" xmlns:p="http://schemas.openxmlformats.org/presentationml/2006/main">
+  <p:cSld>
     <p:spTree>
       <p:nvGrpSpPr>
         <p:cNvPr id="1" name=""/>
@@ -303,183 +592,74 @@
       </p:grpSpPr>
       <p:sp>
         <p:nvSpPr>
-          <p:cNvPr id="51" name="PlaceHolder 1"/>
+          <p:cNvPr id="2" name="Slide Image Placeholder 1"/>
+          <p:cNvSpPr>
+            <a:spLocks noGrp="1" noRot="1" noChangeAspect="1"/>
+          </p:cNvSpPr>
+          <p:nvPr>
+            <p:ph type="sldImg"/>
+          </p:nvPr>
+        </p:nvSpPr>
+        <p:spPr/>
+      </p:sp>
+      <p:sp>
+        <p:nvSpPr>
+          <p:cNvPr id="3" name="Notes Placeholder 2"/>
           <p:cNvSpPr>
             <a:spLocks noGrp="1"/>
           </p:cNvSpPr>
           <p:nvPr>
-            <p:ph type="title"/>
+            <p:ph type="body" idx="1"/>
           </p:nvPr>
         </p:nvSpPr>
-        <p:spPr>
-          <a:xfrm>
-            <a:off x="677160" y="609480"/>
-            <a:ext cx="8596440" cy="1320480"/>
-          </a:xfrm>
-          <a:prstGeom prst="rect">
-            <a:avLst/>
-          </a:prstGeom>
-        </p:spPr>
+        <p:spPr/>
         <p:txBody>
-          <a:bodyPr lIns="0" tIns="0" rIns="0" bIns="0" anchor="ctr"/>
+          <a:bodyPr/>
           <a:lstStyle/>
           <a:p>
-            <a:endParaRPr lang="en-US" sz="1800" b="0" strike="noStrike" spc="-1">
-              <a:solidFill>
-                <a:srgbClr val="000000"/>
-              </a:solidFill>
-              <a:latin typeface="Trebuchet MS"/>
-            </a:endParaRPr>
+            <a:endParaRPr lang="en-GB"/>
           </a:p>
         </p:txBody>
       </p:sp>
       <p:sp>
         <p:nvSpPr>
-          <p:cNvPr id="52" name="PlaceHolder 2"/>
+          <p:cNvPr id="4" name="Slide Number Placeholder 3"/>
           <p:cNvSpPr>
             <a:spLocks noGrp="1"/>
           </p:cNvSpPr>
           <p:nvPr>
-            <p:ph type="body"/>
+            <p:ph type="sldNum" sz="quarter" idx="10"/>
           </p:nvPr>
         </p:nvSpPr>
-        <p:spPr>
-          <a:xfrm>
-            <a:off x="677160" y="2160720"/>
-            <a:ext cx="4194720" cy="1850760"/>
-          </a:xfrm>
-          <a:prstGeom prst="rect">
-            <a:avLst/>
-          </a:prstGeom>
-        </p:spPr>
+        <p:spPr/>
         <p:txBody>
-          <a:bodyPr lIns="0" tIns="0" rIns="0" bIns="0">
-            <a:normAutofit/>
-          </a:bodyPr>
+          <a:bodyPr/>
           <a:lstStyle/>
           <a:p>
-            <a:endParaRPr lang="en-US" sz="1800" b="0" strike="noStrike" spc="-1">
-              <a:solidFill>
-                <a:srgbClr val="404040"/>
-              </a:solidFill>
-              <a:latin typeface="Trebuchet MS"/>
-            </a:endParaRPr>
+            <a:fld id="{C82BDF54-BC5F-465F-8477-20410E62C8CD}" type="slidenum">
+              <a:rPr lang="en-GB" smtClean="0"/>
+              <a:t>22</a:t>
+            </a:fld>
+            <a:endParaRPr lang="en-GB"/>
           </a:p>
         </p:txBody>
       </p:sp>
-      <p:sp>
-        <p:nvSpPr>
-          <p:cNvPr id="53" name="PlaceHolder 3"/>
-          <p:cNvSpPr>
-            <a:spLocks noGrp="1"/>
-          </p:cNvSpPr>
-          <p:nvPr>
-            <p:ph type="body"/>
-          </p:nvPr>
-        </p:nvSpPr>
-        <p:spPr>
-          <a:xfrm>
-            <a:off x="5082120" y="2160720"/>
-            <a:ext cx="4194720" cy="1850760"/>
-          </a:xfrm>
-          <a:prstGeom prst="rect">
-            <a:avLst/>
-          </a:prstGeom>
-        </p:spPr>
-        <p:txBody>
-          <a:bodyPr lIns="0" tIns="0" rIns="0" bIns="0">
-            <a:normAutofit/>
-          </a:bodyPr>
-          <a:lstStyle/>
-          <a:p>
-            <a:endParaRPr lang="en-US" sz="1800" b="0" strike="noStrike" spc="-1">
-              <a:solidFill>
-                <a:srgbClr val="404040"/>
-              </a:solidFill>
-              <a:latin typeface="Trebuchet MS"/>
-            </a:endParaRPr>
-          </a:p>
-        </p:txBody>
-      </p:sp>
-      <p:sp>
-        <p:nvSpPr>
-          <p:cNvPr id="54" name="PlaceHolder 4"/>
-          <p:cNvSpPr>
-            <a:spLocks noGrp="1"/>
-          </p:cNvSpPr>
-          <p:nvPr>
-            <p:ph type="body"/>
-          </p:nvPr>
-        </p:nvSpPr>
-        <p:spPr>
-          <a:xfrm>
-            <a:off x="677160" y="4187520"/>
-            <a:ext cx="4194720" cy="1850760"/>
-          </a:xfrm>
-          <a:prstGeom prst="rect">
-            <a:avLst/>
-          </a:prstGeom>
-        </p:spPr>
-        <p:txBody>
-          <a:bodyPr lIns="0" tIns="0" rIns="0" bIns="0">
-            <a:normAutofit/>
-          </a:bodyPr>
-          <a:lstStyle/>
-          <a:p>
-            <a:endParaRPr lang="en-US" sz="1800" b="0" strike="noStrike" spc="-1">
-              <a:solidFill>
-                <a:srgbClr val="404040"/>
-              </a:solidFill>
-              <a:latin typeface="Trebuchet MS"/>
-            </a:endParaRPr>
-          </a:p>
-        </p:txBody>
-      </p:sp>
-      <p:sp>
-        <p:nvSpPr>
-          <p:cNvPr id="55" name="PlaceHolder 5"/>
-          <p:cNvSpPr>
-            <a:spLocks noGrp="1"/>
-          </p:cNvSpPr>
-          <p:nvPr>
-            <p:ph type="body"/>
-          </p:nvPr>
-        </p:nvSpPr>
-        <p:spPr>
-          <a:xfrm>
-            <a:off x="5082120" y="4187520"/>
-            <a:ext cx="4194720" cy="1850760"/>
-          </a:xfrm>
-          <a:prstGeom prst="rect">
-            <a:avLst/>
-          </a:prstGeom>
-        </p:spPr>
-        <p:txBody>
-          <a:bodyPr lIns="0" tIns="0" rIns="0" bIns="0">
-            <a:normAutofit/>
-          </a:bodyPr>
-          <a:lstStyle/>
-          <a:p>
-            <a:endParaRPr lang="en-US" sz="1800" b="0" strike="noStrike" spc="-1">
-              <a:solidFill>
-                <a:srgbClr val="404040"/>
-              </a:solidFill>
-              <a:latin typeface="Trebuchet MS"/>
-            </a:endParaRPr>
-          </a:p>
-        </p:txBody>
-      </p:sp>
     </p:spTree>
+    <p:extLst>
+      <p:ext uri="{BB962C8B-B14F-4D97-AF65-F5344CB8AC3E}">
+        <p14:creationId xmlns:p14="http://schemas.microsoft.com/office/powerpoint/2010/main" val="988131870"/>
+      </p:ext>
+    </p:extLst>
   </p:cSld>
   <p:clrMapOvr>
     <a:masterClrMapping/>
   </p:clrMapOvr>
-</p:sldLayout>
+</p:notes>
 </file>
 
-<file path=ppt/slideLayouts/slideLayout12.xml><?xml version="1.0" encoding="utf-8"?>
-<p:sldLayout xmlns:a="http://schemas.openxmlformats.org/drawingml/2006/main" xmlns:r="http://schemas.openxmlformats.org/officeDocument/2006/relationships" xmlns:p="http://schemas.openxmlformats.org/presentationml/2006/main" type="blank" preserve="1">
-  <p:cSld name="Title, 6 Content">
+<file path=ppt/notesSlides/notesSlide2.xml><?xml version="1.0" encoding="utf-8"?>
+<p:notes xmlns:a="http://schemas.openxmlformats.org/drawingml/2006/main" xmlns:r="http://schemas.openxmlformats.org/officeDocument/2006/relationships" xmlns:p="http://schemas.openxmlformats.org/presentationml/2006/main">
+  <p:cSld>
     <p:spTree>
       <p:nvGrpSpPr>
         <p:cNvPr id="1" name=""/>
@@ -496,251 +676,74 @@
       </p:grpSpPr>
       <p:sp>
         <p:nvSpPr>
-          <p:cNvPr id="56" name="PlaceHolder 1"/>
+          <p:cNvPr id="2" name="Slide Image Placeholder 1"/>
+          <p:cNvSpPr>
+            <a:spLocks noGrp="1" noRot="1" noChangeAspect="1"/>
+          </p:cNvSpPr>
+          <p:nvPr>
+            <p:ph type="sldImg"/>
+          </p:nvPr>
+        </p:nvSpPr>
+        <p:spPr/>
+      </p:sp>
+      <p:sp>
+        <p:nvSpPr>
+          <p:cNvPr id="3" name="Notes Placeholder 2"/>
           <p:cNvSpPr>
             <a:spLocks noGrp="1"/>
           </p:cNvSpPr>
           <p:nvPr>
-            <p:ph type="title"/>
+            <p:ph type="body" idx="1"/>
           </p:nvPr>
         </p:nvSpPr>
-        <p:spPr>
-          <a:xfrm>
-            <a:off x="677160" y="609480"/>
-            <a:ext cx="8596440" cy="1320480"/>
-          </a:xfrm>
-          <a:prstGeom prst="rect">
-            <a:avLst/>
-          </a:prstGeom>
-        </p:spPr>
+        <p:spPr/>
         <p:txBody>
-          <a:bodyPr lIns="0" tIns="0" rIns="0" bIns="0" anchor="ctr"/>
+          <a:bodyPr/>
           <a:lstStyle/>
           <a:p>
-            <a:endParaRPr lang="en-US" sz="1800" b="0" strike="noStrike" spc="-1">
-              <a:solidFill>
-                <a:srgbClr val="000000"/>
-              </a:solidFill>
-              <a:latin typeface="Trebuchet MS"/>
-            </a:endParaRPr>
+            <a:endParaRPr lang="en-GB"/>
           </a:p>
         </p:txBody>
       </p:sp>
       <p:sp>
         <p:nvSpPr>
-          <p:cNvPr id="57" name="PlaceHolder 2"/>
+          <p:cNvPr id="4" name="Slide Number Placeholder 3"/>
           <p:cNvSpPr>
             <a:spLocks noGrp="1"/>
           </p:cNvSpPr>
           <p:nvPr>
-            <p:ph type="body"/>
+            <p:ph type="sldNum" sz="quarter" idx="10"/>
           </p:nvPr>
         </p:nvSpPr>
-        <p:spPr>
-          <a:xfrm>
-            <a:off x="677160" y="2160720"/>
-            <a:ext cx="2767680" cy="1850760"/>
-          </a:xfrm>
-          <a:prstGeom prst="rect">
-            <a:avLst/>
-          </a:prstGeom>
-        </p:spPr>
+        <p:spPr/>
         <p:txBody>
-          <a:bodyPr lIns="0" tIns="0" rIns="0" bIns="0">
-            <a:normAutofit/>
-          </a:bodyPr>
+          <a:bodyPr/>
           <a:lstStyle/>
           <a:p>
-            <a:endParaRPr lang="en-US" sz="1800" b="0" strike="noStrike" spc="-1">
-              <a:solidFill>
-                <a:srgbClr val="404040"/>
-              </a:solidFill>
-              <a:latin typeface="Trebuchet MS"/>
-            </a:endParaRPr>
+            <a:fld id="{C82BDF54-BC5F-465F-8477-20410E62C8CD}" type="slidenum">
+              <a:rPr lang="en-GB" smtClean="0"/>
+              <a:t>2</a:t>
+            </a:fld>
+            <a:endParaRPr lang="en-GB"/>
           </a:p>
         </p:txBody>
       </p:sp>
-      <p:sp>
-        <p:nvSpPr>
-          <p:cNvPr id="58" name="PlaceHolder 3"/>
-          <p:cNvSpPr>
-            <a:spLocks noGrp="1"/>
-          </p:cNvSpPr>
-          <p:nvPr>
-            <p:ph type="body"/>
-          </p:nvPr>
-        </p:nvSpPr>
-        <p:spPr>
-          <a:xfrm>
-            <a:off x="3583440" y="2160720"/>
-            <a:ext cx="2767680" cy="1850760"/>
-          </a:xfrm>
-          <a:prstGeom prst="rect">
-            <a:avLst/>
-          </a:prstGeom>
-        </p:spPr>
-        <p:txBody>
-          <a:bodyPr lIns="0" tIns="0" rIns="0" bIns="0">
-            <a:normAutofit/>
-          </a:bodyPr>
-          <a:lstStyle/>
-          <a:p>
-            <a:endParaRPr lang="en-US" sz="1800" b="0" strike="noStrike" spc="-1">
-              <a:solidFill>
-                <a:srgbClr val="404040"/>
-              </a:solidFill>
-              <a:latin typeface="Trebuchet MS"/>
-            </a:endParaRPr>
-          </a:p>
-        </p:txBody>
-      </p:sp>
-      <p:sp>
-        <p:nvSpPr>
-          <p:cNvPr id="59" name="PlaceHolder 4"/>
-          <p:cNvSpPr>
-            <a:spLocks noGrp="1"/>
-          </p:cNvSpPr>
-          <p:nvPr>
-            <p:ph type="body"/>
-          </p:nvPr>
-        </p:nvSpPr>
-        <p:spPr>
-          <a:xfrm>
-            <a:off x="6490080" y="2160720"/>
-            <a:ext cx="2767680" cy="1850760"/>
-          </a:xfrm>
-          <a:prstGeom prst="rect">
-            <a:avLst/>
-          </a:prstGeom>
-        </p:spPr>
-        <p:txBody>
-          <a:bodyPr lIns="0" tIns="0" rIns="0" bIns="0">
-            <a:normAutofit/>
-          </a:bodyPr>
-          <a:lstStyle/>
-          <a:p>
-            <a:endParaRPr lang="en-US" sz="1800" b="0" strike="noStrike" spc="-1">
-              <a:solidFill>
-                <a:srgbClr val="404040"/>
-              </a:solidFill>
-              <a:latin typeface="Trebuchet MS"/>
-            </a:endParaRPr>
-          </a:p>
-        </p:txBody>
-      </p:sp>
-      <p:sp>
-        <p:nvSpPr>
-          <p:cNvPr id="60" name="PlaceHolder 5"/>
-          <p:cNvSpPr>
-            <a:spLocks noGrp="1"/>
-          </p:cNvSpPr>
-          <p:nvPr>
-            <p:ph type="body"/>
-          </p:nvPr>
-        </p:nvSpPr>
-        <p:spPr>
-          <a:xfrm>
-            <a:off x="677160" y="4187520"/>
-            <a:ext cx="2767680" cy="1850760"/>
-          </a:xfrm>
-          <a:prstGeom prst="rect">
-            <a:avLst/>
-          </a:prstGeom>
-        </p:spPr>
-        <p:txBody>
-          <a:bodyPr lIns="0" tIns="0" rIns="0" bIns="0">
-            <a:normAutofit/>
-          </a:bodyPr>
-          <a:lstStyle/>
-          <a:p>
-            <a:endParaRPr lang="en-US" sz="1800" b="0" strike="noStrike" spc="-1">
-              <a:solidFill>
-                <a:srgbClr val="404040"/>
-              </a:solidFill>
-              <a:latin typeface="Trebuchet MS"/>
-            </a:endParaRPr>
-          </a:p>
-        </p:txBody>
-      </p:sp>
-      <p:sp>
-        <p:nvSpPr>
-          <p:cNvPr id="61" name="PlaceHolder 6"/>
-          <p:cNvSpPr>
-            <a:spLocks noGrp="1"/>
-          </p:cNvSpPr>
-          <p:nvPr>
-            <p:ph type="body"/>
-          </p:nvPr>
-        </p:nvSpPr>
-        <p:spPr>
-          <a:xfrm>
-            <a:off x="3583440" y="4187520"/>
-            <a:ext cx="2767680" cy="1850760"/>
-          </a:xfrm>
-          <a:prstGeom prst="rect">
-            <a:avLst/>
-          </a:prstGeom>
-        </p:spPr>
-        <p:txBody>
-          <a:bodyPr lIns="0" tIns="0" rIns="0" bIns="0">
-            <a:normAutofit/>
-          </a:bodyPr>
-          <a:lstStyle/>
-          <a:p>
-            <a:endParaRPr lang="en-US" sz="1800" b="0" strike="noStrike" spc="-1">
-              <a:solidFill>
-                <a:srgbClr val="404040"/>
-              </a:solidFill>
-              <a:latin typeface="Trebuchet MS"/>
-            </a:endParaRPr>
-          </a:p>
-        </p:txBody>
-      </p:sp>
-      <p:sp>
-        <p:nvSpPr>
-          <p:cNvPr id="62" name="PlaceHolder 7"/>
-          <p:cNvSpPr>
-            <a:spLocks noGrp="1"/>
-          </p:cNvSpPr>
-          <p:nvPr>
-            <p:ph type="body"/>
-          </p:nvPr>
-        </p:nvSpPr>
-        <p:spPr>
-          <a:xfrm>
-            <a:off x="6490080" y="4187520"/>
-            <a:ext cx="2767680" cy="1850760"/>
-          </a:xfrm>
-          <a:prstGeom prst="rect">
-            <a:avLst/>
-          </a:prstGeom>
-        </p:spPr>
-        <p:txBody>
-          <a:bodyPr lIns="0" tIns="0" rIns="0" bIns="0">
-            <a:normAutofit/>
-          </a:bodyPr>
-          <a:lstStyle/>
-          <a:p>
-            <a:endParaRPr lang="en-US" sz="1800" b="0" strike="noStrike" spc="-1">
-              <a:solidFill>
-                <a:srgbClr val="404040"/>
-              </a:solidFill>
-              <a:latin typeface="Trebuchet MS"/>
-            </a:endParaRPr>
-          </a:p>
-        </p:txBody>
-      </p:sp>
     </p:spTree>
+    <p:extLst>
+      <p:ext uri="{BB962C8B-B14F-4D97-AF65-F5344CB8AC3E}">
+        <p14:creationId xmlns:p14="http://schemas.microsoft.com/office/powerpoint/2010/main" val="832015162"/>
+      </p:ext>
+    </p:extLst>
   </p:cSld>
   <p:clrMapOvr>
     <a:masterClrMapping/>
   </p:clrMapOvr>
-</p:sldLayout>
+</p:notes>
 </file>
 
-<file path=ppt/slideLayouts/slideLayout13.xml><?xml version="1.0" encoding="utf-8"?>
-<p:sldLayout xmlns:a="http://schemas.openxmlformats.org/drawingml/2006/main" xmlns:r="http://schemas.openxmlformats.org/officeDocument/2006/relationships" xmlns:p="http://schemas.openxmlformats.org/presentationml/2006/main" type="blank" preserve="1">
-  <p:cSld name="Blank Slide">
+<file path=ppt/notesSlides/notesSlide3.xml><?xml version="1.0" encoding="utf-8"?>
+<p:notes xmlns:a="http://schemas.openxmlformats.org/drawingml/2006/main" xmlns:r="http://schemas.openxmlformats.org/officeDocument/2006/relationships" xmlns:p="http://schemas.openxmlformats.org/presentationml/2006/main">
+  <p:cSld>
     <p:spTree>
       <p:nvGrpSpPr>
         <p:cNvPr id="1" name=""/>
@@ -755,16 +758,579 @@
           <a:chExt cx="0" cy="0"/>
         </a:xfrm>
       </p:grpSpPr>
+      <p:sp>
+        <p:nvSpPr>
+          <p:cNvPr id="2" name="Slide Image Placeholder 1"/>
+          <p:cNvSpPr>
+            <a:spLocks noGrp="1" noRot="1" noChangeAspect="1"/>
+          </p:cNvSpPr>
+          <p:nvPr>
+            <p:ph type="sldImg"/>
+          </p:nvPr>
+        </p:nvSpPr>
+        <p:spPr/>
+      </p:sp>
+      <p:sp>
+        <p:nvSpPr>
+          <p:cNvPr id="3" name="Notes Placeholder 2"/>
+          <p:cNvSpPr>
+            <a:spLocks noGrp="1"/>
+          </p:cNvSpPr>
+          <p:nvPr>
+            <p:ph type="body" idx="1"/>
+          </p:nvPr>
+        </p:nvSpPr>
+        <p:spPr/>
+        <p:txBody>
+          <a:bodyPr/>
+          <a:lstStyle/>
+          <a:p>
+            <a:endParaRPr lang="en-GB"/>
+          </a:p>
+        </p:txBody>
+      </p:sp>
+      <p:sp>
+        <p:nvSpPr>
+          <p:cNvPr id="4" name="Slide Number Placeholder 3"/>
+          <p:cNvSpPr>
+            <a:spLocks noGrp="1"/>
+          </p:cNvSpPr>
+          <p:nvPr>
+            <p:ph type="sldNum" sz="quarter" idx="10"/>
+          </p:nvPr>
+        </p:nvSpPr>
+        <p:spPr/>
+        <p:txBody>
+          <a:bodyPr/>
+          <a:lstStyle/>
+          <a:p>
+            <a:fld id="{C82BDF54-BC5F-465F-8477-20410E62C8CD}" type="slidenum">
+              <a:rPr lang="en-GB" smtClean="0"/>
+              <a:t>4</a:t>
+            </a:fld>
+            <a:endParaRPr lang="en-GB"/>
+          </a:p>
+        </p:txBody>
+      </p:sp>
     </p:spTree>
+    <p:extLst>
+      <p:ext uri="{BB962C8B-B14F-4D97-AF65-F5344CB8AC3E}">
+        <p14:creationId xmlns:p14="http://schemas.microsoft.com/office/powerpoint/2010/main" val="1431787693"/>
+      </p:ext>
+    </p:extLst>
   </p:cSld>
   <p:clrMapOvr>
     <a:masterClrMapping/>
   </p:clrMapOvr>
-</p:sldLayout>
+</p:notes>
 </file>
 
-<file path=ppt/slideLayouts/slideLayout14.xml><?xml version="1.0" encoding="utf-8"?>
-<p:sldLayout xmlns:a="http://schemas.openxmlformats.org/drawingml/2006/main" xmlns:r="http://schemas.openxmlformats.org/officeDocument/2006/relationships" xmlns:p="http://schemas.openxmlformats.org/presentationml/2006/main" type="tx" preserve="1">
+<file path=ppt/notesSlides/notesSlide4.xml><?xml version="1.0" encoding="utf-8"?>
+<p:notes xmlns:a="http://schemas.openxmlformats.org/drawingml/2006/main" xmlns:r="http://schemas.openxmlformats.org/officeDocument/2006/relationships" xmlns:p="http://schemas.openxmlformats.org/presentationml/2006/main">
+  <p:cSld>
+    <p:spTree>
+      <p:nvGrpSpPr>
+        <p:cNvPr id="1" name=""/>
+        <p:cNvGrpSpPr/>
+        <p:nvPr/>
+      </p:nvGrpSpPr>
+      <p:grpSpPr>
+        <a:xfrm>
+          <a:off x="0" y="0"/>
+          <a:ext cx="0" cy="0"/>
+          <a:chOff x="0" y="0"/>
+          <a:chExt cx="0" cy="0"/>
+        </a:xfrm>
+      </p:grpSpPr>
+      <p:sp>
+        <p:nvSpPr>
+          <p:cNvPr id="2" name="Slide Image Placeholder 1"/>
+          <p:cNvSpPr>
+            <a:spLocks noGrp="1" noRot="1" noChangeAspect="1"/>
+          </p:cNvSpPr>
+          <p:nvPr>
+            <p:ph type="sldImg"/>
+          </p:nvPr>
+        </p:nvSpPr>
+        <p:spPr/>
+      </p:sp>
+      <p:sp>
+        <p:nvSpPr>
+          <p:cNvPr id="3" name="Notes Placeholder 2"/>
+          <p:cNvSpPr>
+            <a:spLocks noGrp="1"/>
+          </p:cNvSpPr>
+          <p:nvPr>
+            <p:ph type="body" idx="1"/>
+          </p:nvPr>
+        </p:nvSpPr>
+        <p:spPr/>
+        <p:txBody>
+          <a:bodyPr/>
+          <a:lstStyle/>
+          <a:p>
+            <a:endParaRPr lang="en-GB"/>
+          </a:p>
+        </p:txBody>
+      </p:sp>
+      <p:sp>
+        <p:nvSpPr>
+          <p:cNvPr id="4" name="Slide Number Placeholder 3"/>
+          <p:cNvSpPr>
+            <a:spLocks noGrp="1"/>
+          </p:cNvSpPr>
+          <p:nvPr>
+            <p:ph type="sldNum" sz="quarter" idx="10"/>
+          </p:nvPr>
+        </p:nvSpPr>
+        <p:spPr/>
+        <p:txBody>
+          <a:bodyPr/>
+          <a:lstStyle/>
+          <a:p>
+            <a:fld id="{C82BDF54-BC5F-465F-8477-20410E62C8CD}" type="slidenum">
+              <a:rPr lang="en-GB" smtClean="0"/>
+              <a:t>11</a:t>
+            </a:fld>
+            <a:endParaRPr lang="en-GB"/>
+          </a:p>
+        </p:txBody>
+      </p:sp>
+    </p:spTree>
+    <p:extLst>
+      <p:ext uri="{BB962C8B-B14F-4D97-AF65-F5344CB8AC3E}">
+        <p14:creationId xmlns:p14="http://schemas.microsoft.com/office/powerpoint/2010/main" val="3064036196"/>
+      </p:ext>
+    </p:extLst>
+  </p:cSld>
+  <p:clrMapOvr>
+    <a:masterClrMapping/>
+  </p:clrMapOvr>
+</p:notes>
+</file>
+
+<file path=ppt/notesSlides/notesSlide5.xml><?xml version="1.0" encoding="utf-8"?>
+<p:notes xmlns:a="http://schemas.openxmlformats.org/drawingml/2006/main" xmlns:r="http://schemas.openxmlformats.org/officeDocument/2006/relationships" xmlns:p="http://schemas.openxmlformats.org/presentationml/2006/main">
+  <p:cSld>
+    <p:spTree>
+      <p:nvGrpSpPr>
+        <p:cNvPr id="1" name=""/>
+        <p:cNvGrpSpPr/>
+        <p:nvPr/>
+      </p:nvGrpSpPr>
+      <p:grpSpPr>
+        <a:xfrm>
+          <a:off x="0" y="0"/>
+          <a:ext cx="0" cy="0"/>
+          <a:chOff x="0" y="0"/>
+          <a:chExt cx="0" cy="0"/>
+        </a:xfrm>
+      </p:grpSpPr>
+      <p:sp>
+        <p:nvSpPr>
+          <p:cNvPr id="2" name="Slide Image Placeholder 1"/>
+          <p:cNvSpPr>
+            <a:spLocks noGrp="1" noRot="1" noChangeAspect="1"/>
+          </p:cNvSpPr>
+          <p:nvPr>
+            <p:ph type="sldImg"/>
+          </p:nvPr>
+        </p:nvSpPr>
+        <p:spPr/>
+      </p:sp>
+      <p:sp>
+        <p:nvSpPr>
+          <p:cNvPr id="3" name="Notes Placeholder 2"/>
+          <p:cNvSpPr>
+            <a:spLocks noGrp="1"/>
+          </p:cNvSpPr>
+          <p:nvPr>
+            <p:ph type="body" idx="1"/>
+          </p:nvPr>
+        </p:nvSpPr>
+        <p:spPr/>
+        <p:txBody>
+          <a:bodyPr/>
+          <a:lstStyle/>
+          <a:p>
+            <a:endParaRPr lang="en-GB"/>
+          </a:p>
+        </p:txBody>
+      </p:sp>
+      <p:sp>
+        <p:nvSpPr>
+          <p:cNvPr id="4" name="Slide Number Placeholder 3"/>
+          <p:cNvSpPr>
+            <a:spLocks noGrp="1"/>
+          </p:cNvSpPr>
+          <p:nvPr>
+            <p:ph type="sldNum" sz="quarter" idx="10"/>
+          </p:nvPr>
+        </p:nvSpPr>
+        <p:spPr/>
+        <p:txBody>
+          <a:bodyPr/>
+          <a:lstStyle/>
+          <a:p>
+            <a:fld id="{C82BDF54-BC5F-465F-8477-20410E62C8CD}" type="slidenum">
+              <a:rPr lang="en-GB" smtClean="0"/>
+              <a:t>13</a:t>
+            </a:fld>
+            <a:endParaRPr lang="en-GB"/>
+          </a:p>
+        </p:txBody>
+      </p:sp>
+    </p:spTree>
+    <p:extLst>
+      <p:ext uri="{BB962C8B-B14F-4D97-AF65-F5344CB8AC3E}">
+        <p14:creationId xmlns:p14="http://schemas.microsoft.com/office/powerpoint/2010/main" val="2777773749"/>
+      </p:ext>
+    </p:extLst>
+  </p:cSld>
+  <p:clrMapOvr>
+    <a:masterClrMapping/>
+  </p:clrMapOvr>
+</p:notes>
+</file>
+
+<file path=ppt/notesSlides/notesSlide6.xml><?xml version="1.0" encoding="utf-8"?>
+<p:notes xmlns:a="http://schemas.openxmlformats.org/drawingml/2006/main" xmlns:r="http://schemas.openxmlformats.org/officeDocument/2006/relationships" xmlns:p="http://schemas.openxmlformats.org/presentationml/2006/main">
+  <p:cSld>
+    <p:spTree>
+      <p:nvGrpSpPr>
+        <p:cNvPr id="1" name=""/>
+        <p:cNvGrpSpPr/>
+        <p:nvPr/>
+      </p:nvGrpSpPr>
+      <p:grpSpPr>
+        <a:xfrm>
+          <a:off x="0" y="0"/>
+          <a:ext cx="0" cy="0"/>
+          <a:chOff x="0" y="0"/>
+          <a:chExt cx="0" cy="0"/>
+        </a:xfrm>
+      </p:grpSpPr>
+      <p:sp>
+        <p:nvSpPr>
+          <p:cNvPr id="2" name="Slide Image Placeholder 1"/>
+          <p:cNvSpPr>
+            <a:spLocks noGrp="1" noRot="1" noChangeAspect="1"/>
+          </p:cNvSpPr>
+          <p:nvPr>
+            <p:ph type="sldImg"/>
+          </p:nvPr>
+        </p:nvSpPr>
+        <p:spPr/>
+      </p:sp>
+      <p:sp>
+        <p:nvSpPr>
+          <p:cNvPr id="3" name="Notes Placeholder 2"/>
+          <p:cNvSpPr>
+            <a:spLocks noGrp="1"/>
+          </p:cNvSpPr>
+          <p:nvPr>
+            <p:ph type="body" idx="1"/>
+          </p:nvPr>
+        </p:nvSpPr>
+        <p:spPr/>
+        <p:txBody>
+          <a:bodyPr/>
+          <a:lstStyle/>
+          <a:p>
+            <a:endParaRPr lang="en-GB"/>
+          </a:p>
+        </p:txBody>
+      </p:sp>
+      <p:sp>
+        <p:nvSpPr>
+          <p:cNvPr id="4" name="Slide Number Placeholder 3"/>
+          <p:cNvSpPr>
+            <a:spLocks noGrp="1"/>
+          </p:cNvSpPr>
+          <p:nvPr>
+            <p:ph type="sldNum" sz="quarter" idx="10"/>
+          </p:nvPr>
+        </p:nvSpPr>
+        <p:spPr/>
+        <p:txBody>
+          <a:bodyPr/>
+          <a:lstStyle/>
+          <a:p>
+            <a:fld id="{C82BDF54-BC5F-465F-8477-20410E62C8CD}" type="slidenum">
+              <a:rPr lang="en-GB" smtClean="0"/>
+              <a:t>17</a:t>
+            </a:fld>
+            <a:endParaRPr lang="en-GB"/>
+          </a:p>
+        </p:txBody>
+      </p:sp>
+    </p:spTree>
+    <p:extLst>
+      <p:ext uri="{BB962C8B-B14F-4D97-AF65-F5344CB8AC3E}">
+        <p14:creationId xmlns:p14="http://schemas.microsoft.com/office/powerpoint/2010/main" val="1128320446"/>
+      </p:ext>
+    </p:extLst>
+  </p:cSld>
+  <p:clrMapOvr>
+    <a:masterClrMapping/>
+  </p:clrMapOvr>
+</p:notes>
+</file>
+
+<file path=ppt/notesSlides/notesSlide7.xml><?xml version="1.0" encoding="utf-8"?>
+<p:notes xmlns:a="http://schemas.openxmlformats.org/drawingml/2006/main" xmlns:r="http://schemas.openxmlformats.org/officeDocument/2006/relationships" xmlns:p="http://schemas.openxmlformats.org/presentationml/2006/main">
+  <p:cSld>
+    <p:spTree>
+      <p:nvGrpSpPr>
+        <p:cNvPr id="1" name=""/>
+        <p:cNvGrpSpPr/>
+        <p:nvPr/>
+      </p:nvGrpSpPr>
+      <p:grpSpPr>
+        <a:xfrm>
+          <a:off x="0" y="0"/>
+          <a:ext cx="0" cy="0"/>
+          <a:chOff x="0" y="0"/>
+          <a:chExt cx="0" cy="0"/>
+        </a:xfrm>
+      </p:grpSpPr>
+      <p:sp>
+        <p:nvSpPr>
+          <p:cNvPr id="2" name="Slide Image Placeholder 1"/>
+          <p:cNvSpPr>
+            <a:spLocks noGrp="1" noRot="1" noChangeAspect="1"/>
+          </p:cNvSpPr>
+          <p:nvPr>
+            <p:ph type="sldImg"/>
+          </p:nvPr>
+        </p:nvSpPr>
+        <p:spPr/>
+      </p:sp>
+      <p:sp>
+        <p:nvSpPr>
+          <p:cNvPr id="3" name="Notes Placeholder 2"/>
+          <p:cNvSpPr>
+            <a:spLocks noGrp="1"/>
+          </p:cNvSpPr>
+          <p:nvPr>
+            <p:ph type="body" idx="1"/>
+          </p:nvPr>
+        </p:nvSpPr>
+        <p:spPr/>
+        <p:txBody>
+          <a:bodyPr/>
+          <a:lstStyle/>
+          <a:p>
+            <a:endParaRPr lang="en-GB"/>
+          </a:p>
+        </p:txBody>
+      </p:sp>
+      <p:sp>
+        <p:nvSpPr>
+          <p:cNvPr id="4" name="Slide Number Placeholder 3"/>
+          <p:cNvSpPr>
+            <a:spLocks noGrp="1"/>
+          </p:cNvSpPr>
+          <p:nvPr>
+            <p:ph type="sldNum" sz="quarter" idx="10"/>
+          </p:nvPr>
+        </p:nvSpPr>
+        <p:spPr/>
+        <p:txBody>
+          <a:bodyPr/>
+          <a:lstStyle/>
+          <a:p>
+            <a:fld id="{C82BDF54-BC5F-465F-8477-20410E62C8CD}" type="slidenum">
+              <a:rPr lang="en-GB" smtClean="0"/>
+              <a:t>18</a:t>
+            </a:fld>
+            <a:endParaRPr lang="en-GB"/>
+          </a:p>
+        </p:txBody>
+      </p:sp>
+    </p:spTree>
+    <p:extLst>
+      <p:ext uri="{BB962C8B-B14F-4D97-AF65-F5344CB8AC3E}">
+        <p14:creationId xmlns:p14="http://schemas.microsoft.com/office/powerpoint/2010/main" val="2528740417"/>
+      </p:ext>
+    </p:extLst>
+  </p:cSld>
+  <p:clrMapOvr>
+    <a:masterClrMapping/>
+  </p:clrMapOvr>
+</p:notes>
+</file>
+
+<file path=ppt/notesSlides/notesSlide8.xml><?xml version="1.0" encoding="utf-8"?>
+<p:notes xmlns:a="http://schemas.openxmlformats.org/drawingml/2006/main" xmlns:r="http://schemas.openxmlformats.org/officeDocument/2006/relationships" xmlns:p="http://schemas.openxmlformats.org/presentationml/2006/main">
+  <p:cSld>
+    <p:spTree>
+      <p:nvGrpSpPr>
+        <p:cNvPr id="1" name=""/>
+        <p:cNvGrpSpPr/>
+        <p:nvPr/>
+      </p:nvGrpSpPr>
+      <p:grpSpPr>
+        <a:xfrm>
+          <a:off x="0" y="0"/>
+          <a:ext cx="0" cy="0"/>
+          <a:chOff x="0" y="0"/>
+          <a:chExt cx="0" cy="0"/>
+        </a:xfrm>
+      </p:grpSpPr>
+      <p:sp>
+        <p:nvSpPr>
+          <p:cNvPr id="2" name="Slide Image Placeholder 1"/>
+          <p:cNvSpPr>
+            <a:spLocks noGrp="1" noRot="1" noChangeAspect="1"/>
+          </p:cNvSpPr>
+          <p:nvPr>
+            <p:ph type="sldImg"/>
+          </p:nvPr>
+        </p:nvSpPr>
+        <p:spPr/>
+      </p:sp>
+      <p:sp>
+        <p:nvSpPr>
+          <p:cNvPr id="3" name="Notes Placeholder 2"/>
+          <p:cNvSpPr>
+            <a:spLocks noGrp="1"/>
+          </p:cNvSpPr>
+          <p:nvPr>
+            <p:ph type="body" idx="1"/>
+          </p:nvPr>
+        </p:nvSpPr>
+        <p:spPr/>
+        <p:txBody>
+          <a:bodyPr/>
+          <a:lstStyle/>
+          <a:p>
+            <a:endParaRPr lang="en-GB"/>
+          </a:p>
+        </p:txBody>
+      </p:sp>
+      <p:sp>
+        <p:nvSpPr>
+          <p:cNvPr id="4" name="Slide Number Placeholder 3"/>
+          <p:cNvSpPr>
+            <a:spLocks noGrp="1"/>
+          </p:cNvSpPr>
+          <p:nvPr>
+            <p:ph type="sldNum" sz="quarter" idx="10"/>
+          </p:nvPr>
+        </p:nvSpPr>
+        <p:spPr/>
+        <p:txBody>
+          <a:bodyPr/>
+          <a:lstStyle/>
+          <a:p>
+            <a:fld id="{C82BDF54-BC5F-465F-8477-20410E62C8CD}" type="slidenum">
+              <a:rPr lang="en-GB" smtClean="0"/>
+              <a:t>19</a:t>
+            </a:fld>
+            <a:endParaRPr lang="en-GB"/>
+          </a:p>
+        </p:txBody>
+      </p:sp>
+    </p:spTree>
+    <p:extLst>
+      <p:ext uri="{BB962C8B-B14F-4D97-AF65-F5344CB8AC3E}">
+        <p14:creationId xmlns:p14="http://schemas.microsoft.com/office/powerpoint/2010/main" val="3992448174"/>
+      </p:ext>
+    </p:extLst>
+  </p:cSld>
+  <p:clrMapOvr>
+    <a:masterClrMapping/>
+  </p:clrMapOvr>
+</p:notes>
+</file>
+
+<file path=ppt/notesSlides/notesSlide9.xml><?xml version="1.0" encoding="utf-8"?>
+<p:notes xmlns:a="http://schemas.openxmlformats.org/drawingml/2006/main" xmlns:r="http://schemas.openxmlformats.org/officeDocument/2006/relationships" xmlns:p="http://schemas.openxmlformats.org/presentationml/2006/main">
+  <p:cSld>
+    <p:spTree>
+      <p:nvGrpSpPr>
+        <p:cNvPr id="1" name=""/>
+        <p:cNvGrpSpPr/>
+        <p:nvPr/>
+      </p:nvGrpSpPr>
+      <p:grpSpPr>
+        <a:xfrm>
+          <a:off x="0" y="0"/>
+          <a:ext cx="0" cy="0"/>
+          <a:chOff x="0" y="0"/>
+          <a:chExt cx="0" cy="0"/>
+        </a:xfrm>
+      </p:grpSpPr>
+      <p:sp>
+        <p:nvSpPr>
+          <p:cNvPr id="2" name="Slide Image Placeholder 1"/>
+          <p:cNvSpPr>
+            <a:spLocks noGrp="1" noRot="1" noChangeAspect="1"/>
+          </p:cNvSpPr>
+          <p:nvPr>
+            <p:ph type="sldImg"/>
+          </p:nvPr>
+        </p:nvSpPr>
+        <p:spPr/>
+      </p:sp>
+      <p:sp>
+        <p:nvSpPr>
+          <p:cNvPr id="3" name="Notes Placeholder 2"/>
+          <p:cNvSpPr>
+            <a:spLocks noGrp="1"/>
+          </p:cNvSpPr>
+          <p:nvPr>
+            <p:ph type="body" idx="1"/>
+          </p:nvPr>
+        </p:nvSpPr>
+        <p:spPr/>
+        <p:txBody>
+          <a:bodyPr/>
+          <a:lstStyle/>
+          <a:p>
+            <a:endParaRPr lang="en-GB"/>
+          </a:p>
+        </p:txBody>
+      </p:sp>
+      <p:sp>
+        <p:nvSpPr>
+          <p:cNvPr id="4" name="Slide Number Placeholder 3"/>
+          <p:cNvSpPr>
+            <a:spLocks noGrp="1"/>
+          </p:cNvSpPr>
+          <p:nvPr>
+            <p:ph type="sldNum" sz="quarter" idx="10"/>
+          </p:nvPr>
+        </p:nvSpPr>
+        <p:spPr/>
+        <p:txBody>
+          <a:bodyPr/>
+          <a:lstStyle/>
+          <a:p>
+            <a:fld id="{C82BDF54-BC5F-465F-8477-20410E62C8CD}" type="slidenum">
+              <a:rPr lang="en-GB" smtClean="0"/>
+              <a:t>21</a:t>
+            </a:fld>
+            <a:endParaRPr lang="en-GB"/>
+          </a:p>
+        </p:txBody>
+      </p:sp>
+    </p:spTree>
+    <p:extLst>
+      <p:ext uri="{BB962C8B-B14F-4D97-AF65-F5344CB8AC3E}">
+        <p14:creationId xmlns:p14="http://schemas.microsoft.com/office/powerpoint/2010/main" val="177568402"/>
+      </p:ext>
+    </p:extLst>
+  </p:cSld>
+  <p:clrMapOvr>
+    <a:masterClrMapping/>
+  </p:clrMapOvr>
+</p:notes>
+</file>
+
+<file path=ppt/slideLayouts/slideLayout1.xml><?xml version="1.0" encoding="utf-8"?>
+<p:sldLayout xmlns:a="http://schemas.openxmlformats.org/drawingml/2006/main" xmlns:r="http://schemas.openxmlformats.org/officeDocument/2006/relationships" xmlns:p="http://schemas.openxmlformats.org/presentationml/2006/main" type="title" preserve="1">
   <p:cSld name="Title Slide">
     <p:spTree>
       <p:nvGrpSpPr>
@@ -782,67 +1348,248 @@
       </p:grpSpPr>
       <p:sp>
         <p:nvSpPr>
-          <p:cNvPr id="79" name="PlaceHolder 1"/>
+          <p:cNvPr id="2" name="Title 1"/>
           <p:cNvSpPr>
             <a:spLocks noGrp="1"/>
           </p:cNvSpPr>
           <p:nvPr>
-            <p:ph type="title"/>
+            <p:ph type="ctrTitle"/>
           </p:nvPr>
         </p:nvSpPr>
         <p:spPr>
           <a:xfrm>
-            <a:off x="677160" y="609480"/>
-            <a:ext cx="8596440" cy="1320480"/>
+            <a:off x="914400" y="1905001"/>
+            <a:ext cx="10058400" cy="2593975"/>
           </a:xfrm>
-          <a:prstGeom prst="rect">
-            <a:avLst/>
-          </a:prstGeom>
         </p:spPr>
         <p:txBody>
-          <a:bodyPr lIns="0" tIns="0" rIns="0" bIns="0" anchor="ctr"/>
-          <a:lstStyle/>
-          <a:p>
-            <a:endParaRPr lang="en-US" sz="1800" b="0" strike="noStrike" spc="-1">
-              <a:solidFill>
-                <a:srgbClr val="000000"/>
-              </a:solidFill>
-              <a:latin typeface="Trebuchet MS"/>
-            </a:endParaRPr>
+          <a:bodyPr anchor="b"/>
+          <a:lstStyle>
+            <a:lvl1pPr>
+              <a:defRPr sz="6600">
+                <a:ln>
+                  <a:noFill/>
+                </a:ln>
+                <a:solidFill>
+                  <a:schemeClr val="tx2"/>
+                </a:solidFill>
+              </a:defRPr>
+            </a:lvl1pPr>
+          </a:lstStyle>
+          <a:p>
+            <a:r>
+              <a:rPr lang="en-US" dirty="0" smtClean="0"/>
+              <a:t>Click to edit Master title style</a:t>
+            </a:r>
+            <a:endParaRPr lang="en-US" dirty="0"/>
           </a:p>
         </p:txBody>
       </p:sp>
       <p:sp>
         <p:nvSpPr>
-          <p:cNvPr id="80" name="PlaceHolder 2"/>
+          <p:cNvPr id="3" name="Subtitle 2"/>
           <p:cNvSpPr>
             <a:spLocks noGrp="1"/>
           </p:cNvSpPr>
           <p:nvPr>
-            <p:ph type="subTitle"/>
+            <p:ph type="subTitle" idx="1"/>
           </p:nvPr>
         </p:nvSpPr>
         <p:spPr>
           <a:xfrm>
-            <a:off x="677160" y="2160720"/>
-            <a:ext cx="8596440" cy="3880440"/>
+            <a:off x="914400" y="4572000"/>
+            <a:ext cx="8615680" cy="1066800"/>
           </a:xfrm>
-          <a:prstGeom prst="rect">
-            <a:avLst/>
-          </a:prstGeom>
         </p:spPr>
         <p:txBody>
-          <a:bodyPr lIns="0" tIns="0" rIns="0" bIns="0" anchor="ctr"/>
+          <a:bodyPr anchor="t">
+            <a:normAutofit/>
+          </a:bodyPr>
+          <a:lstStyle>
+            <a:lvl1pPr marL="0" indent="0" algn="l">
+              <a:buNone/>
+              <a:defRPr sz="2000">
+                <a:solidFill>
+                  <a:schemeClr val="tx1">
+                    <a:tint val="75000"/>
+                  </a:schemeClr>
+                </a:solidFill>
+              </a:defRPr>
+            </a:lvl1pPr>
+            <a:lvl2pPr marL="457200" indent="0" algn="ctr">
+              <a:buNone/>
+              <a:defRPr>
+                <a:solidFill>
+                  <a:schemeClr val="tx1">
+                    <a:tint val="75000"/>
+                  </a:schemeClr>
+                </a:solidFill>
+              </a:defRPr>
+            </a:lvl2pPr>
+            <a:lvl3pPr marL="914400" indent="0" algn="ctr">
+              <a:buNone/>
+              <a:defRPr>
+                <a:solidFill>
+                  <a:schemeClr val="tx1">
+                    <a:tint val="75000"/>
+                  </a:schemeClr>
+                </a:solidFill>
+              </a:defRPr>
+            </a:lvl3pPr>
+            <a:lvl4pPr marL="1371600" indent="0" algn="ctr">
+              <a:buNone/>
+              <a:defRPr>
+                <a:solidFill>
+                  <a:schemeClr val="tx1">
+                    <a:tint val="75000"/>
+                  </a:schemeClr>
+                </a:solidFill>
+              </a:defRPr>
+            </a:lvl4pPr>
+            <a:lvl5pPr marL="1828800" indent="0" algn="ctr">
+              <a:buNone/>
+              <a:defRPr>
+                <a:solidFill>
+                  <a:schemeClr val="tx1">
+                    <a:tint val="75000"/>
+                  </a:schemeClr>
+                </a:solidFill>
+              </a:defRPr>
+            </a:lvl5pPr>
+            <a:lvl6pPr marL="2286000" indent="0" algn="ctr">
+              <a:buNone/>
+              <a:defRPr>
+                <a:solidFill>
+                  <a:schemeClr val="tx1">
+                    <a:tint val="75000"/>
+                  </a:schemeClr>
+                </a:solidFill>
+              </a:defRPr>
+            </a:lvl6pPr>
+            <a:lvl7pPr marL="2743200" indent="0" algn="ctr">
+              <a:buNone/>
+              <a:defRPr>
+                <a:solidFill>
+                  <a:schemeClr val="tx1">
+                    <a:tint val="75000"/>
+                  </a:schemeClr>
+                </a:solidFill>
+              </a:defRPr>
+            </a:lvl7pPr>
+            <a:lvl8pPr marL="3200400" indent="0" algn="ctr">
+              <a:buNone/>
+              <a:defRPr>
+                <a:solidFill>
+                  <a:schemeClr val="tx1">
+                    <a:tint val="75000"/>
+                  </a:schemeClr>
+                </a:solidFill>
+              </a:defRPr>
+            </a:lvl8pPr>
+            <a:lvl9pPr marL="3657600" indent="0" algn="ctr">
+              <a:buNone/>
+              <a:defRPr>
+                <a:solidFill>
+                  <a:schemeClr val="tx1">
+                    <a:tint val="75000"/>
+                  </a:schemeClr>
+                </a:solidFill>
+              </a:defRPr>
+            </a:lvl9pPr>
+          </a:lstStyle>
+          <a:p>
+            <a:r>
+              <a:rPr lang="en-US" smtClean="0"/>
+              <a:t>Click to edit Master subtitle style</a:t>
+            </a:r>
+            <a:endParaRPr lang="en-US" dirty="0"/>
+          </a:p>
+        </p:txBody>
+      </p:sp>
+      <p:sp>
+        <p:nvSpPr>
+          <p:cNvPr id="4" name="Date Placeholder 3"/>
+          <p:cNvSpPr>
+            <a:spLocks noGrp="1"/>
+          </p:cNvSpPr>
+          <p:nvPr>
+            <p:ph type="dt" sz="half" idx="10"/>
+          </p:nvPr>
+        </p:nvSpPr>
+        <p:spPr/>
+        <p:txBody>
+          <a:bodyPr/>
           <a:lstStyle/>
           <a:p>
-            <a:pPr algn="ctr"/>
-            <a:endParaRPr lang="en-US" sz="3200" b="0" strike="noStrike" spc="-1">
-              <a:latin typeface="Arial"/>
+            <a:r>
+              <a:rPr lang="en-US" smtClean="0">
+                <a:solidFill>
+                  <a:srgbClr val="DFDCB7"/>
+                </a:solidFill>
+              </a:rPr>
+              <a:t>3/16/2020</a:t>
+            </a:r>
+            <a:endParaRPr lang="en-US" dirty="0">
+              <a:solidFill>
+                <a:srgbClr val="DFDCB7"/>
+              </a:solidFill>
             </a:endParaRPr>
           </a:p>
         </p:txBody>
       </p:sp>
+      <p:sp>
+        <p:nvSpPr>
+          <p:cNvPr id="5" name="Footer Placeholder 4"/>
+          <p:cNvSpPr>
+            <a:spLocks noGrp="1"/>
+          </p:cNvSpPr>
+          <p:nvPr>
+            <p:ph type="ftr" sz="quarter" idx="11"/>
+          </p:nvPr>
+        </p:nvSpPr>
+        <p:spPr/>
+        <p:txBody>
+          <a:bodyPr/>
+          <a:lstStyle/>
+          <a:p>
+            <a:endParaRPr lang="en-US" dirty="0">
+              <a:solidFill>
+                <a:srgbClr val="DFDCB7"/>
+              </a:solidFill>
+            </a:endParaRPr>
+          </a:p>
+        </p:txBody>
+      </p:sp>
+      <p:sp>
+        <p:nvSpPr>
+          <p:cNvPr id="6" name="Slide Number Placeholder 5"/>
+          <p:cNvSpPr>
+            <a:spLocks noGrp="1"/>
+          </p:cNvSpPr>
+          <p:nvPr>
+            <p:ph type="sldNum" sz="quarter" idx="12"/>
+          </p:nvPr>
+        </p:nvSpPr>
+        <p:spPr/>
+        <p:txBody>
+          <a:bodyPr/>
+          <a:lstStyle/>
+          <a:p>
+            <a:fld id="{67757F18-DA47-4173-A975-90C90D141712}" type="slidenum">
+              <a:rPr lang="en-US" smtClean="0"/>
+              <a:pPr/>
+              <a:t>‹#›</a:t>
+            </a:fld>
+            <a:endParaRPr lang="en-US" dirty="0"/>
+          </a:p>
+        </p:txBody>
+      </p:sp>
     </p:spTree>
+    <p:extLst>
+      <p:ext uri="{BB962C8B-B14F-4D97-AF65-F5344CB8AC3E}">
+        <p14:creationId xmlns:p14="http://schemas.microsoft.com/office/powerpoint/2010/main" val="2095421071"/>
+      </p:ext>
+    </p:extLst>
   </p:cSld>
   <p:clrMapOvr>
     <a:masterClrMapping/>
@@ -850,9 +1597,9 @@
 </p:sldLayout>
 </file>
 
-<file path=ppt/slideLayouts/slideLayout15.xml><?xml version="1.0" encoding="utf-8"?>
-<p:sldLayout xmlns:a="http://schemas.openxmlformats.org/drawingml/2006/main" xmlns:r="http://schemas.openxmlformats.org/officeDocument/2006/relationships" xmlns:p="http://schemas.openxmlformats.org/presentationml/2006/main" type="obj" preserve="1">
-  <p:cSld name="Title, Content">
+<file path=ppt/slideLayouts/slideLayout2.xml><?xml version="1.0" encoding="utf-8"?>
+<p:sldLayout xmlns:a="http://schemas.openxmlformats.org/drawingml/2006/main" xmlns:r="http://schemas.openxmlformats.org/officeDocument/2006/relationships" xmlns:p="http://schemas.openxmlformats.org/presentationml/2006/main" type="blank">
+  <p:cSld name="Blank">
     <p:spTree>
       <p:nvGrpSpPr>
         <p:cNvPr id="1" name=""/>
@@ -869,2256 +1616,94 @@
       </p:grpSpPr>
       <p:sp>
         <p:nvSpPr>
-          <p:cNvPr id="81" name="PlaceHolder 1"/>
+          <p:cNvPr id="2" name="Date Placeholder 1"/>
           <p:cNvSpPr>
             <a:spLocks noGrp="1"/>
           </p:cNvSpPr>
           <p:nvPr>
-            <p:ph type="title"/>
+            <p:ph type="dt" sz="half" idx="10"/>
           </p:nvPr>
         </p:nvSpPr>
-        <p:spPr>
-          <a:xfrm>
-            <a:off x="677160" y="609480"/>
-            <a:ext cx="8596440" cy="1320480"/>
-          </a:xfrm>
-          <a:prstGeom prst="rect">
-            <a:avLst/>
-          </a:prstGeom>
-        </p:spPr>
+        <p:spPr/>
         <p:txBody>
-          <a:bodyPr lIns="0" tIns="0" rIns="0" bIns="0" anchor="ctr"/>
-          <a:lstStyle/>
-          <a:p>
-            <a:endParaRPr lang="en-US" sz="1800" b="0" strike="noStrike" spc="-1">
-              <a:solidFill>
-                <a:srgbClr val="000000"/>
-              </a:solidFill>
-              <a:latin typeface="Trebuchet MS"/>
+          <a:bodyPr/>
+          <a:lstStyle>
+            <a:lvl1pPr>
+              <a:defRPr sz="1800"/>
+            </a:lvl1pPr>
+          </a:lstStyle>
+          <a:p>
+            <a:pPr algn="r"/>
+            <a:r>
+              <a:rPr lang="en-US" spc="-1" smtClean="0">
+                <a:latin typeface="Times New Roman"/>
+              </a:rPr>
+              <a:t>3/16/2020</a:t>
+            </a:r>
+            <a:endParaRPr lang="en-US" spc="-1" dirty="0">
+              <a:latin typeface="Times New Roman"/>
             </a:endParaRPr>
           </a:p>
         </p:txBody>
       </p:sp>
       <p:sp>
         <p:nvSpPr>
-          <p:cNvPr id="82" name="PlaceHolder 2"/>
+          <p:cNvPr id="3" name="Footer Placeholder 2"/>
           <p:cNvSpPr>
             <a:spLocks noGrp="1"/>
           </p:cNvSpPr>
           <p:nvPr>
-            <p:ph type="body"/>
+            <p:ph type="ftr" sz="quarter" idx="11"/>
           </p:nvPr>
         </p:nvSpPr>
-        <p:spPr>
-          <a:xfrm>
-            <a:off x="677160" y="2160720"/>
-            <a:ext cx="8596440" cy="3880440"/>
-          </a:xfrm>
-          <a:prstGeom prst="rect">
-            <a:avLst/>
-          </a:prstGeom>
-        </p:spPr>
+        <p:spPr/>
         <p:txBody>
-          <a:bodyPr lIns="0" tIns="0" rIns="0" bIns="0">
-            <a:normAutofit/>
-          </a:bodyPr>
+          <a:bodyPr/>
           <a:lstStyle/>
           <a:p>
-            <a:endParaRPr lang="en-US" sz="1800" b="0" strike="noStrike" spc="-1">
-              <a:solidFill>
-                <a:srgbClr val="404040"/>
-              </a:solidFill>
-              <a:latin typeface="Trebuchet MS"/>
+            <a:endParaRPr lang="en-US" sz="2400" b="0" strike="noStrike" spc="-1">
+              <a:latin typeface="Times New Roman"/>
             </a:endParaRPr>
           </a:p>
         </p:txBody>
       </p:sp>
-    </p:spTree>
-  </p:cSld>
-  <p:clrMapOvr>
-    <a:masterClrMapping/>
-  </p:clrMapOvr>
-</p:sldLayout>
-</file>
-
-<file path=ppt/slideLayouts/slideLayout16.xml><?xml version="1.0" encoding="utf-8"?>
-<p:sldLayout xmlns:a="http://schemas.openxmlformats.org/drawingml/2006/main" xmlns:r="http://schemas.openxmlformats.org/officeDocument/2006/relationships" xmlns:p="http://schemas.openxmlformats.org/presentationml/2006/main" type="twoObj" preserve="1">
-  <p:cSld name="Title, 2 Content">
-    <p:spTree>
-      <p:nvGrpSpPr>
-        <p:cNvPr id="1" name=""/>
-        <p:cNvGrpSpPr/>
-        <p:nvPr/>
-      </p:nvGrpSpPr>
-      <p:grpSpPr>
-        <a:xfrm>
-          <a:off x="0" y="0"/>
-          <a:ext cx="0" cy="0"/>
-          <a:chOff x="0" y="0"/>
-          <a:chExt cx="0" cy="0"/>
-        </a:xfrm>
-      </p:grpSpPr>
-      <p:sp>
-        <p:nvSpPr>
-          <p:cNvPr id="83" name="PlaceHolder 1"/>
+      <p:sp>
+        <p:nvSpPr>
+          <p:cNvPr id="4" name="Slide Number Placeholder 3"/>
           <p:cNvSpPr>
             <a:spLocks noGrp="1"/>
           </p:cNvSpPr>
           <p:nvPr>
-            <p:ph type="title"/>
+            <p:ph type="sldNum" sz="quarter" idx="12"/>
           </p:nvPr>
         </p:nvSpPr>
-        <p:spPr>
-          <a:xfrm>
-            <a:off x="677160" y="609480"/>
-            <a:ext cx="8596440" cy="1320480"/>
-          </a:xfrm>
-          <a:prstGeom prst="rect">
-            <a:avLst/>
-          </a:prstGeom>
-        </p:spPr>
+        <p:spPr/>
         <p:txBody>
-          <a:bodyPr lIns="0" tIns="0" rIns="0" bIns="0" anchor="ctr"/>
-          <a:lstStyle/>
-          <a:p>
-            <a:endParaRPr lang="en-US" sz="1800" b="0" strike="noStrike" spc="-1">
-              <a:solidFill>
-                <a:srgbClr val="000000"/>
-              </a:solidFill>
-              <a:latin typeface="Trebuchet MS"/>
-            </a:endParaRPr>
+          <a:bodyPr/>
+          <a:lstStyle>
+            <a:lvl1pPr algn="ctr">
+              <a:defRPr sz="1800">
+                <a:latin typeface="Times New Roman" panose="02020603050405020304" pitchFamily="18" charset="0"/>
+                <a:cs typeface="Times New Roman" panose="02020603050405020304" pitchFamily="18" charset="0"/>
+              </a:defRPr>
+            </a:lvl1pPr>
+          </a:lstStyle>
+          <a:p>
+            <a:fld id="{67757F18-DA47-4173-A975-90C90D141712}" type="slidenum">
+              <a:rPr lang="en-US" smtClean="0"/>
+              <a:pPr/>
+              <a:t>‹#›</a:t>
+            </a:fld>
+            <a:endParaRPr lang="en-US" spc="-1" dirty="0"/>
           </a:p>
         </p:txBody>
       </p:sp>
-      <p:sp>
-        <p:nvSpPr>
-          <p:cNvPr id="84" name="PlaceHolder 2"/>
-          <p:cNvSpPr>
-            <a:spLocks noGrp="1"/>
-          </p:cNvSpPr>
-          <p:nvPr>
-            <p:ph type="body"/>
-          </p:nvPr>
-        </p:nvSpPr>
-        <p:spPr>
-          <a:xfrm>
-            <a:off x="677160" y="2160720"/>
-            <a:ext cx="4194720" cy="3880440"/>
-          </a:xfrm>
-          <a:prstGeom prst="rect">
-            <a:avLst/>
-          </a:prstGeom>
-        </p:spPr>
-        <p:txBody>
-          <a:bodyPr lIns="0" tIns="0" rIns="0" bIns="0">
-            <a:normAutofit/>
-          </a:bodyPr>
-          <a:lstStyle/>
-          <a:p>
-            <a:endParaRPr lang="en-US" sz="1800" b="0" strike="noStrike" spc="-1">
-              <a:solidFill>
-                <a:srgbClr val="404040"/>
-              </a:solidFill>
-              <a:latin typeface="Trebuchet MS"/>
-            </a:endParaRPr>
-          </a:p>
-        </p:txBody>
-      </p:sp>
-      <p:sp>
-        <p:nvSpPr>
-          <p:cNvPr id="85" name="PlaceHolder 3"/>
-          <p:cNvSpPr>
-            <a:spLocks noGrp="1"/>
-          </p:cNvSpPr>
-          <p:nvPr>
-            <p:ph type="body"/>
-          </p:nvPr>
-        </p:nvSpPr>
-        <p:spPr>
-          <a:xfrm>
-            <a:off x="5082120" y="2160720"/>
-            <a:ext cx="4194720" cy="3880440"/>
-          </a:xfrm>
-          <a:prstGeom prst="rect">
-            <a:avLst/>
-          </a:prstGeom>
-        </p:spPr>
-        <p:txBody>
-          <a:bodyPr lIns="0" tIns="0" rIns="0" bIns="0">
-            <a:normAutofit/>
-          </a:bodyPr>
-          <a:lstStyle/>
-          <a:p>
-            <a:endParaRPr lang="en-US" sz="1800" b="0" strike="noStrike" spc="-1">
-              <a:solidFill>
-                <a:srgbClr val="404040"/>
-              </a:solidFill>
-              <a:latin typeface="Trebuchet MS"/>
-            </a:endParaRPr>
-          </a:p>
-        </p:txBody>
-      </p:sp>
     </p:spTree>
-  </p:cSld>
-  <p:clrMapOvr>
-    <a:masterClrMapping/>
-  </p:clrMapOvr>
-</p:sldLayout>
-</file>
-
-<file path=ppt/slideLayouts/slideLayout17.xml><?xml version="1.0" encoding="utf-8"?>
-<p:sldLayout xmlns:a="http://schemas.openxmlformats.org/drawingml/2006/main" xmlns:r="http://schemas.openxmlformats.org/officeDocument/2006/relationships" xmlns:p="http://schemas.openxmlformats.org/presentationml/2006/main" type="titleOnly" preserve="1">
-  <p:cSld name="Title Only">
-    <p:spTree>
-      <p:nvGrpSpPr>
-        <p:cNvPr id="1" name=""/>
-        <p:cNvGrpSpPr/>
-        <p:nvPr/>
-      </p:nvGrpSpPr>
-      <p:grpSpPr>
-        <a:xfrm>
-          <a:off x="0" y="0"/>
-          <a:ext cx="0" cy="0"/>
-          <a:chOff x="0" y="0"/>
-          <a:chExt cx="0" cy="0"/>
-        </a:xfrm>
-      </p:grpSpPr>
-      <p:sp>
-        <p:nvSpPr>
-          <p:cNvPr id="86" name="PlaceHolder 1"/>
-          <p:cNvSpPr>
-            <a:spLocks noGrp="1"/>
-          </p:cNvSpPr>
-          <p:nvPr>
-            <p:ph type="title"/>
-          </p:nvPr>
-        </p:nvSpPr>
-        <p:spPr>
-          <a:xfrm>
-            <a:off x="677160" y="609480"/>
-            <a:ext cx="8596440" cy="1320480"/>
-          </a:xfrm>
-          <a:prstGeom prst="rect">
-            <a:avLst/>
-          </a:prstGeom>
-        </p:spPr>
-        <p:txBody>
-          <a:bodyPr lIns="0" tIns="0" rIns="0" bIns="0" anchor="ctr"/>
-          <a:lstStyle/>
-          <a:p>
-            <a:endParaRPr lang="en-US" sz="1800" b="0" strike="noStrike" spc="-1">
-              <a:solidFill>
-                <a:srgbClr val="000000"/>
-              </a:solidFill>
-              <a:latin typeface="Trebuchet MS"/>
-            </a:endParaRPr>
-          </a:p>
-        </p:txBody>
-      </p:sp>
-    </p:spTree>
-  </p:cSld>
-  <p:clrMapOvr>
-    <a:masterClrMapping/>
-  </p:clrMapOvr>
-</p:sldLayout>
-</file>
-
-<file path=ppt/slideLayouts/slideLayout18.xml><?xml version="1.0" encoding="utf-8"?>
-<p:sldLayout xmlns:a="http://schemas.openxmlformats.org/drawingml/2006/main" xmlns:r="http://schemas.openxmlformats.org/officeDocument/2006/relationships" xmlns:p="http://schemas.openxmlformats.org/presentationml/2006/main" type="objOnly" preserve="1">
-  <p:cSld name="Centered Text">
-    <p:spTree>
-      <p:nvGrpSpPr>
-        <p:cNvPr id="1" name=""/>
-        <p:cNvGrpSpPr/>
-        <p:nvPr/>
-      </p:nvGrpSpPr>
-      <p:grpSpPr>
-        <a:xfrm>
-          <a:off x="0" y="0"/>
-          <a:ext cx="0" cy="0"/>
-          <a:chOff x="0" y="0"/>
-          <a:chExt cx="0" cy="0"/>
-        </a:xfrm>
-      </p:grpSpPr>
-      <p:sp>
-        <p:nvSpPr>
-          <p:cNvPr id="87" name="PlaceHolder 1"/>
-          <p:cNvSpPr>
-            <a:spLocks noGrp="1"/>
-          </p:cNvSpPr>
-          <p:nvPr>
-            <p:ph type="subTitle"/>
-          </p:nvPr>
-        </p:nvSpPr>
-        <p:spPr>
-          <a:xfrm>
-            <a:off x="677160" y="609480"/>
-            <a:ext cx="8596440" cy="6122160"/>
-          </a:xfrm>
-          <a:prstGeom prst="rect">
-            <a:avLst/>
-          </a:prstGeom>
-        </p:spPr>
-        <p:txBody>
-          <a:bodyPr lIns="0" tIns="0" rIns="0" bIns="0" anchor="ctr"/>
-          <a:lstStyle/>
-          <a:p>
-            <a:pPr algn="ctr"/>
-            <a:endParaRPr lang="en-US" sz="3200" b="0" strike="noStrike" spc="-1">
-              <a:latin typeface="Arial"/>
-            </a:endParaRPr>
-          </a:p>
-        </p:txBody>
-      </p:sp>
-    </p:spTree>
-  </p:cSld>
-  <p:clrMapOvr>
-    <a:masterClrMapping/>
-  </p:clrMapOvr>
-</p:sldLayout>
-</file>
-
-<file path=ppt/slideLayouts/slideLayout19.xml><?xml version="1.0" encoding="utf-8"?>
-<p:sldLayout xmlns:a="http://schemas.openxmlformats.org/drawingml/2006/main" xmlns:r="http://schemas.openxmlformats.org/officeDocument/2006/relationships" xmlns:p="http://schemas.openxmlformats.org/presentationml/2006/main" type="twoObjAndObj" preserve="1">
-  <p:cSld name="Title, 2 Content and Content">
-    <p:spTree>
-      <p:nvGrpSpPr>
-        <p:cNvPr id="1" name=""/>
-        <p:cNvGrpSpPr/>
-        <p:nvPr/>
-      </p:nvGrpSpPr>
-      <p:grpSpPr>
-        <a:xfrm>
-          <a:off x="0" y="0"/>
-          <a:ext cx="0" cy="0"/>
-          <a:chOff x="0" y="0"/>
-          <a:chExt cx="0" cy="0"/>
-        </a:xfrm>
-      </p:grpSpPr>
-      <p:sp>
-        <p:nvSpPr>
-          <p:cNvPr id="88" name="PlaceHolder 1"/>
-          <p:cNvSpPr>
-            <a:spLocks noGrp="1"/>
-          </p:cNvSpPr>
-          <p:nvPr>
-            <p:ph type="title"/>
-          </p:nvPr>
-        </p:nvSpPr>
-        <p:spPr>
-          <a:xfrm>
-            <a:off x="677160" y="609480"/>
-            <a:ext cx="8596440" cy="1320480"/>
-          </a:xfrm>
-          <a:prstGeom prst="rect">
-            <a:avLst/>
-          </a:prstGeom>
-        </p:spPr>
-        <p:txBody>
-          <a:bodyPr lIns="0" tIns="0" rIns="0" bIns="0" anchor="ctr"/>
-          <a:lstStyle/>
-          <a:p>
-            <a:endParaRPr lang="en-US" sz="1800" b="0" strike="noStrike" spc="-1">
-              <a:solidFill>
-                <a:srgbClr val="000000"/>
-              </a:solidFill>
-              <a:latin typeface="Trebuchet MS"/>
-            </a:endParaRPr>
-          </a:p>
-        </p:txBody>
-      </p:sp>
-      <p:sp>
-        <p:nvSpPr>
-          <p:cNvPr id="89" name="PlaceHolder 2"/>
-          <p:cNvSpPr>
-            <a:spLocks noGrp="1"/>
-          </p:cNvSpPr>
-          <p:nvPr>
-            <p:ph type="body"/>
-          </p:nvPr>
-        </p:nvSpPr>
-        <p:spPr>
-          <a:xfrm>
-            <a:off x="677160" y="2160720"/>
-            <a:ext cx="4194720" cy="1850760"/>
-          </a:xfrm>
-          <a:prstGeom prst="rect">
-            <a:avLst/>
-          </a:prstGeom>
-        </p:spPr>
-        <p:txBody>
-          <a:bodyPr lIns="0" tIns="0" rIns="0" bIns="0">
-            <a:normAutofit/>
-          </a:bodyPr>
-          <a:lstStyle/>
-          <a:p>
-            <a:endParaRPr lang="en-US" sz="1800" b="0" strike="noStrike" spc="-1">
-              <a:solidFill>
-                <a:srgbClr val="404040"/>
-              </a:solidFill>
-              <a:latin typeface="Trebuchet MS"/>
-            </a:endParaRPr>
-          </a:p>
-        </p:txBody>
-      </p:sp>
-      <p:sp>
-        <p:nvSpPr>
-          <p:cNvPr id="90" name="PlaceHolder 3"/>
-          <p:cNvSpPr>
-            <a:spLocks noGrp="1"/>
-          </p:cNvSpPr>
-          <p:nvPr>
-            <p:ph type="body"/>
-          </p:nvPr>
-        </p:nvSpPr>
-        <p:spPr>
-          <a:xfrm>
-            <a:off x="5082120" y="2160720"/>
-            <a:ext cx="4194720" cy="3880440"/>
-          </a:xfrm>
-          <a:prstGeom prst="rect">
-            <a:avLst/>
-          </a:prstGeom>
-        </p:spPr>
-        <p:txBody>
-          <a:bodyPr lIns="0" tIns="0" rIns="0" bIns="0">
-            <a:normAutofit/>
-          </a:bodyPr>
-          <a:lstStyle/>
-          <a:p>
-            <a:endParaRPr lang="en-US" sz="1800" b="0" strike="noStrike" spc="-1">
-              <a:solidFill>
-                <a:srgbClr val="404040"/>
-              </a:solidFill>
-              <a:latin typeface="Trebuchet MS"/>
-            </a:endParaRPr>
-          </a:p>
-        </p:txBody>
-      </p:sp>
-      <p:sp>
-        <p:nvSpPr>
-          <p:cNvPr id="91" name="PlaceHolder 4"/>
-          <p:cNvSpPr>
-            <a:spLocks noGrp="1"/>
-          </p:cNvSpPr>
-          <p:nvPr>
-            <p:ph type="body"/>
-          </p:nvPr>
-        </p:nvSpPr>
-        <p:spPr>
-          <a:xfrm>
-            <a:off x="677160" y="4187520"/>
-            <a:ext cx="4194720" cy="1850760"/>
-          </a:xfrm>
-          <a:prstGeom prst="rect">
-            <a:avLst/>
-          </a:prstGeom>
-        </p:spPr>
-        <p:txBody>
-          <a:bodyPr lIns="0" tIns="0" rIns="0" bIns="0">
-            <a:normAutofit/>
-          </a:bodyPr>
-          <a:lstStyle/>
-          <a:p>
-            <a:endParaRPr lang="en-US" sz="1800" b="0" strike="noStrike" spc="-1">
-              <a:solidFill>
-                <a:srgbClr val="404040"/>
-              </a:solidFill>
-              <a:latin typeface="Trebuchet MS"/>
-            </a:endParaRPr>
-          </a:p>
-        </p:txBody>
-      </p:sp>
-    </p:spTree>
-  </p:cSld>
-  <p:clrMapOvr>
-    <a:masterClrMapping/>
-  </p:clrMapOvr>
-</p:sldLayout>
-</file>
-
-<file path=ppt/slideLayouts/slideLayout2.xml><?xml version="1.0" encoding="utf-8"?>
-<p:sldLayout xmlns:a="http://schemas.openxmlformats.org/drawingml/2006/main" xmlns:r="http://schemas.openxmlformats.org/officeDocument/2006/relationships" xmlns:p="http://schemas.openxmlformats.org/presentationml/2006/main" type="tx" preserve="1">
-  <p:cSld name="Title Slide">
-    <p:spTree>
-      <p:nvGrpSpPr>
-        <p:cNvPr id="1" name=""/>
-        <p:cNvGrpSpPr/>
-        <p:nvPr/>
-      </p:nvGrpSpPr>
-      <p:grpSpPr>
-        <a:xfrm>
-          <a:off x="0" y="0"/>
-          <a:ext cx="0" cy="0"/>
-          <a:chOff x="0" y="0"/>
-          <a:chExt cx="0" cy="0"/>
-        </a:xfrm>
-      </p:grpSpPr>
-      <p:sp>
-        <p:nvSpPr>
-          <p:cNvPr id="27" name="PlaceHolder 1"/>
-          <p:cNvSpPr>
-            <a:spLocks noGrp="1"/>
-          </p:cNvSpPr>
-          <p:nvPr>
-            <p:ph type="title"/>
-          </p:nvPr>
-        </p:nvSpPr>
-        <p:spPr>
-          <a:xfrm>
-            <a:off x="677160" y="609480"/>
-            <a:ext cx="8596440" cy="1320480"/>
-          </a:xfrm>
-          <a:prstGeom prst="rect">
-            <a:avLst/>
-          </a:prstGeom>
-        </p:spPr>
-        <p:txBody>
-          <a:bodyPr lIns="0" tIns="0" rIns="0" bIns="0" anchor="ctr"/>
-          <a:lstStyle/>
-          <a:p>
-            <a:endParaRPr lang="en-US" sz="1800" b="0" strike="noStrike" spc="-1">
-              <a:solidFill>
-                <a:srgbClr val="000000"/>
-              </a:solidFill>
-              <a:latin typeface="Trebuchet MS"/>
-            </a:endParaRPr>
-          </a:p>
-        </p:txBody>
-      </p:sp>
-      <p:sp>
-        <p:nvSpPr>
-          <p:cNvPr id="28" name="PlaceHolder 2"/>
-          <p:cNvSpPr>
-            <a:spLocks noGrp="1"/>
-          </p:cNvSpPr>
-          <p:nvPr>
-            <p:ph type="subTitle"/>
-          </p:nvPr>
-        </p:nvSpPr>
-        <p:spPr>
-          <a:xfrm>
-            <a:off x="677160" y="2160720"/>
-            <a:ext cx="8596440" cy="3880440"/>
-          </a:xfrm>
-          <a:prstGeom prst="rect">
-            <a:avLst/>
-          </a:prstGeom>
-        </p:spPr>
-        <p:txBody>
-          <a:bodyPr lIns="0" tIns="0" rIns="0" bIns="0" anchor="ctr"/>
-          <a:lstStyle/>
-          <a:p>
-            <a:pPr algn="ctr"/>
-            <a:endParaRPr lang="en-US" sz="3200" b="0" strike="noStrike" spc="-1">
-              <a:latin typeface="Arial"/>
-            </a:endParaRPr>
-          </a:p>
-        </p:txBody>
-      </p:sp>
-    </p:spTree>
-  </p:cSld>
-  <p:clrMapOvr>
-    <a:masterClrMapping/>
-  </p:clrMapOvr>
-</p:sldLayout>
-</file>
-
-<file path=ppt/slideLayouts/slideLayout20.xml><?xml version="1.0" encoding="utf-8"?>
-<p:sldLayout xmlns:a="http://schemas.openxmlformats.org/drawingml/2006/main" xmlns:r="http://schemas.openxmlformats.org/officeDocument/2006/relationships" xmlns:p="http://schemas.openxmlformats.org/presentationml/2006/main" type="objAndTwoObj" preserve="1">
-  <p:cSld name="Title Content and 2 Content">
-    <p:spTree>
-      <p:nvGrpSpPr>
-        <p:cNvPr id="1" name=""/>
-        <p:cNvGrpSpPr/>
-        <p:nvPr/>
-      </p:nvGrpSpPr>
-      <p:grpSpPr>
-        <a:xfrm>
-          <a:off x="0" y="0"/>
-          <a:ext cx="0" cy="0"/>
-          <a:chOff x="0" y="0"/>
-          <a:chExt cx="0" cy="0"/>
-        </a:xfrm>
-      </p:grpSpPr>
-      <p:sp>
-        <p:nvSpPr>
-          <p:cNvPr id="92" name="PlaceHolder 1"/>
-          <p:cNvSpPr>
-            <a:spLocks noGrp="1"/>
-          </p:cNvSpPr>
-          <p:nvPr>
-            <p:ph type="title"/>
-          </p:nvPr>
-        </p:nvSpPr>
-        <p:spPr>
-          <a:xfrm>
-            <a:off x="677160" y="609480"/>
-            <a:ext cx="8596440" cy="1320480"/>
-          </a:xfrm>
-          <a:prstGeom prst="rect">
-            <a:avLst/>
-          </a:prstGeom>
-        </p:spPr>
-        <p:txBody>
-          <a:bodyPr lIns="0" tIns="0" rIns="0" bIns="0" anchor="ctr"/>
-          <a:lstStyle/>
-          <a:p>
-            <a:endParaRPr lang="en-US" sz="1800" b="0" strike="noStrike" spc="-1">
-              <a:solidFill>
-                <a:srgbClr val="000000"/>
-              </a:solidFill>
-              <a:latin typeface="Trebuchet MS"/>
-            </a:endParaRPr>
-          </a:p>
-        </p:txBody>
-      </p:sp>
-      <p:sp>
-        <p:nvSpPr>
-          <p:cNvPr id="93" name="PlaceHolder 2"/>
-          <p:cNvSpPr>
-            <a:spLocks noGrp="1"/>
-          </p:cNvSpPr>
-          <p:nvPr>
-            <p:ph type="body"/>
-          </p:nvPr>
-        </p:nvSpPr>
-        <p:spPr>
-          <a:xfrm>
-            <a:off x="677160" y="2160720"/>
-            <a:ext cx="4194720" cy="3880440"/>
-          </a:xfrm>
-          <a:prstGeom prst="rect">
-            <a:avLst/>
-          </a:prstGeom>
-        </p:spPr>
-        <p:txBody>
-          <a:bodyPr lIns="0" tIns="0" rIns="0" bIns="0">
-            <a:normAutofit/>
-          </a:bodyPr>
-          <a:lstStyle/>
-          <a:p>
-            <a:endParaRPr lang="en-US" sz="1800" b="0" strike="noStrike" spc="-1">
-              <a:solidFill>
-                <a:srgbClr val="404040"/>
-              </a:solidFill>
-              <a:latin typeface="Trebuchet MS"/>
-            </a:endParaRPr>
-          </a:p>
-        </p:txBody>
-      </p:sp>
-      <p:sp>
-        <p:nvSpPr>
-          <p:cNvPr id="94" name="PlaceHolder 3"/>
-          <p:cNvSpPr>
-            <a:spLocks noGrp="1"/>
-          </p:cNvSpPr>
-          <p:nvPr>
-            <p:ph type="body"/>
-          </p:nvPr>
-        </p:nvSpPr>
-        <p:spPr>
-          <a:xfrm>
-            <a:off x="5082120" y="2160720"/>
-            <a:ext cx="4194720" cy="1850760"/>
-          </a:xfrm>
-          <a:prstGeom prst="rect">
-            <a:avLst/>
-          </a:prstGeom>
-        </p:spPr>
-        <p:txBody>
-          <a:bodyPr lIns="0" tIns="0" rIns="0" bIns="0">
-            <a:normAutofit/>
-          </a:bodyPr>
-          <a:lstStyle/>
-          <a:p>
-            <a:endParaRPr lang="en-US" sz="1800" b="0" strike="noStrike" spc="-1">
-              <a:solidFill>
-                <a:srgbClr val="404040"/>
-              </a:solidFill>
-              <a:latin typeface="Trebuchet MS"/>
-            </a:endParaRPr>
-          </a:p>
-        </p:txBody>
-      </p:sp>
-      <p:sp>
-        <p:nvSpPr>
-          <p:cNvPr id="95" name="PlaceHolder 4"/>
-          <p:cNvSpPr>
-            <a:spLocks noGrp="1"/>
-          </p:cNvSpPr>
-          <p:nvPr>
-            <p:ph type="body"/>
-          </p:nvPr>
-        </p:nvSpPr>
-        <p:spPr>
-          <a:xfrm>
-            <a:off x="5082120" y="4187520"/>
-            <a:ext cx="4194720" cy="1850760"/>
-          </a:xfrm>
-          <a:prstGeom prst="rect">
-            <a:avLst/>
-          </a:prstGeom>
-        </p:spPr>
-        <p:txBody>
-          <a:bodyPr lIns="0" tIns="0" rIns="0" bIns="0">
-            <a:normAutofit/>
-          </a:bodyPr>
-          <a:lstStyle/>
-          <a:p>
-            <a:endParaRPr lang="en-US" sz="1800" b="0" strike="noStrike" spc="-1">
-              <a:solidFill>
-                <a:srgbClr val="404040"/>
-              </a:solidFill>
-              <a:latin typeface="Trebuchet MS"/>
-            </a:endParaRPr>
-          </a:p>
-        </p:txBody>
-      </p:sp>
-    </p:spTree>
-  </p:cSld>
-  <p:clrMapOvr>
-    <a:masterClrMapping/>
-  </p:clrMapOvr>
-</p:sldLayout>
-</file>
-
-<file path=ppt/slideLayouts/slideLayout21.xml><?xml version="1.0" encoding="utf-8"?>
-<p:sldLayout xmlns:a="http://schemas.openxmlformats.org/drawingml/2006/main" xmlns:r="http://schemas.openxmlformats.org/officeDocument/2006/relationships" xmlns:p="http://schemas.openxmlformats.org/presentationml/2006/main" type="twoObjOverTx" preserve="1">
-  <p:cSld name="Title, 2 Content over Content">
-    <p:spTree>
-      <p:nvGrpSpPr>
-        <p:cNvPr id="1" name=""/>
-        <p:cNvGrpSpPr/>
-        <p:nvPr/>
-      </p:nvGrpSpPr>
-      <p:grpSpPr>
-        <a:xfrm>
-          <a:off x="0" y="0"/>
-          <a:ext cx="0" cy="0"/>
-          <a:chOff x="0" y="0"/>
-          <a:chExt cx="0" cy="0"/>
-        </a:xfrm>
-      </p:grpSpPr>
-      <p:sp>
-        <p:nvSpPr>
-          <p:cNvPr id="96" name="PlaceHolder 1"/>
-          <p:cNvSpPr>
-            <a:spLocks noGrp="1"/>
-          </p:cNvSpPr>
-          <p:nvPr>
-            <p:ph type="title"/>
-          </p:nvPr>
-        </p:nvSpPr>
-        <p:spPr>
-          <a:xfrm>
-            <a:off x="677160" y="609480"/>
-            <a:ext cx="8596440" cy="1320480"/>
-          </a:xfrm>
-          <a:prstGeom prst="rect">
-            <a:avLst/>
-          </a:prstGeom>
-        </p:spPr>
-        <p:txBody>
-          <a:bodyPr lIns="0" tIns="0" rIns="0" bIns="0" anchor="ctr"/>
-          <a:lstStyle/>
-          <a:p>
-            <a:endParaRPr lang="en-US" sz="1800" b="0" strike="noStrike" spc="-1">
-              <a:solidFill>
-                <a:srgbClr val="000000"/>
-              </a:solidFill>
-              <a:latin typeface="Trebuchet MS"/>
-            </a:endParaRPr>
-          </a:p>
-        </p:txBody>
-      </p:sp>
-      <p:sp>
-        <p:nvSpPr>
-          <p:cNvPr id="97" name="PlaceHolder 2"/>
-          <p:cNvSpPr>
-            <a:spLocks noGrp="1"/>
-          </p:cNvSpPr>
-          <p:nvPr>
-            <p:ph type="body"/>
-          </p:nvPr>
-        </p:nvSpPr>
-        <p:spPr>
-          <a:xfrm>
-            <a:off x="677160" y="2160720"/>
-            <a:ext cx="4194720" cy="1850760"/>
-          </a:xfrm>
-          <a:prstGeom prst="rect">
-            <a:avLst/>
-          </a:prstGeom>
-        </p:spPr>
-        <p:txBody>
-          <a:bodyPr lIns="0" tIns="0" rIns="0" bIns="0">
-            <a:normAutofit/>
-          </a:bodyPr>
-          <a:lstStyle/>
-          <a:p>
-            <a:endParaRPr lang="en-US" sz="1800" b="0" strike="noStrike" spc="-1">
-              <a:solidFill>
-                <a:srgbClr val="404040"/>
-              </a:solidFill>
-              <a:latin typeface="Trebuchet MS"/>
-            </a:endParaRPr>
-          </a:p>
-        </p:txBody>
-      </p:sp>
-      <p:sp>
-        <p:nvSpPr>
-          <p:cNvPr id="98" name="PlaceHolder 3"/>
-          <p:cNvSpPr>
-            <a:spLocks noGrp="1"/>
-          </p:cNvSpPr>
-          <p:nvPr>
-            <p:ph type="body"/>
-          </p:nvPr>
-        </p:nvSpPr>
-        <p:spPr>
-          <a:xfrm>
-            <a:off x="5082120" y="2160720"/>
-            <a:ext cx="4194720" cy="1850760"/>
-          </a:xfrm>
-          <a:prstGeom prst="rect">
-            <a:avLst/>
-          </a:prstGeom>
-        </p:spPr>
-        <p:txBody>
-          <a:bodyPr lIns="0" tIns="0" rIns="0" bIns="0">
-            <a:normAutofit/>
-          </a:bodyPr>
-          <a:lstStyle/>
-          <a:p>
-            <a:endParaRPr lang="en-US" sz="1800" b="0" strike="noStrike" spc="-1">
-              <a:solidFill>
-                <a:srgbClr val="404040"/>
-              </a:solidFill>
-              <a:latin typeface="Trebuchet MS"/>
-            </a:endParaRPr>
-          </a:p>
-        </p:txBody>
-      </p:sp>
-      <p:sp>
-        <p:nvSpPr>
-          <p:cNvPr id="99" name="PlaceHolder 4"/>
-          <p:cNvSpPr>
-            <a:spLocks noGrp="1"/>
-          </p:cNvSpPr>
-          <p:nvPr>
-            <p:ph type="body"/>
-          </p:nvPr>
-        </p:nvSpPr>
-        <p:spPr>
-          <a:xfrm>
-            <a:off x="677160" y="4187520"/>
-            <a:ext cx="8596440" cy="1850760"/>
-          </a:xfrm>
-          <a:prstGeom prst="rect">
-            <a:avLst/>
-          </a:prstGeom>
-        </p:spPr>
-        <p:txBody>
-          <a:bodyPr lIns="0" tIns="0" rIns="0" bIns="0">
-            <a:normAutofit/>
-          </a:bodyPr>
-          <a:lstStyle/>
-          <a:p>
-            <a:endParaRPr lang="en-US" sz="1800" b="0" strike="noStrike" spc="-1">
-              <a:solidFill>
-                <a:srgbClr val="404040"/>
-              </a:solidFill>
-              <a:latin typeface="Trebuchet MS"/>
-            </a:endParaRPr>
-          </a:p>
-        </p:txBody>
-      </p:sp>
-    </p:spTree>
-  </p:cSld>
-  <p:clrMapOvr>
-    <a:masterClrMapping/>
-  </p:clrMapOvr>
-</p:sldLayout>
-</file>
-
-<file path=ppt/slideLayouts/slideLayout22.xml><?xml version="1.0" encoding="utf-8"?>
-<p:sldLayout xmlns:a="http://schemas.openxmlformats.org/drawingml/2006/main" xmlns:r="http://schemas.openxmlformats.org/officeDocument/2006/relationships" xmlns:p="http://schemas.openxmlformats.org/presentationml/2006/main" type="objOverTx" preserve="1">
-  <p:cSld name="Title, Content over Content">
-    <p:spTree>
-      <p:nvGrpSpPr>
-        <p:cNvPr id="1" name=""/>
-        <p:cNvGrpSpPr/>
-        <p:nvPr/>
-      </p:nvGrpSpPr>
-      <p:grpSpPr>
-        <a:xfrm>
-          <a:off x="0" y="0"/>
-          <a:ext cx="0" cy="0"/>
-          <a:chOff x="0" y="0"/>
-          <a:chExt cx="0" cy="0"/>
-        </a:xfrm>
-      </p:grpSpPr>
-      <p:sp>
-        <p:nvSpPr>
-          <p:cNvPr id="100" name="PlaceHolder 1"/>
-          <p:cNvSpPr>
-            <a:spLocks noGrp="1"/>
-          </p:cNvSpPr>
-          <p:nvPr>
-            <p:ph type="title"/>
-          </p:nvPr>
-        </p:nvSpPr>
-        <p:spPr>
-          <a:xfrm>
-            <a:off x="677160" y="609480"/>
-            <a:ext cx="8596440" cy="1320480"/>
-          </a:xfrm>
-          <a:prstGeom prst="rect">
-            <a:avLst/>
-          </a:prstGeom>
-        </p:spPr>
-        <p:txBody>
-          <a:bodyPr lIns="0" tIns="0" rIns="0" bIns="0" anchor="ctr"/>
-          <a:lstStyle/>
-          <a:p>
-            <a:endParaRPr lang="en-US" sz="1800" b="0" strike="noStrike" spc="-1">
-              <a:solidFill>
-                <a:srgbClr val="000000"/>
-              </a:solidFill>
-              <a:latin typeface="Trebuchet MS"/>
-            </a:endParaRPr>
-          </a:p>
-        </p:txBody>
-      </p:sp>
-      <p:sp>
-        <p:nvSpPr>
-          <p:cNvPr id="101" name="PlaceHolder 2"/>
-          <p:cNvSpPr>
-            <a:spLocks noGrp="1"/>
-          </p:cNvSpPr>
-          <p:nvPr>
-            <p:ph type="body"/>
-          </p:nvPr>
-        </p:nvSpPr>
-        <p:spPr>
-          <a:xfrm>
-            <a:off x="677160" y="2160720"/>
-            <a:ext cx="8596440" cy="1850760"/>
-          </a:xfrm>
-          <a:prstGeom prst="rect">
-            <a:avLst/>
-          </a:prstGeom>
-        </p:spPr>
-        <p:txBody>
-          <a:bodyPr lIns="0" tIns="0" rIns="0" bIns="0">
-            <a:normAutofit/>
-          </a:bodyPr>
-          <a:lstStyle/>
-          <a:p>
-            <a:endParaRPr lang="en-US" sz="1800" b="0" strike="noStrike" spc="-1">
-              <a:solidFill>
-                <a:srgbClr val="404040"/>
-              </a:solidFill>
-              <a:latin typeface="Trebuchet MS"/>
-            </a:endParaRPr>
-          </a:p>
-        </p:txBody>
-      </p:sp>
-      <p:sp>
-        <p:nvSpPr>
-          <p:cNvPr id="102" name="PlaceHolder 3"/>
-          <p:cNvSpPr>
-            <a:spLocks noGrp="1"/>
-          </p:cNvSpPr>
-          <p:nvPr>
-            <p:ph type="body"/>
-          </p:nvPr>
-        </p:nvSpPr>
-        <p:spPr>
-          <a:xfrm>
-            <a:off x="677160" y="4187520"/>
-            <a:ext cx="8596440" cy="1850760"/>
-          </a:xfrm>
-          <a:prstGeom prst="rect">
-            <a:avLst/>
-          </a:prstGeom>
-        </p:spPr>
-        <p:txBody>
-          <a:bodyPr lIns="0" tIns="0" rIns="0" bIns="0">
-            <a:normAutofit/>
-          </a:bodyPr>
-          <a:lstStyle/>
-          <a:p>
-            <a:endParaRPr lang="en-US" sz="1800" b="0" strike="noStrike" spc="-1">
-              <a:solidFill>
-                <a:srgbClr val="404040"/>
-              </a:solidFill>
-              <a:latin typeface="Trebuchet MS"/>
-            </a:endParaRPr>
-          </a:p>
-        </p:txBody>
-      </p:sp>
-    </p:spTree>
-  </p:cSld>
-  <p:clrMapOvr>
-    <a:masterClrMapping/>
-  </p:clrMapOvr>
-</p:sldLayout>
-</file>
-
-<file path=ppt/slideLayouts/slideLayout23.xml><?xml version="1.0" encoding="utf-8"?>
-<p:sldLayout xmlns:a="http://schemas.openxmlformats.org/drawingml/2006/main" xmlns:r="http://schemas.openxmlformats.org/officeDocument/2006/relationships" xmlns:p="http://schemas.openxmlformats.org/presentationml/2006/main" type="fourObj" preserve="1">
-  <p:cSld name="Title, 4 Content">
-    <p:spTree>
-      <p:nvGrpSpPr>
-        <p:cNvPr id="1" name=""/>
-        <p:cNvGrpSpPr/>
-        <p:nvPr/>
-      </p:nvGrpSpPr>
-      <p:grpSpPr>
-        <a:xfrm>
-          <a:off x="0" y="0"/>
-          <a:ext cx="0" cy="0"/>
-          <a:chOff x="0" y="0"/>
-          <a:chExt cx="0" cy="0"/>
-        </a:xfrm>
-      </p:grpSpPr>
-      <p:sp>
-        <p:nvSpPr>
-          <p:cNvPr id="103" name="PlaceHolder 1"/>
-          <p:cNvSpPr>
-            <a:spLocks noGrp="1"/>
-          </p:cNvSpPr>
-          <p:nvPr>
-            <p:ph type="title"/>
-          </p:nvPr>
-        </p:nvSpPr>
-        <p:spPr>
-          <a:xfrm>
-            <a:off x="677160" y="609480"/>
-            <a:ext cx="8596440" cy="1320480"/>
-          </a:xfrm>
-          <a:prstGeom prst="rect">
-            <a:avLst/>
-          </a:prstGeom>
-        </p:spPr>
-        <p:txBody>
-          <a:bodyPr lIns="0" tIns="0" rIns="0" bIns="0" anchor="ctr"/>
-          <a:lstStyle/>
-          <a:p>
-            <a:endParaRPr lang="en-US" sz="1800" b="0" strike="noStrike" spc="-1">
-              <a:solidFill>
-                <a:srgbClr val="000000"/>
-              </a:solidFill>
-              <a:latin typeface="Trebuchet MS"/>
-            </a:endParaRPr>
-          </a:p>
-        </p:txBody>
-      </p:sp>
-      <p:sp>
-        <p:nvSpPr>
-          <p:cNvPr id="104" name="PlaceHolder 2"/>
-          <p:cNvSpPr>
-            <a:spLocks noGrp="1"/>
-          </p:cNvSpPr>
-          <p:nvPr>
-            <p:ph type="body"/>
-          </p:nvPr>
-        </p:nvSpPr>
-        <p:spPr>
-          <a:xfrm>
-            <a:off x="677160" y="2160720"/>
-            <a:ext cx="4194720" cy="1850760"/>
-          </a:xfrm>
-          <a:prstGeom prst="rect">
-            <a:avLst/>
-          </a:prstGeom>
-        </p:spPr>
-        <p:txBody>
-          <a:bodyPr lIns="0" tIns="0" rIns="0" bIns="0">
-            <a:normAutofit/>
-          </a:bodyPr>
-          <a:lstStyle/>
-          <a:p>
-            <a:endParaRPr lang="en-US" sz="1800" b="0" strike="noStrike" spc="-1">
-              <a:solidFill>
-                <a:srgbClr val="404040"/>
-              </a:solidFill>
-              <a:latin typeface="Trebuchet MS"/>
-            </a:endParaRPr>
-          </a:p>
-        </p:txBody>
-      </p:sp>
-      <p:sp>
-        <p:nvSpPr>
-          <p:cNvPr id="105" name="PlaceHolder 3"/>
-          <p:cNvSpPr>
-            <a:spLocks noGrp="1"/>
-          </p:cNvSpPr>
-          <p:nvPr>
-            <p:ph type="body"/>
-          </p:nvPr>
-        </p:nvSpPr>
-        <p:spPr>
-          <a:xfrm>
-            <a:off x="5082120" y="2160720"/>
-            <a:ext cx="4194720" cy="1850760"/>
-          </a:xfrm>
-          <a:prstGeom prst="rect">
-            <a:avLst/>
-          </a:prstGeom>
-        </p:spPr>
-        <p:txBody>
-          <a:bodyPr lIns="0" tIns="0" rIns="0" bIns="0">
-            <a:normAutofit/>
-          </a:bodyPr>
-          <a:lstStyle/>
-          <a:p>
-            <a:endParaRPr lang="en-US" sz="1800" b="0" strike="noStrike" spc="-1">
-              <a:solidFill>
-                <a:srgbClr val="404040"/>
-              </a:solidFill>
-              <a:latin typeface="Trebuchet MS"/>
-            </a:endParaRPr>
-          </a:p>
-        </p:txBody>
-      </p:sp>
-      <p:sp>
-        <p:nvSpPr>
-          <p:cNvPr id="106" name="PlaceHolder 4"/>
-          <p:cNvSpPr>
-            <a:spLocks noGrp="1"/>
-          </p:cNvSpPr>
-          <p:nvPr>
-            <p:ph type="body"/>
-          </p:nvPr>
-        </p:nvSpPr>
-        <p:spPr>
-          <a:xfrm>
-            <a:off x="677160" y="4187520"/>
-            <a:ext cx="4194720" cy="1850760"/>
-          </a:xfrm>
-          <a:prstGeom prst="rect">
-            <a:avLst/>
-          </a:prstGeom>
-        </p:spPr>
-        <p:txBody>
-          <a:bodyPr lIns="0" tIns="0" rIns="0" bIns="0">
-            <a:normAutofit/>
-          </a:bodyPr>
-          <a:lstStyle/>
-          <a:p>
-            <a:endParaRPr lang="en-US" sz="1800" b="0" strike="noStrike" spc="-1">
-              <a:solidFill>
-                <a:srgbClr val="404040"/>
-              </a:solidFill>
-              <a:latin typeface="Trebuchet MS"/>
-            </a:endParaRPr>
-          </a:p>
-        </p:txBody>
-      </p:sp>
-      <p:sp>
-        <p:nvSpPr>
-          <p:cNvPr id="107" name="PlaceHolder 5"/>
-          <p:cNvSpPr>
-            <a:spLocks noGrp="1"/>
-          </p:cNvSpPr>
-          <p:nvPr>
-            <p:ph type="body"/>
-          </p:nvPr>
-        </p:nvSpPr>
-        <p:spPr>
-          <a:xfrm>
-            <a:off x="5082120" y="4187520"/>
-            <a:ext cx="4194720" cy="1850760"/>
-          </a:xfrm>
-          <a:prstGeom prst="rect">
-            <a:avLst/>
-          </a:prstGeom>
-        </p:spPr>
-        <p:txBody>
-          <a:bodyPr lIns="0" tIns="0" rIns="0" bIns="0">
-            <a:normAutofit/>
-          </a:bodyPr>
-          <a:lstStyle/>
-          <a:p>
-            <a:endParaRPr lang="en-US" sz="1800" b="0" strike="noStrike" spc="-1">
-              <a:solidFill>
-                <a:srgbClr val="404040"/>
-              </a:solidFill>
-              <a:latin typeface="Trebuchet MS"/>
-            </a:endParaRPr>
-          </a:p>
-        </p:txBody>
-      </p:sp>
-    </p:spTree>
-  </p:cSld>
-  <p:clrMapOvr>
-    <a:masterClrMapping/>
-  </p:clrMapOvr>
-</p:sldLayout>
-</file>
-
-<file path=ppt/slideLayouts/slideLayout24.xml><?xml version="1.0" encoding="utf-8"?>
-<p:sldLayout xmlns:a="http://schemas.openxmlformats.org/drawingml/2006/main" xmlns:r="http://schemas.openxmlformats.org/officeDocument/2006/relationships" xmlns:p="http://schemas.openxmlformats.org/presentationml/2006/main" type="blank" preserve="1">
-  <p:cSld name="Title, 6 Content">
-    <p:spTree>
-      <p:nvGrpSpPr>
-        <p:cNvPr id="1" name=""/>
-        <p:cNvGrpSpPr/>
-        <p:nvPr/>
-      </p:nvGrpSpPr>
-      <p:grpSpPr>
-        <a:xfrm>
-          <a:off x="0" y="0"/>
-          <a:ext cx="0" cy="0"/>
-          <a:chOff x="0" y="0"/>
-          <a:chExt cx="0" cy="0"/>
-        </a:xfrm>
-      </p:grpSpPr>
-      <p:sp>
-        <p:nvSpPr>
-          <p:cNvPr id="108" name="PlaceHolder 1"/>
-          <p:cNvSpPr>
-            <a:spLocks noGrp="1"/>
-          </p:cNvSpPr>
-          <p:nvPr>
-            <p:ph type="title"/>
-          </p:nvPr>
-        </p:nvSpPr>
-        <p:spPr>
-          <a:xfrm>
-            <a:off x="677160" y="609480"/>
-            <a:ext cx="8596440" cy="1320480"/>
-          </a:xfrm>
-          <a:prstGeom prst="rect">
-            <a:avLst/>
-          </a:prstGeom>
-        </p:spPr>
-        <p:txBody>
-          <a:bodyPr lIns="0" tIns="0" rIns="0" bIns="0" anchor="ctr"/>
-          <a:lstStyle/>
-          <a:p>
-            <a:endParaRPr lang="en-US" sz="1800" b="0" strike="noStrike" spc="-1">
-              <a:solidFill>
-                <a:srgbClr val="000000"/>
-              </a:solidFill>
-              <a:latin typeface="Trebuchet MS"/>
-            </a:endParaRPr>
-          </a:p>
-        </p:txBody>
-      </p:sp>
-      <p:sp>
-        <p:nvSpPr>
-          <p:cNvPr id="109" name="PlaceHolder 2"/>
-          <p:cNvSpPr>
-            <a:spLocks noGrp="1"/>
-          </p:cNvSpPr>
-          <p:nvPr>
-            <p:ph type="body"/>
-          </p:nvPr>
-        </p:nvSpPr>
-        <p:spPr>
-          <a:xfrm>
-            <a:off x="677160" y="2160720"/>
-            <a:ext cx="2767680" cy="1850760"/>
-          </a:xfrm>
-          <a:prstGeom prst="rect">
-            <a:avLst/>
-          </a:prstGeom>
-        </p:spPr>
-        <p:txBody>
-          <a:bodyPr lIns="0" tIns="0" rIns="0" bIns="0">
-            <a:normAutofit/>
-          </a:bodyPr>
-          <a:lstStyle/>
-          <a:p>
-            <a:endParaRPr lang="en-US" sz="1800" b="0" strike="noStrike" spc="-1">
-              <a:solidFill>
-                <a:srgbClr val="404040"/>
-              </a:solidFill>
-              <a:latin typeface="Trebuchet MS"/>
-            </a:endParaRPr>
-          </a:p>
-        </p:txBody>
-      </p:sp>
-      <p:sp>
-        <p:nvSpPr>
-          <p:cNvPr id="110" name="PlaceHolder 3"/>
-          <p:cNvSpPr>
-            <a:spLocks noGrp="1"/>
-          </p:cNvSpPr>
-          <p:nvPr>
-            <p:ph type="body"/>
-          </p:nvPr>
-        </p:nvSpPr>
-        <p:spPr>
-          <a:xfrm>
-            <a:off x="3583440" y="2160720"/>
-            <a:ext cx="2767680" cy="1850760"/>
-          </a:xfrm>
-          <a:prstGeom prst="rect">
-            <a:avLst/>
-          </a:prstGeom>
-        </p:spPr>
-        <p:txBody>
-          <a:bodyPr lIns="0" tIns="0" rIns="0" bIns="0">
-            <a:normAutofit/>
-          </a:bodyPr>
-          <a:lstStyle/>
-          <a:p>
-            <a:endParaRPr lang="en-US" sz="1800" b="0" strike="noStrike" spc="-1">
-              <a:solidFill>
-                <a:srgbClr val="404040"/>
-              </a:solidFill>
-              <a:latin typeface="Trebuchet MS"/>
-            </a:endParaRPr>
-          </a:p>
-        </p:txBody>
-      </p:sp>
-      <p:sp>
-        <p:nvSpPr>
-          <p:cNvPr id="111" name="PlaceHolder 4"/>
-          <p:cNvSpPr>
-            <a:spLocks noGrp="1"/>
-          </p:cNvSpPr>
-          <p:nvPr>
-            <p:ph type="body"/>
-          </p:nvPr>
-        </p:nvSpPr>
-        <p:spPr>
-          <a:xfrm>
-            <a:off x="6490080" y="2160720"/>
-            <a:ext cx="2767680" cy="1850760"/>
-          </a:xfrm>
-          <a:prstGeom prst="rect">
-            <a:avLst/>
-          </a:prstGeom>
-        </p:spPr>
-        <p:txBody>
-          <a:bodyPr lIns="0" tIns="0" rIns="0" bIns="0">
-            <a:normAutofit/>
-          </a:bodyPr>
-          <a:lstStyle/>
-          <a:p>
-            <a:endParaRPr lang="en-US" sz="1800" b="0" strike="noStrike" spc="-1">
-              <a:solidFill>
-                <a:srgbClr val="404040"/>
-              </a:solidFill>
-              <a:latin typeface="Trebuchet MS"/>
-            </a:endParaRPr>
-          </a:p>
-        </p:txBody>
-      </p:sp>
-      <p:sp>
-        <p:nvSpPr>
-          <p:cNvPr id="112" name="PlaceHolder 5"/>
-          <p:cNvSpPr>
-            <a:spLocks noGrp="1"/>
-          </p:cNvSpPr>
-          <p:nvPr>
-            <p:ph type="body"/>
-          </p:nvPr>
-        </p:nvSpPr>
-        <p:spPr>
-          <a:xfrm>
-            <a:off x="677160" y="4187520"/>
-            <a:ext cx="2767680" cy="1850760"/>
-          </a:xfrm>
-          <a:prstGeom prst="rect">
-            <a:avLst/>
-          </a:prstGeom>
-        </p:spPr>
-        <p:txBody>
-          <a:bodyPr lIns="0" tIns="0" rIns="0" bIns="0">
-            <a:normAutofit/>
-          </a:bodyPr>
-          <a:lstStyle/>
-          <a:p>
-            <a:endParaRPr lang="en-US" sz="1800" b="0" strike="noStrike" spc="-1">
-              <a:solidFill>
-                <a:srgbClr val="404040"/>
-              </a:solidFill>
-              <a:latin typeface="Trebuchet MS"/>
-            </a:endParaRPr>
-          </a:p>
-        </p:txBody>
-      </p:sp>
-      <p:sp>
-        <p:nvSpPr>
-          <p:cNvPr id="113" name="PlaceHolder 6"/>
-          <p:cNvSpPr>
-            <a:spLocks noGrp="1"/>
-          </p:cNvSpPr>
-          <p:nvPr>
-            <p:ph type="body"/>
-          </p:nvPr>
-        </p:nvSpPr>
-        <p:spPr>
-          <a:xfrm>
-            <a:off x="3583440" y="4187520"/>
-            <a:ext cx="2767680" cy="1850760"/>
-          </a:xfrm>
-          <a:prstGeom prst="rect">
-            <a:avLst/>
-          </a:prstGeom>
-        </p:spPr>
-        <p:txBody>
-          <a:bodyPr lIns="0" tIns="0" rIns="0" bIns="0">
-            <a:normAutofit/>
-          </a:bodyPr>
-          <a:lstStyle/>
-          <a:p>
-            <a:endParaRPr lang="en-US" sz="1800" b="0" strike="noStrike" spc="-1">
-              <a:solidFill>
-                <a:srgbClr val="404040"/>
-              </a:solidFill>
-              <a:latin typeface="Trebuchet MS"/>
-            </a:endParaRPr>
-          </a:p>
-        </p:txBody>
-      </p:sp>
-      <p:sp>
-        <p:nvSpPr>
-          <p:cNvPr id="114" name="PlaceHolder 7"/>
-          <p:cNvSpPr>
-            <a:spLocks noGrp="1"/>
-          </p:cNvSpPr>
-          <p:nvPr>
-            <p:ph type="body"/>
-          </p:nvPr>
-        </p:nvSpPr>
-        <p:spPr>
-          <a:xfrm>
-            <a:off x="6490080" y="4187520"/>
-            <a:ext cx="2767680" cy="1850760"/>
-          </a:xfrm>
-          <a:prstGeom prst="rect">
-            <a:avLst/>
-          </a:prstGeom>
-        </p:spPr>
-        <p:txBody>
-          <a:bodyPr lIns="0" tIns="0" rIns="0" bIns="0">
-            <a:normAutofit/>
-          </a:bodyPr>
-          <a:lstStyle/>
-          <a:p>
-            <a:endParaRPr lang="en-US" sz="1800" b="0" strike="noStrike" spc="-1">
-              <a:solidFill>
-                <a:srgbClr val="404040"/>
-              </a:solidFill>
-              <a:latin typeface="Trebuchet MS"/>
-            </a:endParaRPr>
-          </a:p>
-        </p:txBody>
-      </p:sp>
-    </p:spTree>
-  </p:cSld>
-  <p:clrMapOvr>
-    <a:masterClrMapping/>
-  </p:clrMapOvr>
-</p:sldLayout>
-</file>
-
-<file path=ppt/slideLayouts/slideLayout3.xml><?xml version="1.0" encoding="utf-8"?>
-<p:sldLayout xmlns:a="http://schemas.openxmlformats.org/drawingml/2006/main" xmlns:r="http://schemas.openxmlformats.org/officeDocument/2006/relationships" xmlns:p="http://schemas.openxmlformats.org/presentationml/2006/main" type="obj" preserve="1">
-  <p:cSld name="Title, Content">
-    <p:spTree>
-      <p:nvGrpSpPr>
-        <p:cNvPr id="1" name=""/>
-        <p:cNvGrpSpPr/>
-        <p:nvPr/>
-      </p:nvGrpSpPr>
-      <p:grpSpPr>
-        <a:xfrm>
-          <a:off x="0" y="0"/>
-          <a:ext cx="0" cy="0"/>
-          <a:chOff x="0" y="0"/>
-          <a:chExt cx="0" cy="0"/>
-        </a:xfrm>
-      </p:grpSpPr>
-      <p:sp>
-        <p:nvSpPr>
-          <p:cNvPr id="29" name="PlaceHolder 1"/>
-          <p:cNvSpPr>
-            <a:spLocks noGrp="1"/>
-          </p:cNvSpPr>
-          <p:nvPr>
-            <p:ph type="title"/>
-          </p:nvPr>
-        </p:nvSpPr>
-        <p:spPr>
-          <a:xfrm>
-            <a:off x="677160" y="609480"/>
-            <a:ext cx="8596440" cy="1320480"/>
-          </a:xfrm>
-          <a:prstGeom prst="rect">
-            <a:avLst/>
-          </a:prstGeom>
-        </p:spPr>
-        <p:txBody>
-          <a:bodyPr lIns="0" tIns="0" rIns="0" bIns="0" anchor="ctr"/>
-          <a:lstStyle/>
-          <a:p>
-            <a:endParaRPr lang="en-US" sz="1800" b="0" strike="noStrike" spc="-1">
-              <a:solidFill>
-                <a:srgbClr val="000000"/>
-              </a:solidFill>
-              <a:latin typeface="Trebuchet MS"/>
-            </a:endParaRPr>
-          </a:p>
-        </p:txBody>
-      </p:sp>
-      <p:sp>
-        <p:nvSpPr>
-          <p:cNvPr id="30" name="PlaceHolder 2"/>
-          <p:cNvSpPr>
-            <a:spLocks noGrp="1"/>
-          </p:cNvSpPr>
-          <p:nvPr>
-            <p:ph type="body"/>
-          </p:nvPr>
-        </p:nvSpPr>
-        <p:spPr>
-          <a:xfrm>
-            <a:off x="677160" y="2160720"/>
-            <a:ext cx="8596440" cy="3880440"/>
-          </a:xfrm>
-          <a:prstGeom prst="rect">
-            <a:avLst/>
-          </a:prstGeom>
-        </p:spPr>
-        <p:txBody>
-          <a:bodyPr lIns="0" tIns="0" rIns="0" bIns="0">
-            <a:normAutofit/>
-          </a:bodyPr>
-          <a:lstStyle/>
-          <a:p>
-            <a:endParaRPr lang="en-US" sz="1800" b="0" strike="noStrike" spc="-1">
-              <a:solidFill>
-                <a:srgbClr val="404040"/>
-              </a:solidFill>
-              <a:latin typeface="Trebuchet MS"/>
-            </a:endParaRPr>
-          </a:p>
-        </p:txBody>
-      </p:sp>
-    </p:spTree>
-  </p:cSld>
-  <p:clrMapOvr>
-    <a:masterClrMapping/>
-  </p:clrMapOvr>
-</p:sldLayout>
-</file>
-
-<file path=ppt/slideLayouts/slideLayout4.xml><?xml version="1.0" encoding="utf-8"?>
-<p:sldLayout xmlns:a="http://schemas.openxmlformats.org/drawingml/2006/main" xmlns:r="http://schemas.openxmlformats.org/officeDocument/2006/relationships" xmlns:p="http://schemas.openxmlformats.org/presentationml/2006/main" type="twoObj" preserve="1">
-  <p:cSld name="Title, 2 Content">
-    <p:spTree>
-      <p:nvGrpSpPr>
-        <p:cNvPr id="1" name=""/>
-        <p:cNvGrpSpPr/>
-        <p:nvPr/>
-      </p:nvGrpSpPr>
-      <p:grpSpPr>
-        <a:xfrm>
-          <a:off x="0" y="0"/>
-          <a:ext cx="0" cy="0"/>
-          <a:chOff x="0" y="0"/>
-          <a:chExt cx="0" cy="0"/>
-        </a:xfrm>
-      </p:grpSpPr>
-      <p:sp>
-        <p:nvSpPr>
-          <p:cNvPr id="31" name="PlaceHolder 1"/>
-          <p:cNvSpPr>
-            <a:spLocks noGrp="1"/>
-          </p:cNvSpPr>
-          <p:nvPr>
-            <p:ph type="title"/>
-          </p:nvPr>
-        </p:nvSpPr>
-        <p:spPr>
-          <a:xfrm>
-            <a:off x="677160" y="609480"/>
-            <a:ext cx="8596440" cy="1320480"/>
-          </a:xfrm>
-          <a:prstGeom prst="rect">
-            <a:avLst/>
-          </a:prstGeom>
-        </p:spPr>
-        <p:txBody>
-          <a:bodyPr lIns="0" tIns="0" rIns="0" bIns="0" anchor="ctr"/>
-          <a:lstStyle/>
-          <a:p>
-            <a:endParaRPr lang="en-US" sz="1800" b="0" strike="noStrike" spc="-1">
-              <a:solidFill>
-                <a:srgbClr val="000000"/>
-              </a:solidFill>
-              <a:latin typeface="Trebuchet MS"/>
-            </a:endParaRPr>
-          </a:p>
-        </p:txBody>
-      </p:sp>
-      <p:sp>
-        <p:nvSpPr>
-          <p:cNvPr id="32" name="PlaceHolder 2"/>
-          <p:cNvSpPr>
-            <a:spLocks noGrp="1"/>
-          </p:cNvSpPr>
-          <p:nvPr>
-            <p:ph type="body"/>
-          </p:nvPr>
-        </p:nvSpPr>
-        <p:spPr>
-          <a:xfrm>
-            <a:off x="677160" y="2160720"/>
-            <a:ext cx="4194720" cy="3880440"/>
-          </a:xfrm>
-          <a:prstGeom prst="rect">
-            <a:avLst/>
-          </a:prstGeom>
-        </p:spPr>
-        <p:txBody>
-          <a:bodyPr lIns="0" tIns="0" rIns="0" bIns="0">
-            <a:normAutofit/>
-          </a:bodyPr>
-          <a:lstStyle/>
-          <a:p>
-            <a:endParaRPr lang="en-US" sz="1800" b="0" strike="noStrike" spc="-1">
-              <a:solidFill>
-                <a:srgbClr val="404040"/>
-              </a:solidFill>
-              <a:latin typeface="Trebuchet MS"/>
-            </a:endParaRPr>
-          </a:p>
-        </p:txBody>
-      </p:sp>
-      <p:sp>
-        <p:nvSpPr>
-          <p:cNvPr id="33" name="PlaceHolder 3"/>
-          <p:cNvSpPr>
-            <a:spLocks noGrp="1"/>
-          </p:cNvSpPr>
-          <p:nvPr>
-            <p:ph type="body"/>
-          </p:nvPr>
-        </p:nvSpPr>
-        <p:spPr>
-          <a:xfrm>
-            <a:off x="5082120" y="2160720"/>
-            <a:ext cx="4194720" cy="3880440"/>
-          </a:xfrm>
-          <a:prstGeom prst="rect">
-            <a:avLst/>
-          </a:prstGeom>
-        </p:spPr>
-        <p:txBody>
-          <a:bodyPr lIns="0" tIns="0" rIns="0" bIns="0">
-            <a:normAutofit/>
-          </a:bodyPr>
-          <a:lstStyle/>
-          <a:p>
-            <a:endParaRPr lang="en-US" sz="1800" b="0" strike="noStrike" spc="-1">
-              <a:solidFill>
-                <a:srgbClr val="404040"/>
-              </a:solidFill>
-              <a:latin typeface="Trebuchet MS"/>
-            </a:endParaRPr>
-          </a:p>
-        </p:txBody>
-      </p:sp>
-    </p:spTree>
-  </p:cSld>
-  <p:clrMapOvr>
-    <a:masterClrMapping/>
-  </p:clrMapOvr>
-</p:sldLayout>
-</file>
-
-<file path=ppt/slideLayouts/slideLayout5.xml><?xml version="1.0" encoding="utf-8"?>
-<p:sldLayout xmlns:a="http://schemas.openxmlformats.org/drawingml/2006/main" xmlns:r="http://schemas.openxmlformats.org/officeDocument/2006/relationships" xmlns:p="http://schemas.openxmlformats.org/presentationml/2006/main" type="titleOnly" preserve="1">
-  <p:cSld name="Title Only">
-    <p:spTree>
-      <p:nvGrpSpPr>
-        <p:cNvPr id="1" name=""/>
-        <p:cNvGrpSpPr/>
-        <p:nvPr/>
-      </p:nvGrpSpPr>
-      <p:grpSpPr>
-        <a:xfrm>
-          <a:off x="0" y="0"/>
-          <a:ext cx="0" cy="0"/>
-          <a:chOff x="0" y="0"/>
-          <a:chExt cx="0" cy="0"/>
-        </a:xfrm>
-      </p:grpSpPr>
-      <p:sp>
-        <p:nvSpPr>
-          <p:cNvPr id="34" name="PlaceHolder 1"/>
-          <p:cNvSpPr>
-            <a:spLocks noGrp="1"/>
-          </p:cNvSpPr>
-          <p:nvPr>
-            <p:ph type="title"/>
-          </p:nvPr>
-        </p:nvSpPr>
-        <p:spPr>
-          <a:xfrm>
-            <a:off x="677160" y="609480"/>
-            <a:ext cx="8596440" cy="1320480"/>
-          </a:xfrm>
-          <a:prstGeom prst="rect">
-            <a:avLst/>
-          </a:prstGeom>
-        </p:spPr>
-        <p:txBody>
-          <a:bodyPr lIns="0" tIns="0" rIns="0" bIns="0" anchor="ctr"/>
-          <a:lstStyle/>
-          <a:p>
-            <a:endParaRPr lang="en-US" sz="1800" b="0" strike="noStrike" spc="-1">
-              <a:solidFill>
-                <a:srgbClr val="000000"/>
-              </a:solidFill>
-              <a:latin typeface="Trebuchet MS"/>
-            </a:endParaRPr>
-          </a:p>
-        </p:txBody>
-      </p:sp>
-    </p:spTree>
-  </p:cSld>
-  <p:clrMapOvr>
-    <a:masterClrMapping/>
-  </p:clrMapOvr>
-</p:sldLayout>
-</file>
-
-<file path=ppt/slideLayouts/slideLayout6.xml><?xml version="1.0" encoding="utf-8"?>
-<p:sldLayout xmlns:a="http://schemas.openxmlformats.org/drawingml/2006/main" xmlns:r="http://schemas.openxmlformats.org/officeDocument/2006/relationships" xmlns:p="http://schemas.openxmlformats.org/presentationml/2006/main" type="objOnly" preserve="1">
-  <p:cSld name="Centered Text">
-    <p:spTree>
-      <p:nvGrpSpPr>
-        <p:cNvPr id="1" name=""/>
-        <p:cNvGrpSpPr/>
-        <p:nvPr/>
-      </p:nvGrpSpPr>
-      <p:grpSpPr>
-        <a:xfrm>
-          <a:off x="0" y="0"/>
-          <a:ext cx="0" cy="0"/>
-          <a:chOff x="0" y="0"/>
-          <a:chExt cx="0" cy="0"/>
-        </a:xfrm>
-      </p:grpSpPr>
-      <p:sp>
-        <p:nvSpPr>
-          <p:cNvPr id="35" name="PlaceHolder 1"/>
-          <p:cNvSpPr>
-            <a:spLocks noGrp="1"/>
-          </p:cNvSpPr>
-          <p:nvPr>
-            <p:ph type="subTitle"/>
-          </p:nvPr>
-        </p:nvSpPr>
-        <p:spPr>
-          <a:xfrm>
-            <a:off x="677160" y="609480"/>
-            <a:ext cx="8596440" cy="6122160"/>
-          </a:xfrm>
-          <a:prstGeom prst="rect">
-            <a:avLst/>
-          </a:prstGeom>
-        </p:spPr>
-        <p:txBody>
-          <a:bodyPr lIns="0" tIns="0" rIns="0" bIns="0" anchor="ctr"/>
-          <a:lstStyle/>
-          <a:p>
-            <a:pPr algn="ctr"/>
-            <a:endParaRPr lang="en-US" sz="3200" b="0" strike="noStrike" spc="-1">
-              <a:latin typeface="Arial"/>
-            </a:endParaRPr>
-          </a:p>
-        </p:txBody>
-      </p:sp>
-    </p:spTree>
-  </p:cSld>
-  <p:clrMapOvr>
-    <a:masterClrMapping/>
-  </p:clrMapOvr>
-</p:sldLayout>
-</file>
-
-<file path=ppt/slideLayouts/slideLayout7.xml><?xml version="1.0" encoding="utf-8"?>
-<p:sldLayout xmlns:a="http://schemas.openxmlformats.org/drawingml/2006/main" xmlns:r="http://schemas.openxmlformats.org/officeDocument/2006/relationships" xmlns:p="http://schemas.openxmlformats.org/presentationml/2006/main" type="twoObjAndObj" preserve="1">
-  <p:cSld name="Title, 2 Content and Content">
-    <p:spTree>
-      <p:nvGrpSpPr>
-        <p:cNvPr id="1" name=""/>
-        <p:cNvGrpSpPr/>
-        <p:nvPr/>
-      </p:nvGrpSpPr>
-      <p:grpSpPr>
-        <a:xfrm>
-          <a:off x="0" y="0"/>
-          <a:ext cx="0" cy="0"/>
-          <a:chOff x="0" y="0"/>
-          <a:chExt cx="0" cy="0"/>
-        </a:xfrm>
-      </p:grpSpPr>
-      <p:sp>
-        <p:nvSpPr>
-          <p:cNvPr id="36" name="PlaceHolder 1"/>
-          <p:cNvSpPr>
-            <a:spLocks noGrp="1"/>
-          </p:cNvSpPr>
-          <p:nvPr>
-            <p:ph type="title"/>
-          </p:nvPr>
-        </p:nvSpPr>
-        <p:spPr>
-          <a:xfrm>
-            <a:off x="677160" y="609480"/>
-            <a:ext cx="8596440" cy="1320480"/>
-          </a:xfrm>
-          <a:prstGeom prst="rect">
-            <a:avLst/>
-          </a:prstGeom>
-        </p:spPr>
-        <p:txBody>
-          <a:bodyPr lIns="0" tIns="0" rIns="0" bIns="0" anchor="ctr"/>
-          <a:lstStyle/>
-          <a:p>
-            <a:endParaRPr lang="en-US" sz="1800" b="0" strike="noStrike" spc="-1">
-              <a:solidFill>
-                <a:srgbClr val="000000"/>
-              </a:solidFill>
-              <a:latin typeface="Trebuchet MS"/>
-            </a:endParaRPr>
-          </a:p>
-        </p:txBody>
-      </p:sp>
-      <p:sp>
-        <p:nvSpPr>
-          <p:cNvPr id="37" name="PlaceHolder 2"/>
-          <p:cNvSpPr>
-            <a:spLocks noGrp="1"/>
-          </p:cNvSpPr>
-          <p:nvPr>
-            <p:ph type="body"/>
-          </p:nvPr>
-        </p:nvSpPr>
-        <p:spPr>
-          <a:xfrm>
-            <a:off x="677160" y="2160720"/>
-            <a:ext cx="4194720" cy="1850760"/>
-          </a:xfrm>
-          <a:prstGeom prst="rect">
-            <a:avLst/>
-          </a:prstGeom>
-        </p:spPr>
-        <p:txBody>
-          <a:bodyPr lIns="0" tIns="0" rIns="0" bIns="0">
-            <a:normAutofit/>
-          </a:bodyPr>
-          <a:lstStyle/>
-          <a:p>
-            <a:endParaRPr lang="en-US" sz="1800" b="0" strike="noStrike" spc="-1">
-              <a:solidFill>
-                <a:srgbClr val="404040"/>
-              </a:solidFill>
-              <a:latin typeface="Trebuchet MS"/>
-            </a:endParaRPr>
-          </a:p>
-        </p:txBody>
-      </p:sp>
-      <p:sp>
-        <p:nvSpPr>
-          <p:cNvPr id="38" name="PlaceHolder 3"/>
-          <p:cNvSpPr>
-            <a:spLocks noGrp="1"/>
-          </p:cNvSpPr>
-          <p:nvPr>
-            <p:ph type="body"/>
-          </p:nvPr>
-        </p:nvSpPr>
-        <p:spPr>
-          <a:xfrm>
-            <a:off x="5082120" y="2160720"/>
-            <a:ext cx="4194720" cy="3880440"/>
-          </a:xfrm>
-          <a:prstGeom prst="rect">
-            <a:avLst/>
-          </a:prstGeom>
-        </p:spPr>
-        <p:txBody>
-          <a:bodyPr lIns="0" tIns="0" rIns="0" bIns="0">
-            <a:normAutofit/>
-          </a:bodyPr>
-          <a:lstStyle/>
-          <a:p>
-            <a:endParaRPr lang="en-US" sz="1800" b="0" strike="noStrike" spc="-1">
-              <a:solidFill>
-                <a:srgbClr val="404040"/>
-              </a:solidFill>
-              <a:latin typeface="Trebuchet MS"/>
-            </a:endParaRPr>
-          </a:p>
-        </p:txBody>
-      </p:sp>
-      <p:sp>
-        <p:nvSpPr>
-          <p:cNvPr id="39" name="PlaceHolder 4"/>
-          <p:cNvSpPr>
-            <a:spLocks noGrp="1"/>
-          </p:cNvSpPr>
-          <p:nvPr>
-            <p:ph type="body"/>
-          </p:nvPr>
-        </p:nvSpPr>
-        <p:spPr>
-          <a:xfrm>
-            <a:off x="677160" y="4187520"/>
-            <a:ext cx="4194720" cy="1850760"/>
-          </a:xfrm>
-          <a:prstGeom prst="rect">
-            <a:avLst/>
-          </a:prstGeom>
-        </p:spPr>
-        <p:txBody>
-          <a:bodyPr lIns="0" tIns="0" rIns="0" bIns="0">
-            <a:normAutofit/>
-          </a:bodyPr>
-          <a:lstStyle/>
-          <a:p>
-            <a:endParaRPr lang="en-US" sz="1800" b="0" strike="noStrike" spc="-1">
-              <a:solidFill>
-                <a:srgbClr val="404040"/>
-              </a:solidFill>
-              <a:latin typeface="Trebuchet MS"/>
-            </a:endParaRPr>
-          </a:p>
-        </p:txBody>
-      </p:sp>
-    </p:spTree>
-  </p:cSld>
-  <p:clrMapOvr>
-    <a:masterClrMapping/>
-  </p:clrMapOvr>
-</p:sldLayout>
-</file>
-
-<file path=ppt/slideLayouts/slideLayout8.xml><?xml version="1.0" encoding="utf-8"?>
-<p:sldLayout xmlns:a="http://schemas.openxmlformats.org/drawingml/2006/main" xmlns:r="http://schemas.openxmlformats.org/officeDocument/2006/relationships" xmlns:p="http://schemas.openxmlformats.org/presentationml/2006/main" type="objAndTwoObj" preserve="1">
-  <p:cSld name="Title Content and 2 Content">
-    <p:spTree>
-      <p:nvGrpSpPr>
-        <p:cNvPr id="1" name=""/>
-        <p:cNvGrpSpPr/>
-        <p:nvPr/>
-      </p:nvGrpSpPr>
-      <p:grpSpPr>
-        <a:xfrm>
-          <a:off x="0" y="0"/>
-          <a:ext cx="0" cy="0"/>
-          <a:chOff x="0" y="0"/>
-          <a:chExt cx="0" cy="0"/>
-        </a:xfrm>
-      </p:grpSpPr>
-      <p:sp>
-        <p:nvSpPr>
-          <p:cNvPr id="40" name="PlaceHolder 1"/>
-          <p:cNvSpPr>
-            <a:spLocks noGrp="1"/>
-          </p:cNvSpPr>
-          <p:nvPr>
-            <p:ph type="title"/>
-          </p:nvPr>
-        </p:nvSpPr>
-        <p:spPr>
-          <a:xfrm>
-            <a:off x="677160" y="609480"/>
-            <a:ext cx="8596440" cy="1320480"/>
-          </a:xfrm>
-          <a:prstGeom prst="rect">
-            <a:avLst/>
-          </a:prstGeom>
-        </p:spPr>
-        <p:txBody>
-          <a:bodyPr lIns="0" tIns="0" rIns="0" bIns="0" anchor="ctr"/>
-          <a:lstStyle/>
-          <a:p>
-            <a:endParaRPr lang="en-US" sz="1800" b="0" strike="noStrike" spc="-1">
-              <a:solidFill>
-                <a:srgbClr val="000000"/>
-              </a:solidFill>
-              <a:latin typeface="Trebuchet MS"/>
-            </a:endParaRPr>
-          </a:p>
-        </p:txBody>
-      </p:sp>
-      <p:sp>
-        <p:nvSpPr>
-          <p:cNvPr id="41" name="PlaceHolder 2"/>
-          <p:cNvSpPr>
-            <a:spLocks noGrp="1"/>
-          </p:cNvSpPr>
-          <p:nvPr>
-            <p:ph type="body"/>
-          </p:nvPr>
-        </p:nvSpPr>
-        <p:spPr>
-          <a:xfrm>
-            <a:off x="677160" y="2160720"/>
-            <a:ext cx="4194720" cy="3880440"/>
-          </a:xfrm>
-          <a:prstGeom prst="rect">
-            <a:avLst/>
-          </a:prstGeom>
-        </p:spPr>
-        <p:txBody>
-          <a:bodyPr lIns="0" tIns="0" rIns="0" bIns="0">
-            <a:normAutofit/>
-          </a:bodyPr>
-          <a:lstStyle/>
-          <a:p>
-            <a:endParaRPr lang="en-US" sz="1800" b="0" strike="noStrike" spc="-1">
-              <a:solidFill>
-                <a:srgbClr val="404040"/>
-              </a:solidFill>
-              <a:latin typeface="Trebuchet MS"/>
-            </a:endParaRPr>
-          </a:p>
-        </p:txBody>
-      </p:sp>
-      <p:sp>
-        <p:nvSpPr>
-          <p:cNvPr id="42" name="PlaceHolder 3"/>
-          <p:cNvSpPr>
-            <a:spLocks noGrp="1"/>
-          </p:cNvSpPr>
-          <p:nvPr>
-            <p:ph type="body"/>
-          </p:nvPr>
-        </p:nvSpPr>
-        <p:spPr>
-          <a:xfrm>
-            <a:off x="5082120" y="2160720"/>
-            <a:ext cx="4194720" cy="1850760"/>
-          </a:xfrm>
-          <a:prstGeom prst="rect">
-            <a:avLst/>
-          </a:prstGeom>
-        </p:spPr>
-        <p:txBody>
-          <a:bodyPr lIns="0" tIns="0" rIns="0" bIns="0">
-            <a:normAutofit/>
-          </a:bodyPr>
-          <a:lstStyle/>
-          <a:p>
-            <a:endParaRPr lang="en-US" sz="1800" b="0" strike="noStrike" spc="-1">
-              <a:solidFill>
-                <a:srgbClr val="404040"/>
-              </a:solidFill>
-              <a:latin typeface="Trebuchet MS"/>
-            </a:endParaRPr>
-          </a:p>
-        </p:txBody>
-      </p:sp>
-      <p:sp>
-        <p:nvSpPr>
-          <p:cNvPr id="43" name="PlaceHolder 4"/>
-          <p:cNvSpPr>
-            <a:spLocks noGrp="1"/>
-          </p:cNvSpPr>
-          <p:nvPr>
-            <p:ph type="body"/>
-          </p:nvPr>
-        </p:nvSpPr>
-        <p:spPr>
-          <a:xfrm>
-            <a:off x="5082120" y="4187520"/>
-            <a:ext cx="4194720" cy="1850760"/>
-          </a:xfrm>
-          <a:prstGeom prst="rect">
-            <a:avLst/>
-          </a:prstGeom>
-        </p:spPr>
-        <p:txBody>
-          <a:bodyPr lIns="0" tIns="0" rIns="0" bIns="0">
-            <a:normAutofit/>
-          </a:bodyPr>
-          <a:lstStyle/>
-          <a:p>
-            <a:endParaRPr lang="en-US" sz="1800" b="0" strike="noStrike" spc="-1">
-              <a:solidFill>
-                <a:srgbClr val="404040"/>
-              </a:solidFill>
-              <a:latin typeface="Trebuchet MS"/>
-            </a:endParaRPr>
-          </a:p>
-        </p:txBody>
-      </p:sp>
-    </p:spTree>
-  </p:cSld>
-  <p:clrMapOvr>
-    <a:masterClrMapping/>
-  </p:clrMapOvr>
-</p:sldLayout>
-</file>
-
-<file path=ppt/slideLayouts/slideLayout9.xml><?xml version="1.0" encoding="utf-8"?>
-<p:sldLayout xmlns:a="http://schemas.openxmlformats.org/drawingml/2006/main" xmlns:r="http://schemas.openxmlformats.org/officeDocument/2006/relationships" xmlns:p="http://schemas.openxmlformats.org/presentationml/2006/main" type="twoObjOverTx" preserve="1">
-  <p:cSld name="Title, 2 Content over Content">
-    <p:spTree>
-      <p:nvGrpSpPr>
-        <p:cNvPr id="1" name=""/>
-        <p:cNvGrpSpPr/>
-        <p:nvPr/>
-      </p:nvGrpSpPr>
-      <p:grpSpPr>
-        <a:xfrm>
-          <a:off x="0" y="0"/>
-          <a:ext cx="0" cy="0"/>
-          <a:chOff x="0" y="0"/>
-          <a:chExt cx="0" cy="0"/>
-        </a:xfrm>
-      </p:grpSpPr>
-      <p:sp>
-        <p:nvSpPr>
-          <p:cNvPr id="44" name="PlaceHolder 1"/>
-          <p:cNvSpPr>
-            <a:spLocks noGrp="1"/>
-          </p:cNvSpPr>
-          <p:nvPr>
-            <p:ph type="title"/>
-          </p:nvPr>
-        </p:nvSpPr>
-        <p:spPr>
-          <a:xfrm>
-            <a:off x="677160" y="609480"/>
-            <a:ext cx="8596440" cy="1320480"/>
-          </a:xfrm>
-          <a:prstGeom prst="rect">
-            <a:avLst/>
-          </a:prstGeom>
-        </p:spPr>
-        <p:txBody>
-          <a:bodyPr lIns="0" tIns="0" rIns="0" bIns="0" anchor="ctr"/>
-          <a:lstStyle/>
-          <a:p>
-            <a:endParaRPr lang="en-US" sz="1800" b="0" strike="noStrike" spc="-1">
-              <a:solidFill>
-                <a:srgbClr val="000000"/>
-              </a:solidFill>
-              <a:latin typeface="Trebuchet MS"/>
-            </a:endParaRPr>
-          </a:p>
-        </p:txBody>
-      </p:sp>
-      <p:sp>
-        <p:nvSpPr>
-          <p:cNvPr id="45" name="PlaceHolder 2"/>
-          <p:cNvSpPr>
-            <a:spLocks noGrp="1"/>
-          </p:cNvSpPr>
-          <p:nvPr>
-            <p:ph type="body"/>
-          </p:nvPr>
-        </p:nvSpPr>
-        <p:spPr>
-          <a:xfrm>
-            <a:off x="677160" y="2160720"/>
-            <a:ext cx="4194720" cy="1850760"/>
-          </a:xfrm>
-          <a:prstGeom prst="rect">
-            <a:avLst/>
-          </a:prstGeom>
-        </p:spPr>
-        <p:txBody>
-          <a:bodyPr lIns="0" tIns="0" rIns="0" bIns="0">
-            <a:normAutofit/>
-          </a:bodyPr>
-          <a:lstStyle/>
-          <a:p>
-            <a:endParaRPr lang="en-US" sz="1800" b="0" strike="noStrike" spc="-1">
-              <a:solidFill>
-                <a:srgbClr val="404040"/>
-              </a:solidFill>
-              <a:latin typeface="Trebuchet MS"/>
-            </a:endParaRPr>
-          </a:p>
-        </p:txBody>
-      </p:sp>
-      <p:sp>
-        <p:nvSpPr>
-          <p:cNvPr id="46" name="PlaceHolder 3"/>
-          <p:cNvSpPr>
-            <a:spLocks noGrp="1"/>
-          </p:cNvSpPr>
-          <p:nvPr>
-            <p:ph type="body"/>
-          </p:nvPr>
-        </p:nvSpPr>
-        <p:spPr>
-          <a:xfrm>
-            <a:off x="5082120" y="2160720"/>
-            <a:ext cx="4194720" cy="1850760"/>
-          </a:xfrm>
-          <a:prstGeom prst="rect">
-            <a:avLst/>
-          </a:prstGeom>
-        </p:spPr>
-        <p:txBody>
-          <a:bodyPr lIns="0" tIns="0" rIns="0" bIns="0">
-            <a:normAutofit/>
-          </a:bodyPr>
-          <a:lstStyle/>
-          <a:p>
-            <a:endParaRPr lang="en-US" sz="1800" b="0" strike="noStrike" spc="-1">
-              <a:solidFill>
-                <a:srgbClr val="404040"/>
-              </a:solidFill>
-              <a:latin typeface="Trebuchet MS"/>
-            </a:endParaRPr>
-          </a:p>
-        </p:txBody>
-      </p:sp>
-      <p:sp>
-        <p:nvSpPr>
-          <p:cNvPr id="47" name="PlaceHolder 4"/>
-          <p:cNvSpPr>
-            <a:spLocks noGrp="1"/>
-          </p:cNvSpPr>
-          <p:nvPr>
-            <p:ph type="body"/>
-          </p:nvPr>
-        </p:nvSpPr>
-        <p:spPr>
-          <a:xfrm>
-            <a:off x="677160" y="4187520"/>
-            <a:ext cx="8596440" cy="1850760"/>
-          </a:xfrm>
-          <a:prstGeom prst="rect">
-            <a:avLst/>
-          </a:prstGeom>
-        </p:spPr>
-        <p:txBody>
-          <a:bodyPr lIns="0" tIns="0" rIns="0" bIns="0">
-            <a:normAutofit/>
-          </a:bodyPr>
-          <a:lstStyle/>
-          <a:p>
-            <a:endParaRPr lang="en-US" sz="1800" b="0" strike="noStrike" spc="-1">
-              <a:solidFill>
-                <a:srgbClr val="404040"/>
-              </a:solidFill>
-              <a:latin typeface="Trebuchet MS"/>
-            </a:endParaRPr>
-          </a:p>
-        </p:txBody>
-      </p:sp>
-    </p:spTree>
+    <p:extLst>
+      <p:ext uri="{BB962C8B-B14F-4D97-AF65-F5344CB8AC3E}">
+        <p14:creationId xmlns:p14="http://schemas.microsoft.com/office/powerpoint/2010/main" val="476862378"/>
+      </p:ext>
+    </p:extLst>
   </p:cSld>
   <p:clrMapOvr>
     <a:masterClrMapping/>
@@ -3127,15 +1712,12 @@
 </file>
 
 <file path=ppt/slideMasters/slideMaster1.xml><?xml version="1.0" encoding="utf-8"?>
-<p:sldMaster xmlns:a="http://schemas.openxmlformats.org/drawingml/2006/main" xmlns:r="http://schemas.openxmlformats.org/officeDocument/2006/relationships" xmlns:p="http://schemas.openxmlformats.org/presentationml/2006/main">
+<p:sldMaster xmlns:a="http://schemas.openxmlformats.org/drawingml/2006/main" xmlns:r="http://schemas.openxmlformats.org/officeDocument/2006/relationships" xmlns:p="http://schemas.openxmlformats.org/presentationml/2006/main" preserve="1">
   <p:cSld>
     <p:bg>
-      <p:bgPr>
-        <a:solidFill>
-          <a:srgbClr val="FFFFFF"/>
-        </a:solidFill>
-        <a:effectLst/>
-      </p:bgPr>
+      <p:bgRef idx="1002">
+        <a:schemeClr val="bg1"/>
+      </p:bgRef>
     </p:bg>
     <p:spTree>
       <p:nvGrpSpPr>
@@ -3151,1153 +1733,9 @@
           <a:chExt cx="0" cy="0"/>
         </a:xfrm>
       </p:grpSpPr>
-      <p:grpSp>
-        <p:nvGrpSpPr>
-          <p:cNvPr id="27" name="Group 1"/>
-          <p:cNvGrpSpPr/>
-          <p:nvPr/>
-        </p:nvGrpSpPr>
-        <p:grpSpPr>
-          <a:xfrm>
-            <a:off x="0" y="-8640"/>
-            <a:ext cx="12191760" cy="6866640"/>
-            <a:chOff x="0" y="-8640"/>
-            <a:chExt cx="12191760" cy="6866640"/>
-          </a:xfrm>
-        </p:grpSpPr>
-        <p:sp>
-          <p:nvSpPr>
-            <p:cNvPr id="28" name="Line 2"/>
-            <p:cNvSpPr/>
-            <p:nvPr/>
-          </p:nvSpPr>
-          <p:spPr>
-            <a:xfrm>
-              <a:off x="9370800" y="0"/>
-              <a:ext cx="1219320" cy="6858000"/>
-            </a:xfrm>
-            <a:prstGeom prst="line">
-              <a:avLst/>
-            </a:prstGeom>
-            <a:ln w="9360">
-              <a:solidFill>
-                <a:schemeClr val="accent1">
-                  <a:alpha val="70000"/>
-                </a:schemeClr>
-              </a:solidFill>
-              <a:round/>
-            </a:ln>
-          </p:spPr>
-          <p:style>
-            <a:lnRef idx="2">
-              <a:schemeClr val="accent1"/>
-            </a:lnRef>
-            <a:fillRef idx="0">
-              <a:schemeClr val="accent1"/>
-            </a:fillRef>
-            <a:effectRef idx="1">
-              <a:schemeClr val="accent1"/>
-            </a:effectRef>
-            <a:fontRef idx="minor"/>
-          </p:style>
-        </p:sp>
-        <p:sp>
-          <p:nvSpPr>
-            <p:cNvPr id="2" name="Line 3"/>
-            <p:cNvSpPr/>
-            <p:nvPr/>
-          </p:nvSpPr>
-          <p:spPr>
-            <a:xfrm flipH="1">
-              <a:off x="7425000" y="3681360"/>
-              <a:ext cx="4763520" cy="3176640"/>
-            </a:xfrm>
-            <a:prstGeom prst="line">
-              <a:avLst/>
-            </a:prstGeom>
-            <a:ln w="9360">
-              <a:solidFill>
-                <a:schemeClr val="accent1">
-                  <a:alpha val="70000"/>
-                </a:schemeClr>
-              </a:solidFill>
-              <a:round/>
-            </a:ln>
-          </p:spPr>
-          <p:style>
-            <a:lnRef idx="2">
-              <a:schemeClr val="accent1"/>
-            </a:lnRef>
-            <a:fillRef idx="0">
-              <a:schemeClr val="accent1"/>
-            </a:fillRef>
-            <a:effectRef idx="1">
-              <a:schemeClr val="accent1"/>
-            </a:effectRef>
-            <a:fontRef idx="minor"/>
-          </p:style>
-        </p:sp>
-        <p:sp>
-          <p:nvSpPr>
-            <p:cNvPr id="3" name="CustomShape 4"/>
-            <p:cNvSpPr/>
-            <p:nvPr/>
-          </p:nvSpPr>
-          <p:spPr>
-            <a:xfrm>
-              <a:off x="9181440" y="-8640"/>
-              <a:ext cx="3007080" cy="6866280"/>
-            </a:xfrm>
-            <a:custGeom>
-              <a:avLst/>
-              <a:gdLst/>
-              <a:ahLst/>
-              <a:cxnLst/>
-              <a:rect l="l" t="t" r="r" b="b"/>
-              <a:pathLst>
-                <a:path w="3007349" h="6866467">
-                  <a:moveTo>
-                    <a:pt x="2045532" y="0"/>
-                  </a:moveTo>
-                  <a:lnTo>
-                    <a:pt x="3007349" y="0"/>
-                  </a:lnTo>
-                  <a:lnTo>
-                    <a:pt x="3007349" y="6866467"/>
-                  </a:lnTo>
-                  <a:lnTo>
-                    <a:pt x="0" y="6866467"/>
-                  </a:lnTo>
-                  <a:lnTo>
-                    <a:pt x="2045532" y="0"/>
-                  </a:lnTo>
-                  <a:close/>
-                </a:path>
-              </a:pathLst>
-            </a:custGeom>
-            <a:solidFill>
-              <a:schemeClr val="accent1">
-                <a:alpha val="36000"/>
-              </a:schemeClr>
-            </a:solidFill>
-            <a:ln>
-              <a:noFill/>
-            </a:ln>
-            <a:effectLst>
-              <a:outerShdw blurRad="38100" dist="25400" dir="5400000" rotWithShape="0">
-                <a:srgbClr val="000000">
-                  <a:alpha val="35000"/>
-                </a:srgbClr>
-              </a:outerShdw>
-            </a:effectLst>
-          </p:spPr>
-          <p:style>
-            <a:lnRef idx="1">
-              <a:schemeClr val="accent1"/>
-            </a:lnRef>
-            <a:fillRef idx="3">
-              <a:schemeClr val="accent1"/>
-            </a:fillRef>
-            <a:effectRef idx="2">
-              <a:schemeClr val="accent1"/>
-            </a:effectRef>
-            <a:fontRef idx="minor"/>
-          </p:style>
-        </p:sp>
-        <p:sp>
-          <p:nvSpPr>
-            <p:cNvPr id="4" name="CustomShape 5"/>
-            <p:cNvSpPr/>
-            <p:nvPr/>
-          </p:nvSpPr>
-          <p:spPr>
-            <a:xfrm>
-              <a:off x="9603360" y="-8640"/>
-              <a:ext cx="2588040" cy="6866280"/>
-            </a:xfrm>
-            <a:custGeom>
-              <a:avLst/>
-              <a:gdLst/>
-              <a:ahLst/>
-              <a:cxnLst/>
-              <a:rect l="l" t="t" r="r" b="b"/>
-              <a:pathLst>
-                <a:path w="2573311" h="6866467">
-                  <a:moveTo>
-                    <a:pt x="0" y="0"/>
-                  </a:moveTo>
-                  <a:lnTo>
-                    <a:pt x="2573311" y="0"/>
-                  </a:lnTo>
-                  <a:lnTo>
-                    <a:pt x="2573311" y="6866467"/>
-                  </a:lnTo>
-                  <a:lnTo>
-                    <a:pt x="1202336" y="6866467"/>
-                  </a:lnTo>
-                  <a:lnTo>
-                    <a:pt x="0" y="0"/>
-                  </a:lnTo>
-                  <a:close/>
-                </a:path>
-              </a:pathLst>
-            </a:custGeom>
-            <a:solidFill>
-              <a:schemeClr val="accent1">
-                <a:alpha val="20000"/>
-              </a:schemeClr>
-            </a:solidFill>
-            <a:ln>
-              <a:noFill/>
-            </a:ln>
-            <a:effectLst>
-              <a:outerShdw blurRad="38100" dist="25400" dir="5400000" rotWithShape="0">
-                <a:srgbClr val="000000">
-                  <a:alpha val="35000"/>
-                </a:srgbClr>
-              </a:outerShdw>
-            </a:effectLst>
-          </p:spPr>
-          <p:style>
-            <a:lnRef idx="1">
-              <a:schemeClr val="accent1"/>
-            </a:lnRef>
-            <a:fillRef idx="3">
-              <a:schemeClr val="accent1"/>
-            </a:fillRef>
-            <a:effectRef idx="2">
-              <a:schemeClr val="accent1"/>
-            </a:effectRef>
-            <a:fontRef idx="minor"/>
-          </p:style>
-        </p:sp>
-        <p:sp>
-          <p:nvSpPr>
-            <p:cNvPr id="5" name="CustomShape 6"/>
-            <p:cNvSpPr/>
-            <p:nvPr/>
-          </p:nvSpPr>
-          <p:spPr>
-            <a:xfrm>
-              <a:off x="8932320" y="3048120"/>
-              <a:ext cx="3259440" cy="3809520"/>
-            </a:xfrm>
-            <a:prstGeom prst="triangle">
-              <a:avLst>
-                <a:gd name="adj" fmla="val 100000"/>
-              </a:avLst>
-            </a:prstGeom>
-            <a:solidFill>
-              <a:schemeClr val="accent1">
-                <a:lumMod val="75000"/>
-                <a:alpha val="66000"/>
-              </a:schemeClr>
-            </a:solidFill>
-            <a:ln>
-              <a:noFill/>
-            </a:ln>
-            <a:effectLst>
-              <a:outerShdw blurRad="38100" dist="25400" dir="5400000" rotWithShape="0">
-                <a:srgbClr val="000000">
-                  <a:alpha val="35000"/>
-                </a:srgbClr>
-              </a:outerShdw>
-            </a:effectLst>
-          </p:spPr>
-          <p:style>
-            <a:lnRef idx="1">
-              <a:schemeClr val="accent1"/>
-            </a:lnRef>
-            <a:fillRef idx="3">
-              <a:schemeClr val="accent1"/>
-            </a:fillRef>
-            <a:effectRef idx="2">
-              <a:schemeClr val="accent1"/>
-            </a:effectRef>
-            <a:fontRef idx="minor"/>
-          </p:style>
-        </p:sp>
-        <p:sp>
-          <p:nvSpPr>
-            <p:cNvPr id="6" name="CustomShape 7"/>
-            <p:cNvSpPr/>
-            <p:nvPr/>
-          </p:nvSpPr>
-          <p:spPr>
-            <a:xfrm>
-              <a:off x="9334440" y="-8640"/>
-              <a:ext cx="2854080" cy="6866280"/>
-            </a:xfrm>
-            <a:custGeom>
-              <a:avLst/>
-              <a:gdLst/>
-              <a:ahLst/>
-              <a:cxnLst/>
-              <a:rect l="l" t="t" r="r" b="b"/>
-              <a:pathLst>
-                <a:path w="2858013" h="6866467">
-                  <a:moveTo>
-                    <a:pt x="0" y="0"/>
-                  </a:moveTo>
-                  <a:lnTo>
-                    <a:pt x="2858013" y="0"/>
-                  </a:lnTo>
-                  <a:lnTo>
-                    <a:pt x="2858013" y="6866467"/>
-                  </a:lnTo>
-                  <a:lnTo>
-                    <a:pt x="2473942" y="6866467"/>
-                  </a:lnTo>
-                  <a:lnTo>
-                    <a:pt x="0" y="0"/>
-                  </a:lnTo>
-                  <a:close/>
-                </a:path>
-              </a:pathLst>
-            </a:custGeom>
-            <a:solidFill>
-              <a:schemeClr val="accent1">
-                <a:lumMod val="75000"/>
-                <a:alpha val="50000"/>
-              </a:schemeClr>
-            </a:solidFill>
-            <a:ln>
-              <a:noFill/>
-            </a:ln>
-            <a:effectLst>
-              <a:outerShdw blurRad="38100" dist="25400" dir="5400000" rotWithShape="0">
-                <a:srgbClr val="000000">
-                  <a:alpha val="35000"/>
-                </a:srgbClr>
-              </a:outerShdw>
-            </a:effectLst>
-          </p:spPr>
-          <p:style>
-            <a:lnRef idx="1">
-              <a:schemeClr val="accent1"/>
-            </a:lnRef>
-            <a:fillRef idx="3">
-              <a:schemeClr val="accent1"/>
-            </a:fillRef>
-            <a:effectRef idx="2">
-              <a:schemeClr val="accent1"/>
-            </a:effectRef>
-            <a:fontRef idx="minor"/>
-          </p:style>
-        </p:sp>
-        <p:sp>
-          <p:nvSpPr>
-            <p:cNvPr id="7" name="CustomShape 8"/>
-            <p:cNvSpPr/>
-            <p:nvPr/>
-          </p:nvSpPr>
-          <p:spPr>
-            <a:xfrm>
-              <a:off x="10898640" y="-8640"/>
-              <a:ext cx="1289880" cy="6866280"/>
-            </a:xfrm>
-            <a:custGeom>
-              <a:avLst/>
-              <a:gdLst/>
-              <a:ahLst/>
-              <a:cxnLst/>
-              <a:rect l="l" t="t" r="r" b="b"/>
-              <a:pathLst>
-                <a:path w="1290094" h="6858000">
-                  <a:moveTo>
-                    <a:pt x="1019735" y="0"/>
-                  </a:moveTo>
-                  <a:lnTo>
-                    <a:pt x="1290094" y="0"/>
-                  </a:lnTo>
-                  <a:lnTo>
-                    <a:pt x="1290094" y="6858000"/>
-                  </a:lnTo>
-                  <a:lnTo>
-                    <a:pt x="0" y="6858000"/>
-                  </a:lnTo>
-                  <a:lnTo>
-                    <a:pt x="1019735" y="0"/>
-                  </a:lnTo>
-                  <a:close/>
-                </a:path>
-              </a:pathLst>
-            </a:custGeom>
-            <a:solidFill>
-              <a:schemeClr val="accent2">
-                <a:alpha val="70000"/>
-              </a:schemeClr>
-            </a:solidFill>
-            <a:ln>
-              <a:noFill/>
-            </a:ln>
-            <a:effectLst>
-              <a:outerShdw blurRad="38100" dist="25400" dir="5400000" rotWithShape="0">
-                <a:srgbClr val="000000">
-                  <a:alpha val="35000"/>
-                </a:srgbClr>
-              </a:outerShdw>
-            </a:effectLst>
-          </p:spPr>
-          <p:style>
-            <a:lnRef idx="1">
-              <a:schemeClr val="accent1"/>
-            </a:lnRef>
-            <a:fillRef idx="3">
-              <a:schemeClr val="accent1"/>
-            </a:fillRef>
-            <a:effectRef idx="2">
-              <a:schemeClr val="accent1"/>
-            </a:effectRef>
-            <a:fontRef idx="minor"/>
-          </p:style>
-        </p:sp>
-        <p:sp>
-          <p:nvSpPr>
-            <p:cNvPr id="8" name="CustomShape 9"/>
-            <p:cNvSpPr/>
-            <p:nvPr/>
-          </p:nvSpPr>
-          <p:spPr>
-            <a:xfrm>
-              <a:off x="10938960" y="-8640"/>
-              <a:ext cx="1249560" cy="6866280"/>
-            </a:xfrm>
-            <a:custGeom>
-              <a:avLst/>
-              <a:gdLst/>
-              <a:ahLst/>
-              <a:cxnLst/>
-              <a:rect l="l" t="t" r="r" b="b"/>
-              <a:pathLst>
-                <a:path w="1249825" h="6858000">
-                  <a:moveTo>
-                    <a:pt x="0" y="0"/>
-                  </a:moveTo>
-                  <a:lnTo>
-                    <a:pt x="1249825" y="0"/>
-                  </a:lnTo>
-                  <a:lnTo>
-                    <a:pt x="1249825" y="6858000"/>
-                  </a:lnTo>
-                  <a:lnTo>
-                    <a:pt x="1109382" y="6858000"/>
-                  </a:lnTo>
-                  <a:lnTo>
-                    <a:pt x="0" y="0"/>
-                  </a:lnTo>
-                  <a:close/>
-                </a:path>
-              </a:pathLst>
-            </a:custGeom>
-            <a:solidFill>
-              <a:schemeClr val="accent2">
-                <a:lumMod val="75000"/>
-                <a:alpha val="80000"/>
-              </a:schemeClr>
-            </a:solidFill>
-            <a:ln>
-              <a:noFill/>
-            </a:ln>
-            <a:effectLst>
-              <a:outerShdw blurRad="38100" dist="25400" dir="5400000" rotWithShape="0">
-                <a:srgbClr val="000000">
-                  <a:alpha val="35000"/>
-                </a:srgbClr>
-              </a:outerShdw>
-            </a:effectLst>
-          </p:spPr>
-          <p:style>
-            <a:lnRef idx="1">
-              <a:schemeClr val="accent1"/>
-            </a:lnRef>
-            <a:fillRef idx="3">
-              <a:schemeClr val="accent1"/>
-            </a:fillRef>
-            <a:effectRef idx="2">
-              <a:schemeClr val="accent1"/>
-            </a:effectRef>
-            <a:fontRef idx="minor"/>
-          </p:style>
-        </p:sp>
-        <p:sp>
-          <p:nvSpPr>
-            <p:cNvPr id="9" name="CustomShape 10"/>
-            <p:cNvSpPr/>
-            <p:nvPr/>
-          </p:nvSpPr>
-          <p:spPr>
-            <a:xfrm>
-              <a:off x="10371600" y="3589920"/>
-              <a:ext cx="1816920" cy="3267720"/>
-            </a:xfrm>
-            <a:prstGeom prst="triangle">
-              <a:avLst>
-                <a:gd name="adj" fmla="val 100000"/>
-              </a:avLst>
-            </a:prstGeom>
-            <a:solidFill>
-              <a:schemeClr val="accent1">
-                <a:lumMod val="75000"/>
-                <a:alpha val="66000"/>
-              </a:schemeClr>
-            </a:solidFill>
-            <a:ln>
-              <a:noFill/>
-            </a:ln>
-            <a:effectLst>
-              <a:outerShdw blurRad="38100" dist="25400" dir="5400000" rotWithShape="0">
-                <a:srgbClr val="000000">
-                  <a:alpha val="35000"/>
-                </a:srgbClr>
-              </a:outerShdw>
-            </a:effectLst>
-          </p:spPr>
-          <p:style>
-            <a:lnRef idx="1">
-              <a:schemeClr val="accent1"/>
-            </a:lnRef>
-            <a:fillRef idx="3">
-              <a:schemeClr val="accent1"/>
-            </a:fillRef>
-            <a:effectRef idx="2">
-              <a:schemeClr val="accent1"/>
-            </a:effectRef>
-            <a:fontRef idx="minor"/>
-          </p:style>
-        </p:sp>
-        <p:sp>
-          <p:nvSpPr>
-            <p:cNvPr id="10" name="CustomShape 11"/>
-            <p:cNvSpPr/>
-            <p:nvPr/>
-          </p:nvSpPr>
-          <p:spPr>
-            <a:xfrm>
-              <a:off x="0" y="4013280"/>
-              <a:ext cx="448200" cy="2844360"/>
-            </a:xfrm>
-            <a:prstGeom prst="triangle">
-              <a:avLst>
-                <a:gd name="adj" fmla="val 0"/>
-              </a:avLst>
-            </a:prstGeom>
-            <a:solidFill>
-              <a:schemeClr val="accent1">
-                <a:alpha val="70000"/>
-              </a:schemeClr>
-            </a:solidFill>
-            <a:ln>
-              <a:noFill/>
-            </a:ln>
-            <a:effectLst>
-              <a:outerShdw blurRad="38100" dist="25400" dir="5400000" rotWithShape="0">
-                <a:srgbClr val="000000">
-                  <a:alpha val="35000"/>
-                </a:srgbClr>
-              </a:outerShdw>
-            </a:effectLst>
-          </p:spPr>
-          <p:style>
-            <a:lnRef idx="1">
-              <a:schemeClr val="accent1"/>
-            </a:lnRef>
-            <a:fillRef idx="3">
-              <a:schemeClr val="accent1"/>
-            </a:fillRef>
-            <a:effectRef idx="2">
-              <a:schemeClr val="accent1"/>
-            </a:effectRef>
-            <a:fontRef idx="minor"/>
-          </p:style>
-        </p:sp>
-      </p:grpSp>
-      <p:grpSp>
-        <p:nvGrpSpPr>
-          <p:cNvPr id="11" name="Group 12"/>
-          <p:cNvGrpSpPr/>
-          <p:nvPr/>
-        </p:nvGrpSpPr>
-        <p:grpSpPr>
-          <a:xfrm>
-            <a:off x="0" y="-8640"/>
-            <a:ext cx="12191760" cy="6866640"/>
-            <a:chOff x="0" y="-8640"/>
-            <a:chExt cx="12191760" cy="6866640"/>
-          </a:xfrm>
-        </p:grpSpPr>
-        <p:sp>
-          <p:nvSpPr>
-            <p:cNvPr id="12" name="CustomShape 13"/>
-            <p:cNvSpPr/>
-            <p:nvPr/>
-          </p:nvSpPr>
-          <p:spPr>
-            <a:xfrm>
-              <a:off x="0" y="-7920"/>
-              <a:ext cx="863280" cy="5697720"/>
-            </a:xfrm>
-            <a:custGeom>
-              <a:avLst/>
-              <a:gdLst/>
-              <a:ahLst/>
-              <a:cxnLst/>
-              <a:rect l="l" t="t" r="r" b="b"/>
-              <a:pathLst>
-                <a:path w="863600" h="5698067">
-                  <a:moveTo>
-                    <a:pt x="0" y="8467"/>
-                  </a:moveTo>
-                  <a:lnTo>
-                    <a:pt x="863600" y="0"/>
-                  </a:lnTo>
-                  <a:lnTo>
-                    <a:pt x="863600" y="16934"/>
-                  </a:lnTo>
-                  <a:lnTo>
-                    <a:pt x="0" y="5698067"/>
-                  </a:lnTo>
-                  <a:lnTo>
-                    <a:pt x="0" y="8467"/>
-                  </a:lnTo>
-                  <a:close/>
-                </a:path>
-              </a:pathLst>
-            </a:custGeom>
-            <a:solidFill>
-              <a:schemeClr val="accent1">
-                <a:alpha val="70000"/>
-              </a:schemeClr>
-            </a:solidFill>
-            <a:ln>
-              <a:noFill/>
-            </a:ln>
-            <a:effectLst>
-              <a:outerShdw blurRad="38100" dist="25400" dir="5400000" rotWithShape="0">
-                <a:srgbClr val="000000">
-                  <a:alpha val="35000"/>
-                </a:srgbClr>
-              </a:outerShdw>
-            </a:effectLst>
-          </p:spPr>
-          <p:style>
-            <a:lnRef idx="1">
-              <a:schemeClr val="accent1"/>
-            </a:lnRef>
-            <a:fillRef idx="3">
-              <a:schemeClr val="accent1"/>
-            </a:fillRef>
-            <a:effectRef idx="2">
-              <a:schemeClr val="accent1"/>
-            </a:effectRef>
-            <a:fontRef idx="minor"/>
-          </p:style>
-        </p:sp>
-        <p:sp>
-          <p:nvSpPr>
-            <p:cNvPr id="13" name="Line 14"/>
-            <p:cNvSpPr/>
-            <p:nvPr/>
-          </p:nvSpPr>
-          <p:spPr>
-            <a:xfrm>
-              <a:off x="9370800" y="0"/>
-              <a:ext cx="1219320" cy="6858000"/>
-            </a:xfrm>
-            <a:prstGeom prst="line">
-              <a:avLst/>
-            </a:prstGeom>
-            <a:ln w="9360">
-              <a:solidFill>
-                <a:schemeClr val="accent1">
-                  <a:alpha val="70000"/>
-                </a:schemeClr>
-              </a:solidFill>
-              <a:round/>
-            </a:ln>
-          </p:spPr>
-          <p:style>
-            <a:lnRef idx="2">
-              <a:schemeClr val="accent1"/>
-            </a:lnRef>
-            <a:fillRef idx="0">
-              <a:schemeClr val="accent1"/>
-            </a:fillRef>
-            <a:effectRef idx="1">
-              <a:schemeClr val="accent1"/>
-            </a:effectRef>
-            <a:fontRef idx="minor"/>
-          </p:style>
-        </p:sp>
-        <p:sp>
-          <p:nvSpPr>
-            <p:cNvPr id="14" name="Line 15"/>
-            <p:cNvSpPr/>
-            <p:nvPr/>
-          </p:nvSpPr>
-          <p:spPr>
-            <a:xfrm flipH="1">
-              <a:off x="7425000" y="3681360"/>
-              <a:ext cx="4763520" cy="3176640"/>
-            </a:xfrm>
-            <a:prstGeom prst="line">
-              <a:avLst/>
-            </a:prstGeom>
-            <a:ln w="9360">
-              <a:solidFill>
-                <a:schemeClr val="accent1">
-                  <a:alpha val="70000"/>
-                </a:schemeClr>
-              </a:solidFill>
-              <a:round/>
-            </a:ln>
-          </p:spPr>
-          <p:style>
-            <a:lnRef idx="2">
-              <a:schemeClr val="accent1"/>
-            </a:lnRef>
-            <a:fillRef idx="0">
-              <a:schemeClr val="accent1"/>
-            </a:fillRef>
-            <a:effectRef idx="1">
-              <a:schemeClr val="accent1"/>
-            </a:effectRef>
-            <a:fontRef idx="minor"/>
-          </p:style>
-        </p:sp>
-        <p:sp>
-          <p:nvSpPr>
-            <p:cNvPr id="15" name="CustomShape 16"/>
-            <p:cNvSpPr/>
-            <p:nvPr/>
-          </p:nvSpPr>
-          <p:spPr>
-            <a:xfrm>
-              <a:off x="9181440" y="-8640"/>
-              <a:ext cx="3007080" cy="6866280"/>
-            </a:xfrm>
-            <a:custGeom>
-              <a:avLst/>
-              <a:gdLst/>
-              <a:ahLst/>
-              <a:cxnLst/>
-              <a:rect l="l" t="t" r="r" b="b"/>
-              <a:pathLst>
-                <a:path w="3007349" h="6866467">
-                  <a:moveTo>
-                    <a:pt x="2045532" y="0"/>
-                  </a:moveTo>
-                  <a:lnTo>
-                    <a:pt x="3007349" y="0"/>
-                  </a:lnTo>
-                  <a:lnTo>
-                    <a:pt x="3007349" y="6866467"/>
-                  </a:lnTo>
-                  <a:lnTo>
-                    <a:pt x="0" y="6866467"/>
-                  </a:lnTo>
-                  <a:lnTo>
-                    <a:pt x="2045532" y="0"/>
-                  </a:lnTo>
-                  <a:close/>
-                </a:path>
-              </a:pathLst>
-            </a:custGeom>
-            <a:solidFill>
-              <a:schemeClr val="accent1">
-                <a:alpha val="36000"/>
-              </a:schemeClr>
-            </a:solidFill>
-            <a:ln>
-              <a:noFill/>
-            </a:ln>
-            <a:effectLst>
-              <a:outerShdw blurRad="38100" dist="25400" dir="5400000" rotWithShape="0">
-                <a:srgbClr val="000000">
-                  <a:alpha val="35000"/>
-                </a:srgbClr>
-              </a:outerShdw>
-            </a:effectLst>
-          </p:spPr>
-          <p:style>
-            <a:lnRef idx="1">
-              <a:schemeClr val="accent1"/>
-            </a:lnRef>
-            <a:fillRef idx="3">
-              <a:schemeClr val="accent1"/>
-            </a:fillRef>
-            <a:effectRef idx="2">
-              <a:schemeClr val="accent1"/>
-            </a:effectRef>
-            <a:fontRef idx="minor"/>
-          </p:style>
-        </p:sp>
-        <p:sp>
-          <p:nvSpPr>
-            <p:cNvPr id="16" name="CustomShape 17"/>
-            <p:cNvSpPr/>
-            <p:nvPr/>
-          </p:nvSpPr>
-          <p:spPr>
-            <a:xfrm>
-              <a:off x="9603360" y="-8640"/>
-              <a:ext cx="2588040" cy="6866280"/>
-            </a:xfrm>
-            <a:custGeom>
-              <a:avLst/>
-              <a:gdLst/>
-              <a:ahLst/>
-              <a:cxnLst/>
-              <a:rect l="l" t="t" r="r" b="b"/>
-              <a:pathLst>
-                <a:path w="2573311" h="6866467">
-                  <a:moveTo>
-                    <a:pt x="0" y="0"/>
-                  </a:moveTo>
-                  <a:lnTo>
-                    <a:pt x="2573311" y="0"/>
-                  </a:lnTo>
-                  <a:lnTo>
-                    <a:pt x="2573311" y="6866467"/>
-                  </a:lnTo>
-                  <a:lnTo>
-                    <a:pt x="1202336" y="6866467"/>
-                  </a:lnTo>
-                  <a:lnTo>
-                    <a:pt x="0" y="0"/>
-                  </a:lnTo>
-                  <a:close/>
-                </a:path>
-              </a:pathLst>
-            </a:custGeom>
-            <a:solidFill>
-              <a:schemeClr val="accent1">
-                <a:alpha val="20000"/>
-              </a:schemeClr>
-            </a:solidFill>
-            <a:ln>
-              <a:noFill/>
-            </a:ln>
-            <a:effectLst>
-              <a:outerShdw blurRad="38100" dist="25400" dir="5400000" rotWithShape="0">
-                <a:srgbClr val="000000">
-                  <a:alpha val="35000"/>
-                </a:srgbClr>
-              </a:outerShdw>
-            </a:effectLst>
-          </p:spPr>
-          <p:style>
-            <a:lnRef idx="1">
-              <a:schemeClr val="accent1"/>
-            </a:lnRef>
-            <a:fillRef idx="3">
-              <a:schemeClr val="accent1"/>
-            </a:fillRef>
-            <a:effectRef idx="2">
-              <a:schemeClr val="accent1"/>
-            </a:effectRef>
-            <a:fontRef idx="minor"/>
-          </p:style>
-        </p:sp>
-        <p:sp>
-          <p:nvSpPr>
-            <p:cNvPr id="17" name="CustomShape 18"/>
-            <p:cNvSpPr/>
-            <p:nvPr/>
-          </p:nvSpPr>
-          <p:spPr>
-            <a:xfrm>
-              <a:off x="8932320" y="3048120"/>
-              <a:ext cx="3259440" cy="3809520"/>
-            </a:xfrm>
-            <a:prstGeom prst="triangle">
-              <a:avLst>
-                <a:gd name="adj" fmla="val 100000"/>
-              </a:avLst>
-            </a:prstGeom>
-            <a:solidFill>
-              <a:schemeClr val="accent1">
-                <a:lumMod val="75000"/>
-                <a:alpha val="66000"/>
-              </a:schemeClr>
-            </a:solidFill>
-            <a:ln>
-              <a:noFill/>
-            </a:ln>
-            <a:effectLst>
-              <a:outerShdw blurRad="38100" dist="25400" dir="5400000" rotWithShape="0">
-                <a:srgbClr val="000000">
-                  <a:alpha val="35000"/>
-                </a:srgbClr>
-              </a:outerShdw>
-            </a:effectLst>
-          </p:spPr>
-          <p:style>
-            <a:lnRef idx="1">
-              <a:schemeClr val="accent1"/>
-            </a:lnRef>
-            <a:fillRef idx="3">
-              <a:schemeClr val="accent1"/>
-            </a:fillRef>
-            <a:effectRef idx="2">
-              <a:schemeClr val="accent1"/>
-            </a:effectRef>
-            <a:fontRef idx="minor"/>
-          </p:style>
-        </p:sp>
-        <p:sp>
-          <p:nvSpPr>
-            <p:cNvPr id="18" name="CustomShape 19"/>
-            <p:cNvSpPr/>
-            <p:nvPr/>
-          </p:nvSpPr>
-          <p:spPr>
-            <a:xfrm>
-              <a:off x="9334440" y="-8640"/>
-              <a:ext cx="2854080" cy="6866280"/>
-            </a:xfrm>
-            <a:custGeom>
-              <a:avLst/>
-              <a:gdLst/>
-              <a:ahLst/>
-              <a:cxnLst/>
-              <a:rect l="l" t="t" r="r" b="b"/>
-              <a:pathLst>
-                <a:path w="2858013" h="6866467">
-                  <a:moveTo>
-                    <a:pt x="0" y="0"/>
-                  </a:moveTo>
-                  <a:lnTo>
-                    <a:pt x="2858013" y="0"/>
-                  </a:lnTo>
-                  <a:lnTo>
-                    <a:pt x="2858013" y="6866467"/>
-                  </a:lnTo>
-                  <a:lnTo>
-                    <a:pt x="2473942" y="6866467"/>
-                  </a:lnTo>
-                  <a:lnTo>
-                    <a:pt x="0" y="0"/>
-                  </a:lnTo>
-                  <a:close/>
-                </a:path>
-              </a:pathLst>
-            </a:custGeom>
-            <a:solidFill>
-              <a:schemeClr val="accent1">
-                <a:lumMod val="75000"/>
-                <a:alpha val="50000"/>
-              </a:schemeClr>
-            </a:solidFill>
-            <a:ln>
-              <a:noFill/>
-            </a:ln>
-            <a:effectLst>
-              <a:outerShdw blurRad="38100" dist="25400" dir="5400000" rotWithShape="0">
-                <a:srgbClr val="000000">
-                  <a:alpha val="35000"/>
-                </a:srgbClr>
-              </a:outerShdw>
-            </a:effectLst>
-          </p:spPr>
-          <p:style>
-            <a:lnRef idx="1">
-              <a:schemeClr val="accent1"/>
-            </a:lnRef>
-            <a:fillRef idx="3">
-              <a:schemeClr val="accent1"/>
-            </a:fillRef>
-            <a:effectRef idx="2">
-              <a:schemeClr val="accent1"/>
-            </a:effectRef>
-            <a:fontRef idx="minor"/>
-          </p:style>
-        </p:sp>
-        <p:sp>
-          <p:nvSpPr>
-            <p:cNvPr id="19" name="CustomShape 20"/>
-            <p:cNvSpPr/>
-            <p:nvPr/>
-          </p:nvSpPr>
-          <p:spPr>
-            <a:xfrm>
-              <a:off x="10898640" y="-8640"/>
-              <a:ext cx="1289880" cy="6866280"/>
-            </a:xfrm>
-            <a:custGeom>
-              <a:avLst/>
-              <a:gdLst/>
-              <a:ahLst/>
-              <a:cxnLst/>
-              <a:rect l="l" t="t" r="r" b="b"/>
-              <a:pathLst>
-                <a:path w="1290094" h="6858000">
-                  <a:moveTo>
-                    <a:pt x="1019735" y="0"/>
-                  </a:moveTo>
-                  <a:lnTo>
-                    <a:pt x="1290094" y="0"/>
-                  </a:lnTo>
-                  <a:lnTo>
-                    <a:pt x="1290094" y="6858000"/>
-                  </a:lnTo>
-                  <a:lnTo>
-                    <a:pt x="0" y="6858000"/>
-                  </a:lnTo>
-                  <a:lnTo>
-                    <a:pt x="1019735" y="0"/>
-                  </a:lnTo>
-                  <a:close/>
-                </a:path>
-              </a:pathLst>
-            </a:custGeom>
-            <a:solidFill>
-              <a:schemeClr val="accent2">
-                <a:alpha val="70000"/>
-              </a:schemeClr>
-            </a:solidFill>
-            <a:ln>
-              <a:noFill/>
-            </a:ln>
-            <a:effectLst>
-              <a:outerShdw blurRad="38100" dist="25400" dir="5400000" rotWithShape="0">
-                <a:srgbClr val="000000">
-                  <a:alpha val="35000"/>
-                </a:srgbClr>
-              </a:outerShdw>
-            </a:effectLst>
-          </p:spPr>
-          <p:style>
-            <a:lnRef idx="1">
-              <a:schemeClr val="accent1"/>
-            </a:lnRef>
-            <a:fillRef idx="3">
-              <a:schemeClr val="accent1"/>
-            </a:fillRef>
-            <a:effectRef idx="2">
-              <a:schemeClr val="accent1"/>
-            </a:effectRef>
-            <a:fontRef idx="minor"/>
-          </p:style>
-        </p:sp>
-        <p:sp>
-          <p:nvSpPr>
-            <p:cNvPr id="20" name="CustomShape 21"/>
-            <p:cNvSpPr/>
-            <p:nvPr/>
-          </p:nvSpPr>
-          <p:spPr>
-            <a:xfrm>
-              <a:off x="10938960" y="-8640"/>
-              <a:ext cx="1249560" cy="6866280"/>
-            </a:xfrm>
-            <a:custGeom>
-              <a:avLst/>
-              <a:gdLst/>
-              <a:ahLst/>
-              <a:cxnLst/>
-              <a:rect l="l" t="t" r="r" b="b"/>
-              <a:pathLst>
-                <a:path w="1249825" h="6858000">
-                  <a:moveTo>
-                    <a:pt x="0" y="0"/>
-                  </a:moveTo>
-                  <a:lnTo>
-                    <a:pt x="1249825" y="0"/>
-                  </a:lnTo>
-                  <a:lnTo>
-                    <a:pt x="1249825" y="6858000"/>
-                  </a:lnTo>
-                  <a:lnTo>
-                    <a:pt x="1109382" y="6858000"/>
-                  </a:lnTo>
-                  <a:lnTo>
-                    <a:pt x="0" y="0"/>
-                  </a:lnTo>
-                  <a:close/>
-                </a:path>
-              </a:pathLst>
-            </a:custGeom>
-            <a:solidFill>
-              <a:schemeClr val="accent2">
-                <a:lumMod val="75000"/>
-                <a:alpha val="80000"/>
-              </a:schemeClr>
-            </a:solidFill>
-            <a:ln>
-              <a:noFill/>
-            </a:ln>
-            <a:effectLst>
-              <a:outerShdw blurRad="38100" dist="25400" dir="5400000" rotWithShape="0">
-                <a:srgbClr val="000000">
-                  <a:alpha val="35000"/>
-                </a:srgbClr>
-              </a:outerShdw>
-            </a:effectLst>
-          </p:spPr>
-          <p:style>
-            <a:lnRef idx="1">
-              <a:schemeClr val="accent1"/>
-            </a:lnRef>
-            <a:fillRef idx="3">
-              <a:schemeClr val="accent1"/>
-            </a:fillRef>
-            <a:effectRef idx="2">
-              <a:schemeClr val="accent1"/>
-            </a:effectRef>
-            <a:fontRef idx="minor"/>
-          </p:style>
-        </p:sp>
-        <p:sp>
-          <p:nvSpPr>
-            <p:cNvPr id="21" name="CustomShape 22"/>
-            <p:cNvSpPr/>
-            <p:nvPr/>
-          </p:nvSpPr>
-          <p:spPr>
-            <a:xfrm>
-              <a:off x="10371600" y="3589920"/>
-              <a:ext cx="1816920" cy="3267720"/>
-            </a:xfrm>
-            <a:prstGeom prst="triangle">
-              <a:avLst>
-                <a:gd name="adj" fmla="val 100000"/>
-              </a:avLst>
-            </a:prstGeom>
-            <a:solidFill>
-              <a:schemeClr val="accent1">
-                <a:lumMod val="75000"/>
-                <a:alpha val="66000"/>
-              </a:schemeClr>
-            </a:solidFill>
-            <a:ln>
-              <a:noFill/>
-            </a:ln>
-            <a:effectLst>
-              <a:outerShdw blurRad="38100" dist="25400" dir="5400000" rotWithShape="0">
-                <a:srgbClr val="000000">
-                  <a:alpha val="35000"/>
-                </a:srgbClr>
-              </a:outerShdw>
-            </a:effectLst>
-          </p:spPr>
-          <p:style>
-            <a:lnRef idx="1">
-              <a:schemeClr val="accent1"/>
-            </a:lnRef>
-            <a:fillRef idx="3">
-              <a:schemeClr val="accent1"/>
-            </a:fillRef>
-            <a:effectRef idx="2">
-              <a:schemeClr val="accent1"/>
-            </a:effectRef>
-            <a:fontRef idx="minor"/>
-          </p:style>
-        </p:sp>
-      </p:grpSp>
-      <p:sp>
-        <p:nvSpPr>
-          <p:cNvPr id="22" name="PlaceHolder 23"/>
+      <p:sp>
+        <p:nvSpPr>
+          <p:cNvPr id="2" name="Title Placeholder 1"/>
           <p:cNvSpPr>
             <a:spLocks noGrp="1"/>
           </p:cNvSpPr>
@@ -4307,366 +1745,354 @@
         </p:nvSpPr>
         <p:spPr>
           <a:xfrm>
-            <a:off x="1506960" y="2404440"/>
-            <a:ext cx="7766640" cy="1645920"/>
+            <a:off x="609600" y="274638"/>
+            <a:ext cx="10160000" cy="1143000"/>
           </a:xfrm>
           <a:prstGeom prst="rect">
             <a:avLst/>
           </a:prstGeom>
         </p:spPr>
         <p:txBody>
-          <a:bodyPr anchor="b"/>
+          <a:bodyPr vert="horz" lIns="91440" tIns="45720" rIns="91440" bIns="45720" rtlCol="0" anchor="ctr">
+            <a:noAutofit/>
+          </a:bodyPr>
           <a:lstStyle/>
           <a:p>
-            <a:pPr algn="r">
-              <a:lnSpc>
-                <a:spcPct val="100000"/>
-              </a:lnSpc>
-            </a:pPr>
-            <a:r>
-              <a:rPr lang="en-US" sz="5400" b="0" strike="noStrike" spc="-1">
-                <a:solidFill>
-                  <a:srgbClr val="5FCBEF"/>
-                </a:solidFill>
-                <a:latin typeface="Trebuchet MS"/>
-              </a:rPr>
+            <a:r>
+              <a:rPr lang="en-US" smtClean="0"/>
               <a:t>Click to edit Master title style</a:t>
             </a:r>
-            <a:endParaRPr lang="en-US" sz="5400" b="0" strike="noStrike" spc="-1">
-              <a:solidFill>
-                <a:srgbClr val="000000"/>
-              </a:solidFill>
-              <a:latin typeface="Trebuchet MS"/>
-            </a:endParaRPr>
+            <a:endParaRPr lang="en-US" dirty="0"/>
           </a:p>
         </p:txBody>
       </p:sp>
       <p:sp>
         <p:nvSpPr>
-          <p:cNvPr id="23" name="PlaceHolder 24"/>
+          <p:cNvPr id="3" name="Text Placeholder 2"/>
           <p:cNvSpPr>
             <a:spLocks noGrp="1"/>
           </p:cNvSpPr>
           <p:nvPr>
-            <p:ph type="dt"/>
+            <p:ph type="body" idx="1"/>
           </p:nvPr>
         </p:nvSpPr>
         <p:spPr>
           <a:xfrm>
-            <a:off x="7205040" y="6041520"/>
-            <a:ext cx="911520" cy="364680"/>
+            <a:off x="609600" y="1600200"/>
+            <a:ext cx="10160000" cy="4800600"/>
           </a:xfrm>
           <a:prstGeom prst="rect">
             <a:avLst/>
           </a:prstGeom>
         </p:spPr>
         <p:txBody>
-          <a:bodyPr anchor="ctr"/>
+          <a:bodyPr vert="horz" lIns="91440" tIns="45720" rIns="91440" bIns="45720" rtlCol="0">
+            <a:normAutofit/>
+          </a:bodyPr>
           <a:lstStyle/>
           <a:p>
-            <a:pPr algn="r">
-              <a:lnSpc>
-                <a:spcPct val="100000"/>
-              </a:lnSpc>
-            </a:pPr>
-            <a:fld id="{75B14965-447A-45C4-8ECE-53F39FDD2145}" type="datetime">
-              <a:rPr lang="en-US" sz="900" b="0" strike="noStrike" spc="-1">
-                <a:solidFill>
-                  <a:srgbClr val="8B8B8B"/>
-                </a:solidFill>
-                <a:latin typeface="Trebuchet MS"/>
-              </a:rPr>
-              <a:t>3/12/2020</a:t>
-            </a:fld>
-            <a:endParaRPr lang="en-US" sz="900" b="0" strike="noStrike" spc="-1">
-              <a:latin typeface="Times New Roman"/>
+            <a:pPr lvl="0"/>
+            <a:r>
+              <a:rPr lang="en-US" smtClean="0"/>
+              <a:t>Click to edit Master text styles</a:t>
+            </a:r>
+          </a:p>
+          <a:p>
+            <a:pPr lvl="1"/>
+            <a:r>
+              <a:rPr lang="en-US" smtClean="0"/>
+              <a:t>Second level</a:t>
+            </a:r>
+          </a:p>
+          <a:p>
+            <a:pPr lvl="2"/>
+            <a:r>
+              <a:rPr lang="en-US" smtClean="0"/>
+              <a:t>Third level</a:t>
+            </a:r>
+          </a:p>
+          <a:p>
+            <a:pPr lvl="3"/>
+            <a:r>
+              <a:rPr lang="en-US" smtClean="0"/>
+              <a:t>Fourth level</a:t>
+            </a:r>
+          </a:p>
+          <a:p>
+            <a:pPr lvl="4"/>
+            <a:r>
+              <a:rPr lang="en-US" smtClean="0"/>
+              <a:t>Fifth level</a:t>
+            </a:r>
+            <a:endParaRPr lang="en-US" dirty="0"/>
+          </a:p>
+        </p:txBody>
+      </p:sp>
+      <p:sp>
+        <p:nvSpPr>
+          <p:cNvPr id="7" name="Rectangle 6"/>
+          <p:cNvSpPr/>
+          <p:nvPr/>
+        </p:nvSpPr>
+        <p:spPr>
+          <a:xfrm>
+            <a:off x="11277600" y="0"/>
+            <a:ext cx="914400" cy="6858000"/>
+          </a:xfrm>
+          <a:prstGeom prst="rect">
+            <a:avLst/>
+          </a:prstGeom>
+          <a:solidFill>
+            <a:schemeClr val="tx2"/>
+          </a:solidFill>
+          <a:ln>
+            <a:noFill/>
+          </a:ln>
+        </p:spPr>
+        <p:style>
+          <a:lnRef idx="2">
+            <a:schemeClr val="accent1">
+              <a:shade val="50000"/>
+            </a:schemeClr>
+          </a:lnRef>
+          <a:fillRef idx="1">
+            <a:schemeClr val="accent1"/>
+          </a:fillRef>
+          <a:effectRef idx="0">
+            <a:schemeClr val="accent1"/>
+          </a:effectRef>
+          <a:fontRef idx="minor">
+            <a:schemeClr val="lt1"/>
+          </a:fontRef>
+        </p:style>
+        <p:txBody>
+          <a:bodyPr rtlCol="0" anchor="ctr"/>
+          <a:lstStyle/>
+          <a:p>
+            <a:pPr algn="ctr"/>
+            <a:endParaRPr lang="en-US" sz="1800">
+              <a:solidFill>
+                <a:srgbClr val="FFFFFF"/>
+              </a:solidFill>
             </a:endParaRPr>
           </a:p>
         </p:txBody>
       </p:sp>
       <p:sp>
         <p:nvSpPr>
-          <p:cNvPr id="24" name="PlaceHolder 25"/>
+          <p:cNvPr id="8" name="Rectangle 7"/>
+          <p:cNvSpPr/>
+          <p:nvPr/>
+        </p:nvSpPr>
+        <p:spPr>
+          <a:xfrm>
+            <a:off x="11277600" y="5486400"/>
+            <a:ext cx="914400" cy="685800"/>
+          </a:xfrm>
+          <a:prstGeom prst="rect">
+            <a:avLst/>
+          </a:prstGeom>
+          <a:solidFill>
+            <a:schemeClr val="accent1"/>
+          </a:solidFill>
+          <a:ln>
+            <a:noFill/>
+          </a:ln>
+        </p:spPr>
+        <p:style>
+          <a:lnRef idx="2">
+            <a:schemeClr val="accent1">
+              <a:shade val="50000"/>
+            </a:schemeClr>
+          </a:lnRef>
+          <a:fillRef idx="1">
+            <a:schemeClr val="accent1"/>
+          </a:fillRef>
+          <a:effectRef idx="0">
+            <a:schemeClr val="accent1"/>
+          </a:effectRef>
+          <a:fontRef idx="minor">
+            <a:schemeClr val="lt1"/>
+          </a:fontRef>
+        </p:style>
+        <p:txBody>
+          <a:bodyPr rtlCol="0" anchor="ctr"/>
+          <a:lstStyle/>
+          <a:p>
+            <a:pPr algn="ctr"/>
+            <a:endParaRPr lang="en-US" sz="1800">
+              <a:solidFill>
+                <a:srgbClr val="FFFFFF"/>
+              </a:solidFill>
+            </a:endParaRPr>
+          </a:p>
+        </p:txBody>
+      </p:sp>
+      <p:sp>
+        <p:nvSpPr>
+          <p:cNvPr id="6" name="Slide Number Placeholder 5"/>
           <p:cNvSpPr>
             <a:spLocks noGrp="1"/>
           </p:cNvSpPr>
           <p:nvPr>
-            <p:ph type="ftr"/>
+            <p:ph type="sldNum" sz="quarter" idx="4"/>
           </p:nvPr>
         </p:nvSpPr>
         <p:spPr>
           <a:xfrm>
-            <a:off x="677160" y="6041520"/>
-            <a:ext cx="6297120" cy="364680"/>
+            <a:off x="11375717" y="5648960"/>
+            <a:ext cx="731520" cy="396240"/>
+          </a:xfrm>
+          <a:prstGeom prst="bracketPair">
+            <a:avLst>
+              <a:gd name="adj" fmla="val 17949"/>
+            </a:avLst>
+          </a:prstGeom>
+          <a:ln w="19050">
+            <a:solidFill>
+              <a:srgbClr val="FFFFFF"/>
+            </a:solidFill>
+          </a:ln>
+        </p:spPr>
+        <p:txBody>
+          <a:bodyPr vert="horz" lIns="0" tIns="0" rIns="0" bIns="0" rtlCol="0" anchor="ctr"/>
+          <a:lstStyle>
+            <a:lvl1pPr algn="ctr">
+              <a:defRPr sz="1800">
+                <a:solidFill>
+                  <a:srgbClr val="FFFFFF"/>
+                </a:solidFill>
+                <a:latin typeface="Times New Roman" panose="02020603050405020304" pitchFamily="18" charset="0"/>
+                <a:cs typeface="Times New Roman" panose="02020603050405020304" pitchFamily="18" charset="0"/>
+              </a:defRPr>
+            </a:lvl1pPr>
+          </a:lstStyle>
+          <a:p>
+            <a:fld id="{67757F18-DA47-4173-A975-90C90D141712}" type="slidenum">
+              <a:rPr lang="en-US" smtClean="0"/>
+              <a:pPr/>
+              <a:t>‹#›</a:t>
+            </a:fld>
+            <a:endParaRPr lang="en-US" dirty="0"/>
+          </a:p>
+        </p:txBody>
+      </p:sp>
+      <p:sp>
+        <p:nvSpPr>
+          <p:cNvPr id="5" name="Footer Placeholder 4"/>
+          <p:cNvSpPr>
+            <a:spLocks noGrp="1"/>
+          </p:cNvSpPr>
+          <p:nvPr>
+            <p:ph type="ftr" sz="quarter" idx="3"/>
+          </p:nvPr>
+        </p:nvSpPr>
+        <p:spPr>
+          <a:xfrm rot="16200000">
+            <a:off x="10510428" y="3987800"/>
+            <a:ext cx="2367281" cy="487680"/>
           </a:xfrm>
           <a:prstGeom prst="rect">
             <a:avLst/>
           </a:prstGeom>
         </p:spPr>
         <p:txBody>
-          <a:bodyPr anchor="ctr"/>
-          <a:lstStyle/>
-          <a:p>
-            <a:endParaRPr lang="en-US" sz="2400" b="0" strike="noStrike" spc="-1">
-              <a:latin typeface="Times New Roman"/>
+          <a:bodyPr vert="horz" lIns="91440" tIns="45720" rIns="91440" bIns="45720" rtlCol="0" anchor="ctr"/>
+          <a:lstStyle>
+            <a:lvl1pPr algn="r">
+              <a:defRPr sz="1200">
+                <a:solidFill>
+                  <a:schemeClr val="bg2"/>
+                </a:solidFill>
+              </a:defRPr>
+            </a:lvl1pPr>
+          </a:lstStyle>
+          <a:p>
+            <a:endParaRPr lang="en-US">
+              <a:solidFill>
+                <a:srgbClr val="DFDCB7"/>
+              </a:solidFill>
             </a:endParaRPr>
           </a:p>
         </p:txBody>
       </p:sp>
       <p:sp>
         <p:nvSpPr>
-          <p:cNvPr id="25" name="PlaceHolder 26"/>
+          <p:cNvPr id="4" name="Date Placeholder 3"/>
           <p:cNvSpPr>
             <a:spLocks noGrp="1"/>
           </p:cNvSpPr>
           <p:nvPr>
-            <p:ph type="sldNum"/>
+            <p:ph type="dt" sz="half" idx="2"/>
           </p:nvPr>
         </p:nvSpPr>
         <p:spPr>
-          <a:xfrm>
-            <a:off x="8590680" y="6041520"/>
-            <a:ext cx="682920" cy="364680"/>
+          <a:xfrm rot="16200000">
+            <a:off x="10474869" y="1584960"/>
+            <a:ext cx="2438399" cy="487680"/>
           </a:xfrm>
           <a:prstGeom prst="rect">
             <a:avLst/>
           </a:prstGeom>
         </p:spPr>
         <p:txBody>
-          <a:bodyPr anchor="ctr"/>
-          <a:lstStyle/>
-          <a:p>
-            <a:pPr algn="r">
-              <a:lnSpc>
-                <a:spcPct val="100000"/>
-              </a:lnSpc>
-            </a:pPr>
-            <a:fld id="{AB022335-4A44-4D10-AB43-1C4F6D7E1EA2}" type="slidenum">
-              <a:rPr lang="en-US" sz="900" b="0" strike="noStrike" spc="-1">
+          <a:bodyPr vert="horz" lIns="91440" tIns="45720" rIns="91440" bIns="45720" rtlCol="0" anchor="ctr"/>
+          <a:lstStyle>
+            <a:lvl1pPr algn="l">
+              <a:defRPr sz="1800">
                 <a:solidFill>
-                  <a:srgbClr val="5FCBEF"/>
+                  <a:schemeClr val="bg2"/>
                 </a:solidFill>
-                <a:latin typeface="Trebuchet MS"/>
+                <a:latin typeface="Times New Roman" panose="02020603050405020304" pitchFamily="18" charset="0"/>
+                <a:cs typeface="Times New Roman" panose="02020603050405020304" pitchFamily="18" charset="0"/>
+              </a:defRPr>
+            </a:lvl1pPr>
+          </a:lstStyle>
+          <a:p>
+            <a:r>
+              <a:rPr lang="en-US" smtClean="0">
+                <a:solidFill>
+                  <a:srgbClr val="DFDCB7"/>
+                </a:solidFill>
               </a:rPr>
-              <a:t>‹#›</a:t>
-            </a:fld>
-            <a:endParaRPr lang="en-US" sz="900" b="0" strike="noStrike" spc="-1">
-              <a:latin typeface="Times New Roman"/>
+              <a:t>3/16/2020</a:t>
+            </a:r>
+            <a:endParaRPr lang="en-US" dirty="0">
+              <a:solidFill>
+                <a:srgbClr val="DFDCB7"/>
+              </a:solidFill>
             </a:endParaRPr>
           </a:p>
         </p:txBody>
       </p:sp>
-      <p:sp>
-        <p:nvSpPr>
-          <p:cNvPr id="26" name="PlaceHolder 27"/>
-          <p:cNvSpPr>
-            <a:spLocks noGrp="1"/>
-          </p:cNvSpPr>
-          <p:nvPr>
-            <p:ph type="body"/>
-          </p:nvPr>
-        </p:nvSpPr>
-        <p:spPr>
-          <a:xfrm>
-            <a:off x="609480" y="1604520"/>
-            <a:ext cx="10972440" cy="3977280"/>
-          </a:xfrm>
-          <a:prstGeom prst="rect">
-            <a:avLst/>
-          </a:prstGeom>
-        </p:spPr>
-        <p:txBody>
-          <a:bodyPr lIns="0" tIns="0" rIns="0" bIns="0">
-            <a:normAutofit/>
-          </a:bodyPr>
-          <a:lstStyle/>
-          <a:p>
-            <a:pPr marL="432000" indent="-324000">
-              <a:spcBef>
-                <a:spcPts val="1417"/>
-              </a:spcBef>
-              <a:buClr>
-                <a:srgbClr val="000000"/>
-              </a:buClr>
-              <a:buSzPct val="45000"/>
-              <a:buFont typeface="Wingdings" charset="2"/>
-              <a:buChar char=""/>
-            </a:pPr>
-            <a:r>
-              <a:rPr lang="en-US" sz="1800" b="0" strike="noStrike" spc="-1">
-                <a:solidFill>
-                  <a:srgbClr val="404040"/>
-                </a:solidFill>
-                <a:latin typeface="Trebuchet MS"/>
-              </a:rPr>
-              <a:t>Click to edit the outline text format</a:t>
-            </a:r>
-          </a:p>
-          <a:p>
-            <a:pPr marL="864000" lvl="1" indent="-324000">
-              <a:spcBef>
-                <a:spcPts val="1134"/>
-              </a:spcBef>
-              <a:buClr>
-                <a:srgbClr val="000000"/>
-              </a:buClr>
-              <a:buSzPct val="75000"/>
-              <a:buFont typeface="Symbol" charset="2"/>
-              <a:buChar char=""/>
-            </a:pPr>
-            <a:r>
-              <a:rPr lang="en-US" sz="1400" b="0" strike="noStrike" spc="-1">
-                <a:solidFill>
-                  <a:srgbClr val="404040"/>
-                </a:solidFill>
-                <a:latin typeface="Trebuchet MS"/>
-              </a:rPr>
-              <a:t>Second Outline Level</a:t>
-            </a:r>
-          </a:p>
-          <a:p>
-            <a:pPr marL="1296000" lvl="2" indent="-288000">
-              <a:spcBef>
-                <a:spcPts val="850"/>
-              </a:spcBef>
-              <a:buClr>
-                <a:srgbClr val="000000"/>
-              </a:buClr>
-              <a:buSzPct val="45000"/>
-              <a:buFont typeface="Wingdings" charset="2"/>
-              <a:buChar char=""/>
-            </a:pPr>
-            <a:r>
-              <a:rPr lang="en-US" sz="1200" b="0" strike="noStrike" spc="-1">
-                <a:solidFill>
-                  <a:srgbClr val="404040"/>
-                </a:solidFill>
-                <a:latin typeface="Trebuchet MS"/>
-              </a:rPr>
-              <a:t>Third Outline Level</a:t>
-            </a:r>
-          </a:p>
-          <a:p>
-            <a:pPr marL="1728000" lvl="3" indent="-216000">
-              <a:spcBef>
-                <a:spcPts val="567"/>
-              </a:spcBef>
-              <a:buClr>
-                <a:srgbClr val="000000"/>
-              </a:buClr>
-              <a:buSzPct val="75000"/>
-              <a:buFont typeface="Symbol" charset="2"/>
-              <a:buChar char=""/>
-            </a:pPr>
-            <a:r>
-              <a:rPr lang="en-US" sz="1200" b="0" strike="noStrike" spc="-1">
-                <a:solidFill>
-                  <a:srgbClr val="404040"/>
-                </a:solidFill>
-                <a:latin typeface="Trebuchet MS"/>
-              </a:rPr>
-              <a:t>Fourth Outline Level</a:t>
-            </a:r>
-          </a:p>
-          <a:p>
-            <a:pPr marL="2160000" lvl="4" indent="-216000">
-              <a:spcBef>
-                <a:spcPts val="283"/>
-              </a:spcBef>
-              <a:buClr>
-                <a:srgbClr val="000000"/>
-              </a:buClr>
-              <a:buSzPct val="45000"/>
-              <a:buFont typeface="Wingdings" charset="2"/>
-              <a:buChar char=""/>
-            </a:pPr>
-            <a:r>
-              <a:rPr lang="en-US" sz="2000" b="0" strike="noStrike" spc="-1">
-                <a:solidFill>
-                  <a:srgbClr val="404040"/>
-                </a:solidFill>
-                <a:latin typeface="Trebuchet MS"/>
-              </a:rPr>
-              <a:t>Fifth Outline Level</a:t>
-            </a:r>
-          </a:p>
-          <a:p>
-            <a:pPr marL="2592000" lvl="5" indent="-216000">
-              <a:spcBef>
-                <a:spcPts val="283"/>
-              </a:spcBef>
-              <a:buClr>
-                <a:srgbClr val="000000"/>
-              </a:buClr>
-              <a:buSzPct val="45000"/>
-              <a:buFont typeface="Wingdings" charset="2"/>
-              <a:buChar char=""/>
-            </a:pPr>
-            <a:r>
-              <a:rPr lang="en-US" sz="2000" b="0" strike="noStrike" spc="-1">
-                <a:solidFill>
-                  <a:srgbClr val="404040"/>
-                </a:solidFill>
-                <a:latin typeface="Trebuchet MS"/>
-              </a:rPr>
-              <a:t>Sixth Outline Level</a:t>
-            </a:r>
-          </a:p>
-          <a:p>
-            <a:pPr marL="3024000" lvl="6" indent="-216000">
-              <a:spcBef>
-                <a:spcPts val="283"/>
-              </a:spcBef>
-              <a:buClr>
-                <a:srgbClr val="000000"/>
-              </a:buClr>
-              <a:buSzPct val="45000"/>
-              <a:buFont typeface="Wingdings" charset="2"/>
-              <a:buChar char=""/>
-            </a:pPr>
-            <a:r>
-              <a:rPr lang="en-US" sz="2000" b="0" strike="noStrike" spc="-1">
-                <a:solidFill>
-                  <a:srgbClr val="404040"/>
-                </a:solidFill>
-                <a:latin typeface="Trebuchet MS"/>
-              </a:rPr>
-              <a:t>Seventh Outline Level</a:t>
-            </a:r>
-          </a:p>
-        </p:txBody>
-      </p:sp>
     </p:spTree>
+    <p:extLst>
+      <p:ext uri="{BB962C8B-B14F-4D97-AF65-F5344CB8AC3E}">
+        <p14:creationId xmlns:p14="http://schemas.microsoft.com/office/powerpoint/2010/main" val="3313809432"/>
+      </p:ext>
+    </p:extLst>
   </p:cSld>
   <p:clrMap bg1="lt1" tx1="dk1" bg2="lt2" tx2="dk2" accent1="accent1" accent2="accent2" accent3="accent3" accent4="accent4" accent5="accent5" accent6="accent6" hlink="hlink" folHlink="folHlink"/>
   <p:sldLayoutIdLst>
-    <p:sldLayoutId id="2147483649" r:id="rId1"/>
-    <p:sldLayoutId id="2147483650" r:id="rId2"/>
-    <p:sldLayoutId id="2147483651" r:id="rId3"/>
-    <p:sldLayoutId id="2147483652" r:id="rId4"/>
-    <p:sldLayoutId id="2147483653" r:id="rId5"/>
-    <p:sldLayoutId id="2147483654" r:id="rId6"/>
-    <p:sldLayoutId id="2147483655" r:id="rId7"/>
-    <p:sldLayoutId id="2147483656" r:id="rId8"/>
-    <p:sldLayoutId id="2147483657" r:id="rId9"/>
-    <p:sldLayoutId id="2147483658" r:id="rId10"/>
-    <p:sldLayoutId id="2147483659" r:id="rId11"/>
-    <p:sldLayoutId id="2147483660" r:id="rId12"/>
+    <p:sldLayoutId id="2147483745" r:id="rId1"/>
+    <p:sldLayoutId id="2147483766" r:id="rId2"/>
   </p:sldLayoutIdLst>
+  <p:hf hdr="0" ftr="0"/>
   <p:txStyles>
     <p:titleStyle>
       <a:lvl1pPr algn="l" defTabSz="914400" rtl="0" eaLnBrk="1" latinLnBrk="0" hangingPunct="1">
-        <a:lnSpc>
-          <a:spcPct val="90000"/>
-        </a:lnSpc>
         <a:spcBef>
           <a:spcPct val="0"/>
         </a:spcBef>
         <a:buNone/>
-        <a:defRPr sz="4400" kern="1200">
+        <a:defRPr sz="4600" kern="1200" cap="none" spc="-100" baseline="0">
+          <a:ln>
+            <a:noFill/>
+          </a:ln>
           <a:solidFill>
-            <a:schemeClr val="tx1"/>
+            <a:schemeClr val="tx2"/>
           </a:solidFill>
+          <a:effectLst/>
           <a:latin typeface="+mj-lt"/>
           <a:ea typeface="+mj-ea"/>
           <a:cs typeface="+mj-cs"/>
@@ -4674,16 +2100,16 @@
       </a:lvl1pPr>
     </p:titleStyle>
     <p:bodyStyle>
-      <a:lvl1pPr marL="228600" indent="-228600" algn="l" defTabSz="914400" rtl="0" eaLnBrk="1" latinLnBrk="0" hangingPunct="1">
-        <a:lnSpc>
-          <a:spcPct val="90000"/>
-        </a:lnSpc>
+      <a:lvl1pPr marL="342900" indent="-228600" algn="l" defTabSz="914400" rtl="0" eaLnBrk="1" latinLnBrk="0" hangingPunct="1">
         <a:spcBef>
-          <a:spcPts val="1000"/>
+          <a:spcPct val="20000"/>
         </a:spcBef>
-        <a:buFont typeface="Arial" panose="020B0604020202020204" pitchFamily="34" charset="0"/>
+        <a:buClr>
+          <a:schemeClr val="accent1"/>
+        </a:buClr>
+        <a:buFont typeface="Arial" pitchFamily="34" charset="0"/>
         <a:buChar char="•"/>
-        <a:defRPr sz="2800" kern="1200">
+        <a:defRPr sz="2200" kern="1200">
           <a:solidFill>
             <a:schemeClr val="tx1"/>
           </a:solidFill>
@@ -4692,32 +2118,14 @@
           <a:cs typeface="+mn-cs"/>
         </a:defRPr>
       </a:lvl1pPr>
-      <a:lvl2pPr marL="685800" indent="-228600" algn="l" defTabSz="914400" rtl="0" eaLnBrk="1" latinLnBrk="0" hangingPunct="1">
-        <a:lnSpc>
-          <a:spcPct val="90000"/>
-        </a:lnSpc>
+      <a:lvl2pPr marL="640080" indent="-228600" algn="l" defTabSz="914400" rtl="0" eaLnBrk="1" latinLnBrk="0" hangingPunct="1">
         <a:spcBef>
-          <a:spcPts val="500"/>
+          <a:spcPct val="20000"/>
         </a:spcBef>
-        <a:buFont typeface="Arial" panose="020B0604020202020204" pitchFamily="34" charset="0"/>
-        <a:buChar char="•"/>
-        <a:defRPr sz="2400" kern="1200">
-          <a:solidFill>
-            <a:schemeClr val="tx1"/>
-          </a:solidFill>
-          <a:latin typeface="+mn-lt"/>
-          <a:ea typeface="+mn-ea"/>
-          <a:cs typeface="+mn-cs"/>
-        </a:defRPr>
-      </a:lvl2pPr>
-      <a:lvl3pPr marL="1143000" indent="-228600" algn="l" defTabSz="914400" rtl="0" eaLnBrk="1" latinLnBrk="0" hangingPunct="1">
-        <a:lnSpc>
-          <a:spcPct val="90000"/>
-        </a:lnSpc>
-        <a:spcBef>
-          <a:spcPts val="500"/>
-        </a:spcBef>
-        <a:buFont typeface="Arial" panose="020B0604020202020204" pitchFamily="34" charset="0"/>
+        <a:buClr>
+          <a:schemeClr val="accent2"/>
+        </a:buClr>
+        <a:buFont typeface="Arial" pitchFamily="34" charset="0"/>
         <a:buChar char="•"/>
         <a:defRPr sz="2000" kern="1200">
           <a:solidFill>
@@ -4727,15 +2135,15 @@
           <a:ea typeface="+mn-ea"/>
           <a:cs typeface="+mn-cs"/>
         </a:defRPr>
-      </a:lvl3pPr>
-      <a:lvl4pPr marL="1600200" indent="-228600" algn="l" defTabSz="914400" rtl="0" eaLnBrk="1" latinLnBrk="0" hangingPunct="1">
-        <a:lnSpc>
-          <a:spcPct val="90000"/>
-        </a:lnSpc>
+      </a:lvl2pPr>
+      <a:lvl3pPr marL="1005840" indent="-228600" algn="l" defTabSz="914400" rtl="0" eaLnBrk="1" latinLnBrk="0" hangingPunct="1">
         <a:spcBef>
-          <a:spcPts val="500"/>
+          <a:spcPct val="20000"/>
         </a:spcBef>
-        <a:buFont typeface="Arial" panose="020B0604020202020204" pitchFamily="34" charset="0"/>
+        <a:buClr>
+          <a:schemeClr val="accent3"/>
+        </a:buClr>
+        <a:buFont typeface="Arial" pitchFamily="34" charset="0"/>
         <a:buChar char="•"/>
         <a:defRPr sz="1800" kern="1200">
           <a:solidFill>
@@ -4745,17 +2153,35 @@
           <a:ea typeface="+mn-ea"/>
           <a:cs typeface="+mn-cs"/>
         </a:defRPr>
+      </a:lvl3pPr>
+      <a:lvl4pPr marL="1280160" indent="-228600" algn="l" defTabSz="914400" rtl="0" eaLnBrk="1" latinLnBrk="0" hangingPunct="1">
+        <a:spcBef>
+          <a:spcPct val="20000"/>
+        </a:spcBef>
+        <a:buClr>
+          <a:schemeClr val="accent4"/>
+        </a:buClr>
+        <a:buFont typeface="Arial" pitchFamily="34" charset="0"/>
+        <a:buChar char="•"/>
+        <a:defRPr sz="1600" kern="1200">
+          <a:solidFill>
+            <a:schemeClr val="tx1"/>
+          </a:solidFill>
+          <a:latin typeface="+mn-lt"/>
+          <a:ea typeface="+mn-ea"/>
+          <a:cs typeface="+mn-cs"/>
+        </a:defRPr>
       </a:lvl4pPr>
-      <a:lvl5pPr marL="2057400" indent="-228600" algn="l" defTabSz="914400" rtl="0" eaLnBrk="1" latinLnBrk="0" hangingPunct="1">
-        <a:lnSpc>
-          <a:spcPct val="90000"/>
-        </a:lnSpc>
+      <a:lvl5pPr marL="1554480" indent="-228600" algn="l" defTabSz="914400" rtl="0" eaLnBrk="1" latinLnBrk="0" hangingPunct="1">
         <a:spcBef>
-          <a:spcPts val="500"/>
+          <a:spcPct val="20000"/>
         </a:spcBef>
-        <a:buFont typeface="Arial" panose="020B0604020202020204" pitchFamily="34" charset="0"/>
+        <a:buClr>
+          <a:schemeClr val="accent5"/>
+        </a:buClr>
+        <a:buFont typeface="Arial" pitchFamily="34" charset="0"/>
         <a:buChar char="•"/>
-        <a:defRPr sz="1800" kern="1200">
+        <a:defRPr sz="1400" kern="1200" baseline="0">
           <a:solidFill>
             <a:schemeClr val="tx1"/>
           </a:solidFill>
@@ -4764,16 +2190,16 @@
           <a:cs typeface="+mn-cs"/>
         </a:defRPr>
       </a:lvl5pPr>
-      <a:lvl6pPr marL="2514600" indent="-228600" algn="l" defTabSz="914400" rtl="0" eaLnBrk="1" latinLnBrk="0" hangingPunct="1">
-        <a:lnSpc>
-          <a:spcPct val="90000"/>
-        </a:lnSpc>
+      <a:lvl6pPr marL="1737360" indent="-182880" algn="l" defTabSz="914400" rtl="0" eaLnBrk="1" latinLnBrk="0" hangingPunct="1">
         <a:spcBef>
-          <a:spcPts val="500"/>
+          <a:spcPct val="20000"/>
         </a:spcBef>
-        <a:buFont typeface="Arial" panose="020B0604020202020204" pitchFamily="34" charset="0"/>
+        <a:buClr>
+          <a:schemeClr val="accent1"/>
+        </a:buClr>
+        <a:buFont typeface="Arial" pitchFamily="34" charset="0"/>
         <a:buChar char="•"/>
-        <a:defRPr sz="1800" kern="1200">
+        <a:defRPr sz="1400" kern="1200" baseline="0">
           <a:solidFill>
             <a:schemeClr val="tx1"/>
           </a:solidFill>
@@ -4782,16 +2208,16 @@
           <a:cs typeface="+mn-cs"/>
         </a:defRPr>
       </a:lvl6pPr>
-      <a:lvl7pPr marL="2971800" indent="-228600" algn="l" defTabSz="914400" rtl="0" eaLnBrk="1" latinLnBrk="0" hangingPunct="1">
-        <a:lnSpc>
-          <a:spcPct val="90000"/>
-        </a:lnSpc>
+      <a:lvl7pPr marL="1920240" indent="-182880" algn="l" defTabSz="914400" rtl="0" eaLnBrk="1" latinLnBrk="0" hangingPunct="1">
         <a:spcBef>
-          <a:spcPts val="500"/>
+          <a:spcPct val="20000"/>
         </a:spcBef>
-        <a:buFont typeface="Arial" panose="020B0604020202020204" pitchFamily="34" charset="0"/>
+        <a:buClr>
+          <a:schemeClr val="accent2"/>
+        </a:buClr>
+        <a:buFont typeface="Arial" pitchFamily="34" charset="0"/>
         <a:buChar char="•"/>
-        <a:defRPr sz="1800" kern="1200">
+        <a:defRPr sz="1400" kern="1200">
           <a:solidFill>
             <a:schemeClr val="tx1"/>
           </a:solidFill>
@@ -4800,16 +2226,16 @@
           <a:cs typeface="+mn-cs"/>
         </a:defRPr>
       </a:lvl7pPr>
-      <a:lvl8pPr marL="3429000" indent="-228600" algn="l" defTabSz="914400" rtl="0" eaLnBrk="1" latinLnBrk="0" hangingPunct="1">
-        <a:lnSpc>
-          <a:spcPct val="90000"/>
-        </a:lnSpc>
+      <a:lvl8pPr marL="2103120" indent="-182880" algn="l" defTabSz="914400" rtl="0" eaLnBrk="1" latinLnBrk="0" hangingPunct="1">
         <a:spcBef>
-          <a:spcPts val="500"/>
+          <a:spcPct val="20000"/>
         </a:spcBef>
-        <a:buFont typeface="Arial" panose="020B0604020202020204" pitchFamily="34" charset="0"/>
+        <a:buClr>
+          <a:schemeClr val="accent3"/>
+        </a:buClr>
+        <a:buFont typeface="Arial" pitchFamily="34" charset="0"/>
         <a:buChar char="•"/>
-        <a:defRPr sz="1800" kern="1200">
+        <a:defRPr sz="1400" kern="1200">
           <a:solidFill>
             <a:schemeClr val="tx1"/>
           </a:solidFill>
@@ -4818,1212 +2244,16 @@
           <a:cs typeface="+mn-cs"/>
         </a:defRPr>
       </a:lvl8pPr>
-      <a:lvl9pPr marL="3886200" indent="-228600" algn="l" defTabSz="914400" rtl="0" eaLnBrk="1" latinLnBrk="0" hangingPunct="1">
-        <a:lnSpc>
-          <a:spcPct val="90000"/>
-        </a:lnSpc>
+      <a:lvl9pPr marL="2286000" indent="-182880" algn="l" defTabSz="914400" rtl="0" eaLnBrk="1" latinLnBrk="0" hangingPunct="1">
         <a:spcBef>
-          <a:spcPts val="500"/>
+          <a:spcPct val="20000"/>
         </a:spcBef>
-        <a:buFont typeface="Arial" panose="020B0604020202020204" pitchFamily="34" charset="0"/>
+        <a:buClr>
+          <a:schemeClr val="accent4"/>
+        </a:buClr>
+        <a:buFont typeface="Arial" pitchFamily="34" charset="0"/>
         <a:buChar char="•"/>
-        <a:defRPr sz="1800" kern="1200">
-          <a:solidFill>
-            <a:schemeClr val="tx1"/>
-          </a:solidFill>
-          <a:latin typeface="+mn-lt"/>
-          <a:ea typeface="+mn-ea"/>
-          <a:cs typeface="+mn-cs"/>
-        </a:defRPr>
-      </a:lvl9pPr>
-    </p:bodyStyle>
-    <p:otherStyle>
-      <a:defPPr>
-        <a:defRPr lang="en-US"/>
-      </a:defPPr>
-      <a:lvl1pPr marL="0" algn="l" defTabSz="914400" rtl="0" eaLnBrk="1" latinLnBrk="0" hangingPunct="1">
-        <a:defRPr sz="1800" kern="1200">
-          <a:solidFill>
-            <a:schemeClr val="tx1"/>
-          </a:solidFill>
-          <a:latin typeface="+mn-lt"/>
-          <a:ea typeface="+mn-ea"/>
-          <a:cs typeface="+mn-cs"/>
-        </a:defRPr>
-      </a:lvl1pPr>
-      <a:lvl2pPr marL="457200" algn="l" defTabSz="914400" rtl="0" eaLnBrk="1" latinLnBrk="0" hangingPunct="1">
-        <a:defRPr sz="1800" kern="1200">
-          <a:solidFill>
-            <a:schemeClr val="tx1"/>
-          </a:solidFill>
-          <a:latin typeface="+mn-lt"/>
-          <a:ea typeface="+mn-ea"/>
-          <a:cs typeface="+mn-cs"/>
-        </a:defRPr>
-      </a:lvl2pPr>
-      <a:lvl3pPr marL="914400" algn="l" defTabSz="914400" rtl="0" eaLnBrk="1" latinLnBrk="0" hangingPunct="1">
-        <a:defRPr sz="1800" kern="1200">
-          <a:solidFill>
-            <a:schemeClr val="tx1"/>
-          </a:solidFill>
-          <a:latin typeface="+mn-lt"/>
-          <a:ea typeface="+mn-ea"/>
-          <a:cs typeface="+mn-cs"/>
-        </a:defRPr>
-      </a:lvl3pPr>
-      <a:lvl4pPr marL="1371600" algn="l" defTabSz="914400" rtl="0" eaLnBrk="1" latinLnBrk="0" hangingPunct="1">
-        <a:defRPr sz="1800" kern="1200">
-          <a:solidFill>
-            <a:schemeClr val="tx1"/>
-          </a:solidFill>
-          <a:latin typeface="+mn-lt"/>
-          <a:ea typeface="+mn-ea"/>
-          <a:cs typeface="+mn-cs"/>
-        </a:defRPr>
-      </a:lvl4pPr>
-      <a:lvl5pPr marL="1828800" algn="l" defTabSz="914400" rtl="0" eaLnBrk="1" latinLnBrk="0" hangingPunct="1">
-        <a:defRPr sz="1800" kern="1200">
-          <a:solidFill>
-            <a:schemeClr val="tx1"/>
-          </a:solidFill>
-          <a:latin typeface="+mn-lt"/>
-          <a:ea typeface="+mn-ea"/>
-          <a:cs typeface="+mn-cs"/>
-        </a:defRPr>
-      </a:lvl5pPr>
-      <a:lvl6pPr marL="2286000" algn="l" defTabSz="914400" rtl="0" eaLnBrk="1" latinLnBrk="0" hangingPunct="1">
-        <a:defRPr sz="1800" kern="1200">
-          <a:solidFill>
-            <a:schemeClr val="tx1"/>
-          </a:solidFill>
-          <a:latin typeface="+mn-lt"/>
-          <a:ea typeface="+mn-ea"/>
-          <a:cs typeface="+mn-cs"/>
-        </a:defRPr>
-      </a:lvl6pPr>
-      <a:lvl7pPr marL="2743200" algn="l" defTabSz="914400" rtl="0" eaLnBrk="1" latinLnBrk="0" hangingPunct="1">
-        <a:defRPr sz="1800" kern="1200">
-          <a:solidFill>
-            <a:schemeClr val="tx1"/>
-          </a:solidFill>
-          <a:latin typeface="+mn-lt"/>
-          <a:ea typeface="+mn-ea"/>
-          <a:cs typeface="+mn-cs"/>
-        </a:defRPr>
-      </a:lvl7pPr>
-      <a:lvl8pPr marL="3200400" algn="l" defTabSz="914400" rtl="0" eaLnBrk="1" latinLnBrk="0" hangingPunct="1">
-        <a:defRPr sz="1800" kern="1200">
-          <a:solidFill>
-            <a:schemeClr val="tx1"/>
-          </a:solidFill>
-          <a:latin typeface="+mn-lt"/>
-          <a:ea typeface="+mn-ea"/>
-          <a:cs typeface="+mn-cs"/>
-        </a:defRPr>
-      </a:lvl8pPr>
-      <a:lvl9pPr marL="3657600" algn="l" defTabSz="914400" rtl="0" eaLnBrk="1" latinLnBrk="0" hangingPunct="1">
-        <a:defRPr sz="1800" kern="1200">
-          <a:solidFill>
-            <a:schemeClr val="tx1"/>
-          </a:solidFill>
-          <a:latin typeface="+mn-lt"/>
-          <a:ea typeface="+mn-ea"/>
-          <a:cs typeface="+mn-cs"/>
-        </a:defRPr>
-      </a:lvl9pPr>
-    </p:otherStyle>
-  </p:txStyles>
-</p:sldMaster>
-</file>
-
-<file path=ppt/slideMasters/slideMaster2.xml><?xml version="1.0" encoding="utf-8"?>
-<p:sldMaster xmlns:a="http://schemas.openxmlformats.org/drawingml/2006/main" xmlns:r="http://schemas.openxmlformats.org/officeDocument/2006/relationships" xmlns:p="http://schemas.openxmlformats.org/presentationml/2006/main">
-  <p:cSld>
-    <p:bg>
-      <p:bgPr>
-        <a:solidFill>
-          <a:srgbClr val="FFFFFF"/>
-        </a:solidFill>
-        <a:effectLst/>
-      </p:bgPr>
-    </p:bg>
-    <p:spTree>
-      <p:nvGrpSpPr>
-        <p:cNvPr id="1" name=""/>
-        <p:cNvGrpSpPr/>
-        <p:nvPr/>
-      </p:nvGrpSpPr>
-      <p:grpSpPr>
-        <a:xfrm>
-          <a:off x="0" y="0"/>
-          <a:ext cx="0" cy="0"/>
-          <a:chOff x="0" y="0"/>
-          <a:chExt cx="0" cy="0"/>
-        </a:xfrm>
-      </p:grpSpPr>
-      <p:grpSp>
-        <p:nvGrpSpPr>
-          <p:cNvPr id="63" name="Group 1"/>
-          <p:cNvGrpSpPr/>
-          <p:nvPr/>
-        </p:nvGrpSpPr>
-        <p:grpSpPr>
-          <a:xfrm>
-            <a:off x="0" y="-8640"/>
-            <a:ext cx="12191760" cy="6866640"/>
-            <a:chOff x="0" y="-8640"/>
-            <a:chExt cx="12191760" cy="6866640"/>
-          </a:xfrm>
-        </p:grpSpPr>
-        <p:sp>
-          <p:nvSpPr>
-            <p:cNvPr id="64" name="Line 2"/>
-            <p:cNvSpPr/>
-            <p:nvPr/>
-          </p:nvSpPr>
-          <p:spPr>
-            <a:xfrm>
-              <a:off x="9370800" y="0"/>
-              <a:ext cx="1219320" cy="6858000"/>
-            </a:xfrm>
-            <a:prstGeom prst="line">
-              <a:avLst/>
-            </a:prstGeom>
-            <a:ln w="9360">
-              <a:solidFill>
-                <a:schemeClr val="accent1">
-                  <a:alpha val="70000"/>
-                </a:schemeClr>
-              </a:solidFill>
-              <a:round/>
-            </a:ln>
-          </p:spPr>
-          <p:style>
-            <a:lnRef idx="2">
-              <a:schemeClr val="accent1"/>
-            </a:lnRef>
-            <a:fillRef idx="0">
-              <a:schemeClr val="accent1"/>
-            </a:fillRef>
-            <a:effectRef idx="1">
-              <a:schemeClr val="accent1"/>
-            </a:effectRef>
-            <a:fontRef idx="minor"/>
-          </p:style>
-        </p:sp>
-        <p:sp>
-          <p:nvSpPr>
-            <p:cNvPr id="65" name="Line 3"/>
-            <p:cNvSpPr/>
-            <p:nvPr/>
-          </p:nvSpPr>
-          <p:spPr>
-            <a:xfrm flipH="1">
-              <a:off x="7425000" y="3681360"/>
-              <a:ext cx="4763520" cy="3176640"/>
-            </a:xfrm>
-            <a:prstGeom prst="line">
-              <a:avLst/>
-            </a:prstGeom>
-            <a:ln w="9360">
-              <a:solidFill>
-                <a:schemeClr val="accent1">
-                  <a:alpha val="70000"/>
-                </a:schemeClr>
-              </a:solidFill>
-              <a:round/>
-            </a:ln>
-          </p:spPr>
-          <p:style>
-            <a:lnRef idx="2">
-              <a:schemeClr val="accent1"/>
-            </a:lnRef>
-            <a:fillRef idx="0">
-              <a:schemeClr val="accent1"/>
-            </a:fillRef>
-            <a:effectRef idx="1">
-              <a:schemeClr val="accent1"/>
-            </a:effectRef>
-            <a:fontRef idx="minor"/>
-          </p:style>
-        </p:sp>
-        <p:sp>
-          <p:nvSpPr>
-            <p:cNvPr id="66" name="CustomShape 4"/>
-            <p:cNvSpPr/>
-            <p:nvPr/>
-          </p:nvSpPr>
-          <p:spPr>
-            <a:xfrm>
-              <a:off x="9181440" y="-8640"/>
-              <a:ext cx="3007080" cy="6866280"/>
-            </a:xfrm>
-            <a:custGeom>
-              <a:avLst/>
-              <a:gdLst/>
-              <a:ahLst/>
-              <a:cxnLst/>
-              <a:rect l="l" t="t" r="r" b="b"/>
-              <a:pathLst>
-                <a:path w="3007349" h="6866467">
-                  <a:moveTo>
-                    <a:pt x="2045532" y="0"/>
-                  </a:moveTo>
-                  <a:lnTo>
-                    <a:pt x="3007349" y="0"/>
-                  </a:lnTo>
-                  <a:lnTo>
-                    <a:pt x="3007349" y="6866467"/>
-                  </a:lnTo>
-                  <a:lnTo>
-                    <a:pt x="0" y="6866467"/>
-                  </a:lnTo>
-                  <a:lnTo>
-                    <a:pt x="2045532" y="0"/>
-                  </a:lnTo>
-                  <a:close/>
-                </a:path>
-              </a:pathLst>
-            </a:custGeom>
-            <a:solidFill>
-              <a:schemeClr val="accent1">
-                <a:alpha val="36000"/>
-              </a:schemeClr>
-            </a:solidFill>
-            <a:ln>
-              <a:noFill/>
-            </a:ln>
-            <a:effectLst>
-              <a:outerShdw blurRad="38100" dist="25400" dir="5400000" rotWithShape="0">
-                <a:srgbClr val="000000">
-                  <a:alpha val="35000"/>
-                </a:srgbClr>
-              </a:outerShdw>
-            </a:effectLst>
-          </p:spPr>
-          <p:style>
-            <a:lnRef idx="1">
-              <a:schemeClr val="accent1"/>
-            </a:lnRef>
-            <a:fillRef idx="3">
-              <a:schemeClr val="accent1"/>
-            </a:fillRef>
-            <a:effectRef idx="2">
-              <a:schemeClr val="accent1"/>
-            </a:effectRef>
-            <a:fontRef idx="minor"/>
-          </p:style>
-        </p:sp>
-        <p:sp>
-          <p:nvSpPr>
-            <p:cNvPr id="67" name="CustomShape 5"/>
-            <p:cNvSpPr/>
-            <p:nvPr/>
-          </p:nvSpPr>
-          <p:spPr>
-            <a:xfrm>
-              <a:off x="9603360" y="-8640"/>
-              <a:ext cx="2588040" cy="6866280"/>
-            </a:xfrm>
-            <a:custGeom>
-              <a:avLst/>
-              <a:gdLst/>
-              <a:ahLst/>
-              <a:cxnLst/>
-              <a:rect l="l" t="t" r="r" b="b"/>
-              <a:pathLst>
-                <a:path w="2573311" h="6866467">
-                  <a:moveTo>
-                    <a:pt x="0" y="0"/>
-                  </a:moveTo>
-                  <a:lnTo>
-                    <a:pt x="2573311" y="0"/>
-                  </a:lnTo>
-                  <a:lnTo>
-                    <a:pt x="2573311" y="6866467"/>
-                  </a:lnTo>
-                  <a:lnTo>
-                    <a:pt x="1202336" y="6866467"/>
-                  </a:lnTo>
-                  <a:lnTo>
-                    <a:pt x="0" y="0"/>
-                  </a:lnTo>
-                  <a:close/>
-                </a:path>
-              </a:pathLst>
-            </a:custGeom>
-            <a:solidFill>
-              <a:schemeClr val="accent1">
-                <a:alpha val="20000"/>
-              </a:schemeClr>
-            </a:solidFill>
-            <a:ln>
-              <a:noFill/>
-            </a:ln>
-            <a:effectLst>
-              <a:outerShdw blurRad="38100" dist="25400" dir="5400000" rotWithShape="0">
-                <a:srgbClr val="000000">
-                  <a:alpha val="35000"/>
-                </a:srgbClr>
-              </a:outerShdw>
-            </a:effectLst>
-          </p:spPr>
-          <p:style>
-            <a:lnRef idx="1">
-              <a:schemeClr val="accent1"/>
-            </a:lnRef>
-            <a:fillRef idx="3">
-              <a:schemeClr val="accent1"/>
-            </a:fillRef>
-            <a:effectRef idx="2">
-              <a:schemeClr val="accent1"/>
-            </a:effectRef>
-            <a:fontRef idx="minor"/>
-          </p:style>
-        </p:sp>
-        <p:sp>
-          <p:nvSpPr>
-            <p:cNvPr id="68" name="CustomShape 6"/>
-            <p:cNvSpPr/>
-            <p:nvPr/>
-          </p:nvSpPr>
-          <p:spPr>
-            <a:xfrm>
-              <a:off x="8932320" y="3048120"/>
-              <a:ext cx="3259440" cy="3809520"/>
-            </a:xfrm>
-            <a:prstGeom prst="triangle">
-              <a:avLst>
-                <a:gd name="adj" fmla="val 100000"/>
-              </a:avLst>
-            </a:prstGeom>
-            <a:solidFill>
-              <a:schemeClr val="accent1">
-                <a:lumMod val="75000"/>
-                <a:alpha val="66000"/>
-              </a:schemeClr>
-            </a:solidFill>
-            <a:ln>
-              <a:noFill/>
-            </a:ln>
-            <a:effectLst>
-              <a:outerShdw blurRad="38100" dist="25400" dir="5400000" rotWithShape="0">
-                <a:srgbClr val="000000">
-                  <a:alpha val="35000"/>
-                </a:srgbClr>
-              </a:outerShdw>
-            </a:effectLst>
-          </p:spPr>
-          <p:style>
-            <a:lnRef idx="1">
-              <a:schemeClr val="accent1"/>
-            </a:lnRef>
-            <a:fillRef idx="3">
-              <a:schemeClr val="accent1"/>
-            </a:fillRef>
-            <a:effectRef idx="2">
-              <a:schemeClr val="accent1"/>
-            </a:effectRef>
-            <a:fontRef idx="minor"/>
-          </p:style>
-        </p:sp>
-        <p:sp>
-          <p:nvSpPr>
-            <p:cNvPr id="69" name="CustomShape 7"/>
-            <p:cNvSpPr/>
-            <p:nvPr/>
-          </p:nvSpPr>
-          <p:spPr>
-            <a:xfrm>
-              <a:off x="9334440" y="-8640"/>
-              <a:ext cx="2854080" cy="6866280"/>
-            </a:xfrm>
-            <a:custGeom>
-              <a:avLst/>
-              <a:gdLst/>
-              <a:ahLst/>
-              <a:cxnLst/>
-              <a:rect l="l" t="t" r="r" b="b"/>
-              <a:pathLst>
-                <a:path w="2858013" h="6866467">
-                  <a:moveTo>
-                    <a:pt x="0" y="0"/>
-                  </a:moveTo>
-                  <a:lnTo>
-                    <a:pt x="2858013" y="0"/>
-                  </a:lnTo>
-                  <a:lnTo>
-                    <a:pt x="2858013" y="6866467"/>
-                  </a:lnTo>
-                  <a:lnTo>
-                    <a:pt x="2473942" y="6866467"/>
-                  </a:lnTo>
-                  <a:lnTo>
-                    <a:pt x="0" y="0"/>
-                  </a:lnTo>
-                  <a:close/>
-                </a:path>
-              </a:pathLst>
-            </a:custGeom>
-            <a:solidFill>
-              <a:schemeClr val="accent1">
-                <a:lumMod val="75000"/>
-                <a:alpha val="50000"/>
-              </a:schemeClr>
-            </a:solidFill>
-            <a:ln>
-              <a:noFill/>
-            </a:ln>
-            <a:effectLst>
-              <a:outerShdw blurRad="38100" dist="25400" dir="5400000" rotWithShape="0">
-                <a:srgbClr val="000000">
-                  <a:alpha val="35000"/>
-                </a:srgbClr>
-              </a:outerShdw>
-            </a:effectLst>
-          </p:spPr>
-          <p:style>
-            <a:lnRef idx="1">
-              <a:schemeClr val="accent1"/>
-            </a:lnRef>
-            <a:fillRef idx="3">
-              <a:schemeClr val="accent1"/>
-            </a:fillRef>
-            <a:effectRef idx="2">
-              <a:schemeClr val="accent1"/>
-            </a:effectRef>
-            <a:fontRef idx="minor"/>
-          </p:style>
-        </p:sp>
-        <p:sp>
-          <p:nvSpPr>
-            <p:cNvPr id="70" name="CustomShape 8"/>
-            <p:cNvSpPr/>
-            <p:nvPr/>
-          </p:nvSpPr>
-          <p:spPr>
-            <a:xfrm>
-              <a:off x="10898640" y="-8640"/>
-              <a:ext cx="1289880" cy="6866280"/>
-            </a:xfrm>
-            <a:custGeom>
-              <a:avLst/>
-              <a:gdLst/>
-              <a:ahLst/>
-              <a:cxnLst/>
-              <a:rect l="l" t="t" r="r" b="b"/>
-              <a:pathLst>
-                <a:path w="1290094" h="6858000">
-                  <a:moveTo>
-                    <a:pt x="1019735" y="0"/>
-                  </a:moveTo>
-                  <a:lnTo>
-                    <a:pt x="1290094" y="0"/>
-                  </a:lnTo>
-                  <a:lnTo>
-                    <a:pt x="1290094" y="6858000"/>
-                  </a:lnTo>
-                  <a:lnTo>
-                    <a:pt x="0" y="6858000"/>
-                  </a:lnTo>
-                  <a:lnTo>
-                    <a:pt x="1019735" y="0"/>
-                  </a:lnTo>
-                  <a:close/>
-                </a:path>
-              </a:pathLst>
-            </a:custGeom>
-            <a:solidFill>
-              <a:schemeClr val="accent2">
-                <a:alpha val="70000"/>
-              </a:schemeClr>
-            </a:solidFill>
-            <a:ln>
-              <a:noFill/>
-            </a:ln>
-            <a:effectLst>
-              <a:outerShdw blurRad="38100" dist="25400" dir="5400000" rotWithShape="0">
-                <a:srgbClr val="000000">
-                  <a:alpha val="35000"/>
-                </a:srgbClr>
-              </a:outerShdw>
-            </a:effectLst>
-          </p:spPr>
-          <p:style>
-            <a:lnRef idx="1">
-              <a:schemeClr val="accent1"/>
-            </a:lnRef>
-            <a:fillRef idx="3">
-              <a:schemeClr val="accent1"/>
-            </a:fillRef>
-            <a:effectRef idx="2">
-              <a:schemeClr val="accent1"/>
-            </a:effectRef>
-            <a:fontRef idx="minor"/>
-          </p:style>
-        </p:sp>
-        <p:sp>
-          <p:nvSpPr>
-            <p:cNvPr id="71" name="CustomShape 9"/>
-            <p:cNvSpPr/>
-            <p:nvPr/>
-          </p:nvSpPr>
-          <p:spPr>
-            <a:xfrm>
-              <a:off x="10938960" y="-8640"/>
-              <a:ext cx="1249560" cy="6866280"/>
-            </a:xfrm>
-            <a:custGeom>
-              <a:avLst/>
-              <a:gdLst/>
-              <a:ahLst/>
-              <a:cxnLst/>
-              <a:rect l="l" t="t" r="r" b="b"/>
-              <a:pathLst>
-                <a:path w="1249825" h="6858000">
-                  <a:moveTo>
-                    <a:pt x="0" y="0"/>
-                  </a:moveTo>
-                  <a:lnTo>
-                    <a:pt x="1249825" y="0"/>
-                  </a:lnTo>
-                  <a:lnTo>
-                    <a:pt x="1249825" y="6858000"/>
-                  </a:lnTo>
-                  <a:lnTo>
-                    <a:pt x="1109382" y="6858000"/>
-                  </a:lnTo>
-                  <a:lnTo>
-                    <a:pt x="0" y="0"/>
-                  </a:lnTo>
-                  <a:close/>
-                </a:path>
-              </a:pathLst>
-            </a:custGeom>
-            <a:solidFill>
-              <a:schemeClr val="accent2">
-                <a:lumMod val="75000"/>
-                <a:alpha val="80000"/>
-              </a:schemeClr>
-            </a:solidFill>
-            <a:ln>
-              <a:noFill/>
-            </a:ln>
-            <a:effectLst>
-              <a:outerShdw blurRad="38100" dist="25400" dir="5400000" rotWithShape="0">
-                <a:srgbClr val="000000">
-                  <a:alpha val="35000"/>
-                </a:srgbClr>
-              </a:outerShdw>
-            </a:effectLst>
-          </p:spPr>
-          <p:style>
-            <a:lnRef idx="1">
-              <a:schemeClr val="accent1"/>
-            </a:lnRef>
-            <a:fillRef idx="3">
-              <a:schemeClr val="accent1"/>
-            </a:fillRef>
-            <a:effectRef idx="2">
-              <a:schemeClr val="accent1"/>
-            </a:effectRef>
-            <a:fontRef idx="minor"/>
-          </p:style>
-        </p:sp>
-        <p:sp>
-          <p:nvSpPr>
-            <p:cNvPr id="72" name="CustomShape 10"/>
-            <p:cNvSpPr/>
-            <p:nvPr/>
-          </p:nvSpPr>
-          <p:spPr>
-            <a:xfrm>
-              <a:off x="10371600" y="3589920"/>
-              <a:ext cx="1816920" cy="3267720"/>
-            </a:xfrm>
-            <a:prstGeom prst="triangle">
-              <a:avLst>
-                <a:gd name="adj" fmla="val 100000"/>
-              </a:avLst>
-            </a:prstGeom>
-            <a:solidFill>
-              <a:schemeClr val="accent1">
-                <a:lumMod val="75000"/>
-                <a:alpha val="66000"/>
-              </a:schemeClr>
-            </a:solidFill>
-            <a:ln>
-              <a:noFill/>
-            </a:ln>
-            <a:effectLst>
-              <a:outerShdw blurRad="38100" dist="25400" dir="5400000" rotWithShape="0">
-                <a:srgbClr val="000000">
-                  <a:alpha val="35000"/>
-                </a:srgbClr>
-              </a:outerShdw>
-            </a:effectLst>
-          </p:spPr>
-          <p:style>
-            <a:lnRef idx="1">
-              <a:schemeClr val="accent1"/>
-            </a:lnRef>
-            <a:fillRef idx="3">
-              <a:schemeClr val="accent1"/>
-            </a:fillRef>
-            <a:effectRef idx="2">
-              <a:schemeClr val="accent1"/>
-            </a:effectRef>
-            <a:fontRef idx="minor"/>
-          </p:style>
-        </p:sp>
-        <p:sp>
-          <p:nvSpPr>
-            <p:cNvPr id="73" name="CustomShape 11"/>
-            <p:cNvSpPr/>
-            <p:nvPr/>
-          </p:nvSpPr>
-          <p:spPr>
-            <a:xfrm>
-              <a:off x="0" y="4013280"/>
-              <a:ext cx="448200" cy="2844360"/>
-            </a:xfrm>
-            <a:prstGeom prst="triangle">
-              <a:avLst>
-                <a:gd name="adj" fmla="val 0"/>
-              </a:avLst>
-            </a:prstGeom>
-            <a:solidFill>
-              <a:schemeClr val="accent1">
-                <a:alpha val="70000"/>
-              </a:schemeClr>
-            </a:solidFill>
-            <a:ln>
-              <a:noFill/>
-            </a:ln>
-            <a:effectLst>
-              <a:outerShdw blurRad="38100" dist="25400" dir="5400000" rotWithShape="0">
-                <a:srgbClr val="000000">
-                  <a:alpha val="35000"/>
-                </a:srgbClr>
-              </a:outerShdw>
-            </a:effectLst>
-          </p:spPr>
-          <p:style>
-            <a:lnRef idx="1">
-              <a:schemeClr val="accent1"/>
-            </a:lnRef>
-            <a:fillRef idx="3">
-              <a:schemeClr val="accent1"/>
-            </a:fillRef>
-            <a:effectRef idx="2">
-              <a:schemeClr val="accent1"/>
-            </a:effectRef>
-            <a:fontRef idx="minor"/>
-          </p:style>
-        </p:sp>
-      </p:grpSp>
-      <p:sp>
-        <p:nvSpPr>
-          <p:cNvPr id="74" name="PlaceHolder 12"/>
-          <p:cNvSpPr>
-            <a:spLocks noGrp="1"/>
-          </p:cNvSpPr>
-          <p:nvPr>
-            <p:ph type="title"/>
-          </p:nvPr>
-        </p:nvSpPr>
-        <p:spPr>
-          <a:xfrm>
-            <a:off x="677160" y="609480"/>
-            <a:ext cx="8596440" cy="1320480"/>
-          </a:xfrm>
-          <a:prstGeom prst="rect">
-            <a:avLst/>
-          </a:prstGeom>
-        </p:spPr>
-        <p:txBody>
-          <a:bodyPr/>
-          <a:lstStyle/>
-          <a:p>
-            <a:pPr>
-              <a:lnSpc>
-                <a:spcPct val="100000"/>
-              </a:lnSpc>
-            </a:pPr>
-            <a:r>
-              <a:rPr lang="en-US" sz="3600" b="0" strike="noStrike" spc="-1">
-                <a:solidFill>
-                  <a:srgbClr val="5FCBEF"/>
-                </a:solidFill>
-                <a:latin typeface="Trebuchet MS"/>
-              </a:rPr>
-              <a:t>Click to edit Master title style</a:t>
-            </a:r>
-            <a:endParaRPr lang="en-US" sz="3600" b="0" strike="noStrike" spc="-1">
-              <a:solidFill>
-                <a:srgbClr val="000000"/>
-              </a:solidFill>
-              <a:latin typeface="Trebuchet MS"/>
-            </a:endParaRPr>
-          </a:p>
-        </p:txBody>
-      </p:sp>
-      <p:sp>
-        <p:nvSpPr>
-          <p:cNvPr id="75" name="PlaceHolder 13"/>
-          <p:cNvSpPr>
-            <a:spLocks noGrp="1"/>
-          </p:cNvSpPr>
-          <p:nvPr>
-            <p:ph type="body"/>
-          </p:nvPr>
-        </p:nvSpPr>
-        <p:spPr>
-          <a:xfrm>
-            <a:off x="677160" y="2160720"/>
-            <a:ext cx="8596440" cy="3880440"/>
-          </a:xfrm>
-          <a:prstGeom prst="rect">
-            <a:avLst/>
-          </a:prstGeom>
-        </p:spPr>
-        <p:txBody>
-          <a:bodyPr/>
-          <a:lstStyle/>
-          <a:p>
-            <a:pPr marL="343080" indent="-342720">
-              <a:lnSpc>
-                <a:spcPct val="100000"/>
-              </a:lnSpc>
-              <a:spcBef>
-                <a:spcPts val="1001"/>
-              </a:spcBef>
-              <a:buClr>
-                <a:srgbClr val="5FCBEF"/>
-              </a:buClr>
-              <a:buSzPct val="80000"/>
-              <a:buFont typeface="Wingdings 3" charset="2"/>
-              <a:buChar char=""/>
-            </a:pPr>
-            <a:r>
-              <a:rPr lang="en-US" sz="1800" b="0" strike="noStrike" spc="-1">
-                <a:solidFill>
-                  <a:srgbClr val="404040"/>
-                </a:solidFill>
-                <a:latin typeface="Trebuchet MS"/>
-              </a:rPr>
-              <a:t>Click to edit Master text styles</a:t>
-            </a:r>
-          </a:p>
-          <a:p>
-            <a:pPr marL="743040" lvl="1" indent="-285480">
-              <a:lnSpc>
-                <a:spcPct val="100000"/>
-              </a:lnSpc>
-              <a:spcBef>
-                <a:spcPts val="1001"/>
-              </a:spcBef>
-              <a:buClr>
-                <a:srgbClr val="5FCBEF"/>
-              </a:buClr>
-              <a:buSzPct val="80000"/>
-              <a:buFont typeface="Wingdings 3" charset="2"/>
-              <a:buChar char=""/>
-            </a:pPr>
-            <a:r>
-              <a:rPr lang="en-US" sz="1600" b="0" strike="noStrike" spc="-1">
-                <a:solidFill>
-                  <a:srgbClr val="404040"/>
-                </a:solidFill>
-                <a:latin typeface="Trebuchet MS"/>
-              </a:rPr>
-              <a:t>Second level</a:t>
-            </a:r>
-          </a:p>
-          <a:p>
-            <a:pPr marL="1143000" lvl="2" indent="-228240">
-              <a:lnSpc>
-                <a:spcPct val="100000"/>
-              </a:lnSpc>
-              <a:spcBef>
-                <a:spcPts val="1001"/>
-              </a:spcBef>
-              <a:buClr>
-                <a:srgbClr val="5FCBEF"/>
-              </a:buClr>
-              <a:buSzPct val="80000"/>
-              <a:buFont typeface="Wingdings 3" charset="2"/>
-              <a:buChar char=""/>
-            </a:pPr>
-            <a:r>
-              <a:rPr lang="en-US" sz="1400" b="0" strike="noStrike" spc="-1">
-                <a:solidFill>
-                  <a:srgbClr val="404040"/>
-                </a:solidFill>
-                <a:latin typeface="Trebuchet MS"/>
-              </a:rPr>
-              <a:t>Third level</a:t>
-            </a:r>
-          </a:p>
-          <a:p>
-            <a:pPr marL="1600200" lvl="3" indent="-228240">
-              <a:lnSpc>
-                <a:spcPct val="100000"/>
-              </a:lnSpc>
-              <a:spcBef>
-                <a:spcPts val="1001"/>
-              </a:spcBef>
-              <a:buClr>
-                <a:srgbClr val="5FCBEF"/>
-              </a:buClr>
-              <a:buSzPct val="80000"/>
-              <a:buFont typeface="Wingdings 3" charset="2"/>
-              <a:buChar char=""/>
-            </a:pPr>
-            <a:r>
-              <a:rPr lang="en-US" sz="1200" b="0" strike="noStrike" spc="-1">
-                <a:solidFill>
-                  <a:srgbClr val="404040"/>
-                </a:solidFill>
-                <a:latin typeface="Trebuchet MS"/>
-              </a:rPr>
-              <a:t>Fourth level</a:t>
-            </a:r>
-          </a:p>
-          <a:p>
-            <a:pPr marL="2057400" lvl="4" indent="-228240">
-              <a:lnSpc>
-                <a:spcPct val="100000"/>
-              </a:lnSpc>
-              <a:spcBef>
-                <a:spcPts val="1001"/>
-              </a:spcBef>
-              <a:buClr>
-                <a:srgbClr val="5FCBEF"/>
-              </a:buClr>
-              <a:buSzPct val="80000"/>
-              <a:buFont typeface="Wingdings 3" charset="2"/>
-              <a:buChar char=""/>
-            </a:pPr>
-            <a:r>
-              <a:rPr lang="en-US" sz="1200" b="0" strike="noStrike" spc="-1">
-                <a:solidFill>
-                  <a:srgbClr val="404040"/>
-                </a:solidFill>
-                <a:latin typeface="Trebuchet MS"/>
-              </a:rPr>
-              <a:t>Fifth level</a:t>
-            </a:r>
-          </a:p>
-        </p:txBody>
-      </p:sp>
-      <p:sp>
-        <p:nvSpPr>
-          <p:cNvPr id="76" name="PlaceHolder 14"/>
-          <p:cNvSpPr>
-            <a:spLocks noGrp="1"/>
-          </p:cNvSpPr>
-          <p:nvPr>
-            <p:ph type="dt"/>
-          </p:nvPr>
-        </p:nvSpPr>
-        <p:spPr>
-          <a:xfrm>
-            <a:off x="7205040" y="6041520"/>
-            <a:ext cx="911520" cy="364680"/>
-          </a:xfrm>
-          <a:prstGeom prst="rect">
-            <a:avLst/>
-          </a:prstGeom>
-        </p:spPr>
-        <p:txBody>
-          <a:bodyPr anchor="ctr"/>
-          <a:lstStyle/>
-          <a:p>
-            <a:pPr algn="r">
-              <a:lnSpc>
-                <a:spcPct val="100000"/>
-              </a:lnSpc>
-            </a:pPr>
-            <a:fld id="{5F742F95-9304-455A-AA69-BCE03397A8C4}" type="datetime">
-              <a:rPr lang="en-US" sz="900" b="0" strike="noStrike" spc="-1">
-                <a:solidFill>
-                  <a:srgbClr val="8B8B8B"/>
-                </a:solidFill>
-                <a:latin typeface="Trebuchet MS"/>
-              </a:rPr>
-              <a:t>3/12/2020</a:t>
-            </a:fld>
-            <a:endParaRPr lang="en-US" sz="900" b="0" strike="noStrike" spc="-1">
-              <a:latin typeface="Times New Roman"/>
-            </a:endParaRPr>
-          </a:p>
-        </p:txBody>
-      </p:sp>
-      <p:sp>
-        <p:nvSpPr>
-          <p:cNvPr id="77" name="PlaceHolder 15"/>
-          <p:cNvSpPr>
-            <a:spLocks noGrp="1"/>
-          </p:cNvSpPr>
-          <p:nvPr>
-            <p:ph type="ftr"/>
-          </p:nvPr>
-        </p:nvSpPr>
-        <p:spPr>
-          <a:xfrm>
-            <a:off x="677160" y="6041520"/>
-            <a:ext cx="6297120" cy="364680"/>
-          </a:xfrm>
-          <a:prstGeom prst="rect">
-            <a:avLst/>
-          </a:prstGeom>
-        </p:spPr>
-        <p:txBody>
-          <a:bodyPr anchor="ctr"/>
-          <a:lstStyle/>
-          <a:p>
-            <a:endParaRPr lang="en-US" sz="2400" b="0" strike="noStrike" spc="-1">
-              <a:latin typeface="Times New Roman"/>
-            </a:endParaRPr>
-          </a:p>
-        </p:txBody>
-      </p:sp>
-      <p:sp>
-        <p:nvSpPr>
-          <p:cNvPr id="78" name="PlaceHolder 16"/>
-          <p:cNvSpPr>
-            <a:spLocks noGrp="1"/>
-          </p:cNvSpPr>
-          <p:nvPr>
-            <p:ph type="sldNum"/>
-          </p:nvPr>
-        </p:nvSpPr>
-        <p:spPr>
-          <a:xfrm>
-            <a:off x="8590680" y="6041520"/>
-            <a:ext cx="682920" cy="364680"/>
-          </a:xfrm>
-          <a:prstGeom prst="rect">
-            <a:avLst/>
-          </a:prstGeom>
-        </p:spPr>
-        <p:txBody>
-          <a:bodyPr anchor="ctr"/>
-          <a:lstStyle/>
-          <a:p>
-            <a:pPr algn="r">
-              <a:lnSpc>
-                <a:spcPct val="100000"/>
-              </a:lnSpc>
-            </a:pPr>
-            <a:fld id="{650FC33E-6974-4BDD-AF17-AEA36A621D81}" type="slidenum">
-              <a:rPr lang="en-US" sz="900" b="0" strike="noStrike" spc="-1">
-                <a:solidFill>
-                  <a:srgbClr val="5FCBEF"/>
-                </a:solidFill>
-                <a:latin typeface="Trebuchet MS"/>
-              </a:rPr>
-              <a:t>‹#›</a:t>
-            </a:fld>
-            <a:endParaRPr lang="en-US" sz="900" b="0" strike="noStrike" spc="-1">
-              <a:latin typeface="Times New Roman"/>
-            </a:endParaRPr>
-          </a:p>
-        </p:txBody>
-      </p:sp>
-    </p:spTree>
-  </p:cSld>
-  <p:clrMap bg1="lt1" tx1="dk1" bg2="lt2" tx2="dk2" accent1="accent1" accent2="accent2" accent3="accent3" accent4="accent4" accent5="accent5" accent6="accent6" hlink="hlink" folHlink="folHlink"/>
-  <p:sldLayoutIdLst>
-    <p:sldLayoutId id="2147483662" r:id="rId1"/>
-    <p:sldLayoutId id="2147483663" r:id="rId2"/>
-    <p:sldLayoutId id="2147483664" r:id="rId3"/>
-    <p:sldLayoutId id="2147483665" r:id="rId4"/>
-    <p:sldLayoutId id="2147483666" r:id="rId5"/>
-    <p:sldLayoutId id="2147483667" r:id="rId6"/>
-    <p:sldLayoutId id="2147483668" r:id="rId7"/>
-    <p:sldLayoutId id="2147483669" r:id="rId8"/>
-    <p:sldLayoutId id="2147483670" r:id="rId9"/>
-    <p:sldLayoutId id="2147483671" r:id="rId10"/>
-    <p:sldLayoutId id="2147483672" r:id="rId11"/>
-    <p:sldLayoutId id="2147483673" r:id="rId12"/>
-  </p:sldLayoutIdLst>
-  <p:txStyles>
-    <p:titleStyle>
-      <a:lvl1pPr algn="l" defTabSz="914400" rtl="0" eaLnBrk="1" latinLnBrk="0" hangingPunct="1">
-        <a:lnSpc>
-          <a:spcPct val="90000"/>
-        </a:lnSpc>
-        <a:spcBef>
-          <a:spcPct val="0"/>
-        </a:spcBef>
-        <a:buNone/>
-        <a:defRPr sz="4400" kern="1200">
-          <a:solidFill>
-            <a:schemeClr val="tx1"/>
-          </a:solidFill>
-          <a:latin typeface="+mj-lt"/>
-          <a:ea typeface="+mj-ea"/>
-          <a:cs typeface="+mj-cs"/>
-        </a:defRPr>
-      </a:lvl1pPr>
-    </p:titleStyle>
-    <p:bodyStyle>
-      <a:lvl1pPr marL="228600" indent="-228600" algn="l" defTabSz="914400" rtl="0" eaLnBrk="1" latinLnBrk="0" hangingPunct="1">
-        <a:lnSpc>
-          <a:spcPct val="90000"/>
-        </a:lnSpc>
-        <a:spcBef>
-          <a:spcPts val="1000"/>
-        </a:spcBef>
-        <a:buFont typeface="Arial" panose="020B0604020202020204" pitchFamily="34" charset="0"/>
-        <a:buChar char="•"/>
-        <a:defRPr sz="2800" kern="1200">
-          <a:solidFill>
-            <a:schemeClr val="tx1"/>
-          </a:solidFill>
-          <a:latin typeface="+mn-lt"/>
-          <a:ea typeface="+mn-ea"/>
-          <a:cs typeface="+mn-cs"/>
-        </a:defRPr>
-      </a:lvl1pPr>
-      <a:lvl2pPr marL="685800" indent="-228600" algn="l" defTabSz="914400" rtl="0" eaLnBrk="1" latinLnBrk="0" hangingPunct="1">
-        <a:lnSpc>
-          <a:spcPct val="90000"/>
-        </a:lnSpc>
-        <a:spcBef>
-          <a:spcPts val="500"/>
-        </a:spcBef>
-        <a:buFont typeface="Arial" panose="020B0604020202020204" pitchFamily="34" charset="0"/>
-        <a:buChar char="•"/>
-        <a:defRPr sz="2400" kern="1200">
-          <a:solidFill>
-            <a:schemeClr val="tx1"/>
-          </a:solidFill>
-          <a:latin typeface="+mn-lt"/>
-          <a:ea typeface="+mn-ea"/>
-          <a:cs typeface="+mn-cs"/>
-        </a:defRPr>
-      </a:lvl2pPr>
-      <a:lvl3pPr marL="1143000" indent="-228600" algn="l" defTabSz="914400" rtl="0" eaLnBrk="1" latinLnBrk="0" hangingPunct="1">
-        <a:lnSpc>
-          <a:spcPct val="90000"/>
-        </a:lnSpc>
-        <a:spcBef>
-          <a:spcPts val="500"/>
-        </a:spcBef>
-        <a:buFont typeface="Arial" panose="020B0604020202020204" pitchFamily="34" charset="0"/>
-        <a:buChar char="•"/>
-        <a:defRPr sz="2000" kern="1200">
-          <a:solidFill>
-            <a:schemeClr val="tx1"/>
-          </a:solidFill>
-          <a:latin typeface="+mn-lt"/>
-          <a:ea typeface="+mn-ea"/>
-          <a:cs typeface="+mn-cs"/>
-        </a:defRPr>
-      </a:lvl3pPr>
-      <a:lvl4pPr marL="1600200" indent="-228600" algn="l" defTabSz="914400" rtl="0" eaLnBrk="1" latinLnBrk="0" hangingPunct="1">
-        <a:lnSpc>
-          <a:spcPct val="90000"/>
-        </a:lnSpc>
-        <a:spcBef>
-          <a:spcPts val="500"/>
-        </a:spcBef>
-        <a:buFont typeface="Arial" panose="020B0604020202020204" pitchFamily="34" charset="0"/>
-        <a:buChar char="•"/>
-        <a:defRPr sz="1800" kern="1200">
-          <a:solidFill>
-            <a:schemeClr val="tx1"/>
-          </a:solidFill>
-          <a:latin typeface="+mn-lt"/>
-          <a:ea typeface="+mn-ea"/>
-          <a:cs typeface="+mn-cs"/>
-        </a:defRPr>
-      </a:lvl4pPr>
-      <a:lvl5pPr marL="2057400" indent="-228600" algn="l" defTabSz="914400" rtl="0" eaLnBrk="1" latinLnBrk="0" hangingPunct="1">
-        <a:lnSpc>
-          <a:spcPct val="90000"/>
-        </a:lnSpc>
-        <a:spcBef>
-          <a:spcPts val="500"/>
-        </a:spcBef>
-        <a:buFont typeface="Arial" panose="020B0604020202020204" pitchFamily="34" charset="0"/>
-        <a:buChar char="•"/>
-        <a:defRPr sz="1800" kern="1200">
-          <a:solidFill>
-            <a:schemeClr val="tx1"/>
-          </a:solidFill>
-          <a:latin typeface="+mn-lt"/>
-          <a:ea typeface="+mn-ea"/>
-          <a:cs typeface="+mn-cs"/>
-        </a:defRPr>
-      </a:lvl5pPr>
-      <a:lvl6pPr marL="2514600" indent="-228600" algn="l" defTabSz="914400" rtl="0" eaLnBrk="1" latinLnBrk="0" hangingPunct="1">
-        <a:lnSpc>
-          <a:spcPct val="90000"/>
-        </a:lnSpc>
-        <a:spcBef>
-          <a:spcPts val="500"/>
-        </a:spcBef>
-        <a:buFont typeface="Arial" panose="020B0604020202020204" pitchFamily="34" charset="0"/>
-        <a:buChar char="•"/>
-        <a:defRPr sz="1800" kern="1200">
-          <a:solidFill>
-            <a:schemeClr val="tx1"/>
-          </a:solidFill>
-          <a:latin typeface="+mn-lt"/>
-          <a:ea typeface="+mn-ea"/>
-          <a:cs typeface="+mn-cs"/>
-        </a:defRPr>
-      </a:lvl6pPr>
-      <a:lvl7pPr marL="2971800" indent="-228600" algn="l" defTabSz="914400" rtl="0" eaLnBrk="1" latinLnBrk="0" hangingPunct="1">
-        <a:lnSpc>
-          <a:spcPct val="90000"/>
-        </a:lnSpc>
-        <a:spcBef>
-          <a:spcPts val="500"/>
-        </a:spcBef>
-        <a:buFont typeface="Arial" panose="020B0604020202020204" pitchFamily="34" charset="0"/>
-        <a:buChar char="•"/>
-        <a:defRPr sz="1800" kern="1200">
-          <a:solidFill>
-            <a:schemeClr val="tx1"/>
-          </a:solidFill>
-          <a:latin typeface="+mn-lt"/>
-          <a:ea typeface="+mn-ea"/>
-          <a:cs typeface="+mn-cs"/>
-        </a:defRPr>
-      </a:lvl7pPr>
-      <a:lvl8pPr marL="3429000" indent="-228600" algn="l" defTabSz="914400" rtl="0" eaLnBrk="1" latinLnBrk="0" hangingPunct="1">
-        <a:lnSpc>
-          <a:spcPct val="90000"/>
-        </a:lnSpc>
-        <a:spcBef>
-          <a:spcPts val="500"/>
-        </a:spcBef>
-        <a:buFont typeface="Arial" panose="020B0604020202020204" pitchFamily="34" charset="0"/>
-        <a:buChar char="•"/>
-        <a:defRPr sz="1800" kern="1200">
-          <a:solidFill>
-            <a:schemeClr val="tx1"/>
-          </a:solidFill>
-          <a:latin typeface="+mn-lt"/>
-          <a:ea typeface="+mn-ea"/>
-          <a:cs typeface="+mn-cs"/>
-        </a:defRPr>
-      </a:lvl8pPr>
-      <a:lvl9pPr marL="3886200" indent="-228600" algn="l" defTabSz="914400" rtl="0" eaLnBrk="1" latinLnBrk="0" hangingPunct="1">
-        <a:lnSpc>
-          <a:spcPct val="90000"/>
-        </a:lnSpc>
-        <a:spcBef>
-          <a:spcPts val="500"/>
-        </a:spcBef>
-        <a:buFont typeface="Arial" panose="020B0604020202020204" pitchFamily="34" charset="0"/>
-        <a:buChar char="•"/>
-        <a:defRPr sz="1800" kern="1200">
+        <a:defRPr sz="1400" kern="1200">
           <a:solidFill>
             <a:schemeClr val="tx1"/>
           </a:solidFill>
@@ -6343,7 +2573,7 @@
           <p:nvPr/>
         </p:nvPicPr>
         <p:blipFill>
-          <a:blip r:embed="rId2"/>
+          <a:blip r:embed="rId3"/>
           <a:stretch/>
         </p:blipFill>
         <p:spPr>
@@ -6640,6 +2870,58 @@
               </a:solidFill>
               <a:latin typeface="Trebuchet MS"/>
             </a:endParaRPr>
+          </a:p>
+        </p:txBody>
+      </p:sp>
+      <p:sp>
+        <p:nvSpPr>
+          <p:cNvPr id="2" name="Date Placeholder 1"/>
+          <p:cNvSpPr>
+            <a:spLocks noGrp="1"/>
+          </p:cNvSpPr>
+          <p:nvPr>
+            <p:ph type="dt" sz="half" idx="10"/>
+          </p:nvPr>
+        </p:nvSpPr>
+        <p:spPr/>
+        <p:txBody>
+          <a:bodyPr/>
+          <a:lstStyle/>
+          <a:p>
+            <a:pPr algn="r"/>
+            <a:r>
+              <a:rPr lang="en-US" spc="-1" smtClean="0">
+                <a:latin typeface="Times New Roman"/>
+              </a:rPr>
+              <a:t>3/16/2020</a:t>
+            </a:r>
+            <a:endParaRPr lang="en-US" spc="-1" dirty="0">
+              <a:latin typeface="Times New Roman"/>
+            </a:endParaRPr>
+          </a:p>
+        </p:txBody>
+      </p:sp>
+      <p:sp>
+        <p:nvSpPr>
+          <p:cNvPr id="3" name="Slide Number Placeholder 2"/>
+          <p:cNvSpPr>
+            <a:spLocks noGrp="1"/>
+          </p:cNvSpPr>
+          <p:nvPr>
+            <p:ph type="sldNum" sz="quarter" idx="12"/>
+          </p:nvPr>
+        </p:nvSpPr>
+        <p:spPr/>
+        <p:txBody>
+          <a:bodyPr/>
+          <a:lstStyle/>
+          <a:p>
+            <a:fld id="{67757F18-DA47-4173-A975-90C90D141712}" type="slidenum">
+              <a:rPr lang="en-US" smtClean="0"/>
+              <a:pPr/>
+              <a:t>10</a:t>
+            </a:fld>
+            <a:endParaRPr lang="en-US" spc="-1" dirty="0"/>
           </a:p>
         </p:txBody>
       </p:sp>
@@ -7180,13 +3462,13 @@
             <a:spLocks noGrp="1"/>
           </p:cNvSpPr>
           <p:nvPr>
-            <p:ph type="title"/>
+            <p:ph type="ctrTitle" idx="4294967295"/>
           </p:nvPr>
         </p:nvSpPr>
         <p:spPr>
           <a:xfrm>
-            <a:off x="677160" y="500296"/>
-            <a:ext cx="7061121" cy="864478"/>
+            <a:off x="0" y="500063"/>
+            <a:ext cx="7061200" cy="865187"/>
           </a:xfrm>
         </p:spPr>
         <p:txBody>
@@ -7198,7 +3480,21 @@
                 <a:latin typeface="Times New Roman" panose="02020603050405020304" pitchFamily="18" charset="0"/>
                 <a:cs typeface="Times New Roman" panose="02020603050405020304" pitchFamily="18" charset="0"/>
               </a:rPr>
-              <a:t> WORK DONE</a:t>
+              <a:t> </a:t>
+            </a:r>
+            <a:r>
+              <a:rPr lang="en-US" sz="3600" b="1" dirty="0" smtClean="0">
+                <a:latin typeface="Times New Roman" panose="02020603050405020304" pitchFamily="18" charset="0"/>
+                <a:cs typeface="Times New Roman" panose="02020603050405020304" pitchFamily="18" charset="0"/>
+              </a:rPr>
+              <a:t>     WORK </a:t>
+            </a:r>
+            <a:r>
+              <a:rPr lang="en-US" sz="3600" b="1" dirty="0" smtClean="0">
+                <a:latin typeface="Times New Roman" panose="02020603050405020304" pitchFamily="18" charset="0"/>
+                <a:cs typeface="Times New Roman" panose="02020603050405020304" pitchFamily="18" charset="0"/>
+              </a:rPr>
+              <a:t>DONE</a:t>
             </a:r>
             <a:endParaRPr lang="en-US" sz="3600" b="1" dirty="0">
               <a:latin typeface="Times New Roman" panose="02020603050405020304" pitchFamily="18" charset="0"/>
@@ -7216,7 +3512,7 @@
           <p:nvPr/>
         </p:nvPicPr>
         <p:blipFill>
-          <a:blip r:embed="rId2">
+          <a:blip r:embed="rId3">
             <a:extLst>
               <a:ext uri="{28A0092B-C50C-407E-A947-70E740481C1C}">
                 <a14:useLocalDpi xmlns:a14="http://schemas.microsoft.com/office/drawing/2010/main" val="0"/>
@@ -7264,6 +3560,58 @@
               <a:t>Home page</a:t>
             </a:r>
             <a:endParaRPr lang="en-US" dirty="0"/>
+          </a:p>
+        </p:txBody>
+      </p:sp>
+      <p:sp>
+        <p:nvSpPr>
+          <p:cNvPr id="6" name="Date Placeholder 5"/>
+          <p:cNvSpPr>
+            <a:spLocks noGrp="1"/>
+          </p:cNvSpPr>
+          <p:nvPr>
+            <p:ph type="dt" sz="half" idx="10"/>
+          </p:nvPr>
+        </p:nvSpPr>
+        <p:spPr/>
+        <p:txBody>
+          <a:bodyPr/>
+          <a:lstStyle/>
+          <a:p>
+            <a:pPr algn="r"/>
+            <a:r>
+              <a:rPr lang="en-US" spc="-1" smtClean="0">
+                <a:latin typeface="Times New Roman"/>
+              </a:rPr>
+              <a:t>3/16/2020</a:t>
+            </a:r>
+            <a:endParaRPr lang="en-US" spc="-1" dirty="0">
+              <a:latin typeface="Times New Roman"/>
+            </a:endParaRPr>
+          </a:p>
+        </p:txBody>
+      </p:sp>
+      <p:sp>
+        <p:nvSpPr>
+          <p:cNvPr id="7" name="Slide Number Placeholder 6"/>
+          <p:cNvSpPr>
+            <a:spLocks noGrp="1"/>
+          </p:cNvSpPr>
+          <p:nvPr>
+            <p:ph type="sldNum" sz="quarter" idx="12"/>
+          </p:nvPr>
+        </p:nvSpPr>
+        <p:spPr/>
+        <p:txBody>
+          <a:bodyPr/>
+          <a:lstStyle/>
+          <a:p>
+            <a:fld id="{67757F18-DA47-4173-A975-90C90D141712}" type="slidenum">
+              <a:rPr lang="en-US" smtClean="0"/>
+              <a:pPr/>
+              <a:t>11</a:t>
+            </a:fld>
+            <a:endParaRPr lang="en-US" spc="-1" dirty="0"/>
           </a:p>
         </p:txBody>
       </p:sp>
@@ -7391,6 +3739,58 @@
           </a:p>
         </p:txBody>
       </p:sp>
+      <p:sp>
+        <p:nvSpPr>
+          <p:cNvPr id="2" name="Date Placeholder 1"/>
+          <p:cNvSpPr>
+            <a:spLocks noGrp="1"/>
+          </p:cNvSpPr>
+          <p:nvPr>
+            <p:ph type="dt" sz="half" idx="10"/>
+          </p:nvPr>
+        </p:nvSpPr>
+        <p:spPr/>
+        <p:txBody>
+          <a:bodyPr/>
+          <a:lstStyle/>
+          <a:p>
+            <a:pPr algn="r"/>
+            <a:r>
+              <a:rPr lang="en-US" spc="-1" smtClean="0">
+                <a:latin typeface="Times New Roman"/>
+              </a:rPr>
+              <a:t>3/16/2020</a:t>
+            </a:r>
+            <a:endParaRPr lang="en-US" spc="-1" dirty="0">
+              <a:latin typeface="Times New Roman"/>
+            </a:endParaRPr>
+          </a:p>
+        </p:txBody>
+      </p:sp>
+      <p:sp>
+        <p:nvSpPr>
+          <p:cNvPr id="3" name="Slide Number Placeholder 2"/>
+          <p:cNvSpPr>
+            <a:spLocks noGrp="1"/>
+          </p:cNvSpPr>
+          <p:nvPr>
+            <p:ph type="sldNum" sz="quarter" idx="12"/>
+          </p:nvPr>
+        </p:nvSpPr>
+        <p:spPr/>
+        <p:txBody>
+          <a:bodyPr/>
+          <a:lstStyle/>
+          <a:p>
+            <a:fld id="{67757F18-DA47-4173-A975-90C90D141712}" type="slidenum">
+              <a:rPr lang="en-US" smtClean="0"/>
+              <a:pPr/>
+              <a:t>12</a:t>
+            </a:fld>
+            <a:endParaRPr lang="en-US" spc="-1" dirty="0"/>
+          </a:p>
+        </p:txBody>
+      </p:sp>
     </p:spTree>
     <p:extLst>
       <p:ext uri="{BB962C8B-B14F-4D97-AF65-F5344CB8AC3E}">
@@ -7430,7 +3830,7 @@
           <p:nvPr/>
         </p:nvPicPr>
         <p:blipFill>
-          <a:blip r:embed="rId2">
+          <a:blip r:embed="rId3">
             <a:extLst>
               <a:ext uri="{28A0092B-C50C-407E-A947-70E740481C1C}">
                 <a14:useLocalDpi xmlns:a14="http://schemas.microsoft.com/office/drawing/2010/main" val="0"/>
@@ -7478,6 +3878,58 @@
               <a:t>Product Upload page</a:t>
             </a:r>
             <a:endParaRPr lang="en-US" dirty="0"/>
+          </a:p>
+        </p:txBody>
+      </p:sp>
+      <p:sp>
+        <p:nvSpPr>
+          <p:cNvPr id="2" name="Date Placeholder 1"/>
+          <p:cNvSpPr>
+            <a:spLocks noGrp="1"/>
+          </p:cNvSpPr>
+          <p:nvPr>
+            <p:ph type="dt" sz="half" idx="10"/>
+          </p:nvPr>
+        </p:nvSpPr>
+        <p:spPr/>
+        <p:txBody>
+          <a:bodyPr/>
+          <a:lstStyle/>
+          <a:p>
+            <a:pPr algn="r"/>
+            <a:r>
+              <a:rPr lang="en-US" spc="-1" smtClean="0">
+                <a:latin typeface="Times New Roman"/>
+              </a:rPr>
+              <a:t>3/16/2020</a:t>
+            </a:r>
+            <a:endParaRPr lang="en-US" spc="-1" dirty="0">
+              <a:latin typeface="Times New Roman"/>
+            </a:endParaRPr>
+          </a:p>
+        </p:txBody>
+      </p:sp>
+      <p:sp>
+        <p:nvSpPr>
+          <p:cNvPr id="3" name="Slide Number Placeholder 2"/>
+          <p:cNvSpPr>
+            <a:spLocks noGrp="1"/>
+          </p:cNvSpPr>
+          <p:nvPr>
+            <p:ph type="sldNum" sz="quarter" idx="12"/>
+          </p:nvPr>
+        </p:nvSpPr>
+        <p:spPr/>
+        <p:txBody>
+          <a:bodyPr/>
+          <a:lstStyle/>
+          <a:p>
+            <a:fld id="{67757F18-DA47-4173-A975-90C90D141712}" type="slidenum">
+              <a:rPr lang="en-US" smtClean="0"/>
+              <a:pPr/>
+              <a:t>13</a:t>
+            </a:fld>
+            <a:endParaRPr lang="en-US" spc="-1" dirty="0"/>
           </a:p>
         </p:txBody>
       </p:sp>
@@ -7574,6 +4026,58 @@
           </a:p>
         </p:txBody>
       </p:sp>
+      <p:sp>
+        <p:nvSpPr>
+          <p:cNvPr id="2" name="Date Placeholder 1"/>
+          <p:cNvSpPr>
+            <a:spLocks noGrp="1"/>
+          </p:cNvSpPr>
+          <p:nvPr>
+            <p:ph type="dt" sz="half" idx="10"/>
+          </p:nvPr>
+        </p:nvSpPr>
+        <p:spPr/>
+        <p:txBody>
+          <a:bodyPr/>
+          <a:lstStyle/>
+          <a:p>
+            <a:pPr algn="r"/>
+            <a:r>
+              <a:rPr lang="en-US" spc="-1" smtClean="0">
+                <a:latin typeface="Times New Roman"/>
+              </a:rPr>
+              <a:t>3/16/2020</a:t>
+            </a:r>
+            <a:endParaRPr lang="en-US" spc="-1" dirty="0">
+              <a:latin typeface="Times New Roman"/>
+            </a:endParaRPr>
+          </a:p>
+        </p:txBody>
+      </p:sp>
+      <p:sp>
+        <p:nvSpPr>
+          <p:cNvPr id="3" name="Slide Number Placeholder 2"/>
+          <p:cNvSpPr>
+            <a:spLocks noGrp="1"/>
+          </p:cNvSpPr>
+          <p:nvPr>
+            <p:ph type="sldNum" sz="quarter" idx="12"/>
+          </p:nvPr>
+        </p:nvSpPr>
+        <p:spPr/>
+        <p:txBody>
+          <a:bodyPr/>
+          <a:lstStyle/>
+          <a:p>
+            <a:fld id="{67757F18-DA47-4173-A975-90C90D141712}" type="slidenum">
+              <a:rPr lang="en-US" smtClean="0"/>
+              <a:pPr/>
+              <a:t>14</a:t>
+            </a:fld>
+            <a:endParaRPr lang="en-US" spc="-1" dirty="0"/>
+          </a:p>
+        </p:txBody>
+      </p:sp>
     </p:spTree>
     <p:extLst>
       <p:ext uri="{BB962C8B-B14F-4D97-AF65-F5344CB8AC3E}">
@@ -7667,6 +4171,58 @@
           </a:p>
         </p:txBody>
       </p:sp>
+      <p:sp>
+        <p:nvSpPr>
+          <p:cNvPr id="2" name="Date Placeholder 1"/>
+          <p:cNvSpPr>
+            <a:spLocks noGrp="1"/>
+          </p:cNvSpPr>
+          <p:nvPr>
+            <p:ph type="dt" sz="half" idx="10"/>
+          </p:nvPr>
+        </p:nvSpPr>
+        <p:spPr/>
+        <p:txBody>
+          <a:bodyPr/>
+          <a:lstStyle/>
+          <a:p>
+            <a:pPr algn="r"/>
+            <a:r>
+              <a:rPr lang="en-US" spc="-1" smtClean="0">
+                <a:latin typeface="Times New Roman"/>
+              </a:rPr>
+              <a:t>3/16/2020</a:t>
+            </a:r>
+            <a:endParaRPr lang="en-US" spc="-1" dirty="0">
+              <a:latin typeface="Times New Roman"/>
+            </a:endParaRPr>
+          </a:p>
+        </p:txBody>
+      </p:sp>
+      <p:sp>
+        <p:nvSpPr>
+          <p:cNvPr id="3" name="Slide Number Placeholder 2"/>
+          <p:cNvSpPr>
+            <a:spLocks noGrp="1"/>
+          </p:cNvSpPr>
+          <p:nvPr>
+            <p:ph type="sldNum" sz="quarter" idx="12"/>
+          </p:nvPr>
+        </p:nvSpPr>
+        <p:spPr/>
+        <p:txBody>
+          <a:bodyPr/>
+          <a:lstStyle/>
+          <a:p>
+            <a:fld id="{67757F18-DA47-4173-A975-90C90D141712}" type="slidenum">
+              <a:rPr lang="en-US" smtClean="0"/>
+              <a:pPr/>
+              <a:t>15</a:t>
+            </a:fld>
+            <a:endParaRPr lang="en-US" spc="-1" dirty="0"/>
+          </a:p>
+        </p:txBody>
+      </p:sp>
     </p:spTree>
     <p:extLst>
       <p:ext uri="{BB962C8B-B14F-4D97-AF65-F5344CB8AC3E}">
@@ -7760,6 +4316,58 @@
           </a:p>
         </p:txBody>
       </p:sp>
+      <p:sp>
+        <p:nvSpPr>
+          <p:cNvPr id="2" name="Date Placeholder 1"/>
+          <p:cNvSpPr>
+            <a:spLocks noGrp="1"/>
+          </p:cNvSpPr>
+          <p:nvPr>
+            <p:ph type="dt" sz="half" idx="10"/>
+          </p:nvPr>
+        </p:nvSpPr>
+        <p:spPr/>
+        <p:txBody>
+          <a:bodyPr/>
+          <a:lstStyle/>
+          <a:p>
+            <a:pPr algn="r"/>
+            <a:r>
+              <a:rPr lang="en-US" spc="-1" smtClean="0">
+                <a:latin typeface="Times New Roman"/>
+              </a:rPr>
+              <a:t>3/16/2020</a:t>
+            </a:r>
+            <a:endParaRPr lang="en-US" spc="-1" dirty="0">
+              <a:latin typeface="Times New Roman"/>
+            </a:endParaRPr>
+          </a:p>
+        </p:txBody>
+      </p:sp>
+      <p:sp>
+        <p:nvSpPr>
+          <p:cNvPr id="3" name="Slide Number Placeholder 2"/>
+          <p:cNvSpPr>
+            <a:spLocks noGrp="1"/>
+          </p:cNvSpPr>
+          <p:nvPr>
+            <p:ph type="sldNum" sz="quarter" idx="12"/>
+          </p:nvPr>
+        </p:nvSpPr>
+        <p:spPr/>
+        <p:txBody>
+          <a:bodyPr/>
+          <a:lstStyle/>
+          <a:p>
+            <a:fld id="{67757F18-DA47-4173-A975-90C90D141712}" type="slidenum">
+              <a:rPr lang="en-US" smtClean="0"/>
+              <a:pPr/>
+              <a:t>16</a:t>
+            </a:fld>
+            <a:endParaRPr lang="en-US" spc="-1" dirty="0"/>
+          </a:p>
+        </p:txBody>
+      </p:sp>
     </p:spTree>
     <p:extLst>
       <p:ext uri="{BB962C8B-B14F-4D97-AF65-F5344CB8AC3E}">
@@ -7797,7 +4405,7 @@
           <p:nvPr/>
         </p:nvPicPr>
         <p:blipFill>
-          <a:blip r:embed="rId2">
+          <a:blip r:embed="rId3">
             <a:extLst>
               <a:ext uri="{28A0092B-C50C-407E-A947-70E740481C1C}">
                 <a14:useLocalDpi xmlns:a14="http://schemas.microsoft.com/office/drawing/2010/main" val="0"/>
@@ -7850,6 +4458,58 @@
               <a:t>Admin Login</a:t>
             </a:r>
             <a:endParaRPr lang="en-US" dirty="0"/>
+          </a:p>
+        </p:txBody>
+      </p:sp>
+      <p:sp>
+        <p:nvSpPr>
+          <p:cNvPr id="2" name="Date Placeholder 1"/>
+          <p:cNvSpPr>
+            <a:spLocks noGrp="1"/>
+          </p:cNvSpPr>
+          <p:nvPr>
+            <p:ph type="dt" sz="half" idx="10"/>
+          </p:nvPr>
+        </p:nvSpPr>
+        <p:spPr/>
+        <p:txBody>
+          <a:bodyPr/>
+          <a:lstStyle/>
+          <a:p>
+            <a:pPr algn="r"/>
+            <a:r>
+              <a:rPr lang="en-US" spc="-1" smtClean="0">
+                <a:latin typeface="Times New Roman"/>
+              </a:rPr>
+              <a:t>3/16/2020</a:t>
+            </a:r>
+            <a:endParaRPr lang="en-US" spc="-1" dirty="0">
+              <a:latin typeface="Times New Roman"/>
+            </a:endParaRPr>
+          </a:p>
+        </p:txBody>
+      </p:sp>
+      <p:sp>
+        <p:nvSpPr>
+          <p:cNvPr id="3" name="Slide Number Placeholder 2"/>
+          <p:cNvSpPr>
+            <a:spLocks noGrp="1"/>
+          </p:cNvSpPr>
+          <p:nvPr>
+            <p:ph type="sldNum" sz="quarter" idx="12"/>
+          </p:nvPr>
+        </p:nvSpPr>
+        <p:spPr/>
+        <p:txBody>
+          <a:bodyPr/>
+          <a:lstStyle/>
+          <a:p>
+            <a:fld id="{67757F18-DA47-4173-A975-90C90D141712}" type="slidenum">
+              <a:rPr lang="en-US" smtClean="0"/>
+              <a:pPr/>
+              <a:t>17</a:t>
+            </a:fld>
+            <a:endParaRPr lang="en-US" spc="-1" dirty="0"/>
           </a:p>
         </p:txBody>
       </p:sp>
@@ -7890,7 +4550,7 @@
           <p:nvPr/>
         </p:nvPicPr>
         <p:blipFill>
-          <a:blip r:embed="rId2">
+          <a:blip r:embed="rId3">
             <a:extLst>
               <a:ext uri="{28A0092B-C50C-407E-A947-70E740481C1C}">
                 <a14:useLocalDpi xmlns:a14="http://schemas.microsoft.com/office/drawing/2010/main" val="0"/>
@@ -7943,6 +4603,58 @@
               <a:t>Admin Home page</a:t>
             </a:r>
             <a:endParaRPr lang="en-US" dirty="0"/>
+          </a:p>
+        </p:txBody>
+      </p:sp>
+      <p:sp>
+        <p:nvSpPr>
+          <p:cNvPr id="6" name="Date Placeholder 5"/>
+          <p:cNvSpPr>
+            <a:spLocks noGrp="1"/>
+          </p:cNvSpPr>
+          <p:nvPr>
+            <p:ph type="dt" sz="half" idx="10"/>
+          </p:nvPr>
+        </p:nvSpPr>
+        <p:spPr/>
+        <p:txBody>
+          <a:bodyPr/>
+          <a:lstStyle/>
+          <a:p>
+            <a:pPr algn="r"/>
+            <a:r>
+              <a:rPr lang="en-US" spc="-1" smtClean="0">
+                <a:latin typeface="Times New Roman"/>
+              </a:rPr>
+              <a:t>3/16/2020</a:t>
+            </a:r>
+            <a:endParaRPr lang="en-US" spc="-1" dirty="0">
+              <a:latin typeface="Times New Roman"/>
+            </a:endParaRPr>
+          </a:p>
+        </p:txBody>
+      </p:sp>
+      <p:sp>
+        <p:nvSpPr>
+          <p:cNvPr id="7" name="Slide Number Placeholder 6"/>
+          <p:cNvSpPr>
+            <a:spLocks noGrp="1"/>
+          </p:cNvSpPr>
+          <p:nvPr>
+            <p:ph type="sldNum" sz="quarter" idx="12"/>
+          </p:nvPr>
+        </p:nvSpPr>
+        <p:spPr/>
+        <p:txBody>
+          <a:bodyPr/>
+          <a:lstStyle/>
+          <a:p>
+            <a:fld id="{67757F18-DA47-4173-A975-90C90D141712}" type="slidenum">
+              <a:rPr lang="en-US" smtClean="0"/>
+              <a:pPr/>
+              <a:t>18</a:t>
+            </a:fld>
+            <a:endParaRPr lang="en-US" spc="-1" dirty="0"/>
           </a:p>
         </p:txBody>
       </p:sp>
@@ -8078,27 +4790,7 @@
             </a:r>
           </a:p>
           <a:p>
-            <a:pPr marL="342900" lvl="0" indent="-342900">
-              <a:buFont typeface="Wingdings" panose="05000000000000000000" pitchFamily="2" charset="2"/>
-              <a:buChar char="Ø"/>
-            </a:pPr>
-            <a:r>
-              <a:rPr lang="en-US" sz="2400" dirty="0" smtClean="0">
-                <a:latin typeface="Times New Roman" panose="02020603050405020304" pitchFamily="18" charset="0"/>
-                <a:cs typeface="Times New Roman" panose="02020603050405020304" pitchFamily="18" charset="0"/>
-              </a:rPr>
-              <a:t>Implement</a:t>
-            </a:r>
-            <a:r>
-              <a:rPr lang="en-US" sz="2400" b="0" strike="noStrike" spc="-1" dirty="0" smtClean="0">
-                <a:solidFill>
-                  <a:srgbClr val="404040"/>
-                </a:solidFill>
-                <a:latin typeface="Times New Roman" panose="02020603050405020304" pitchFamily="18" charset="0"/>
-                <a:cs typeface="Times New Roman" panose="02020603050405020304" pitchFamily="18" charset="0"/>
-              </a:rPr>
-              <a:t>  chat filer</a:t>
-            </a:r>
+            <a:pPr lvl="0"/>
             <a:endParaRPr lang="en-US" sz="2400" b="0" strike="noStrike" spc="-1" dirty="0">
               <a:solidFill>
                 <a:srgbClr val="404040"/>
@@ -8106,6 +4798,58 @@
               <a:latin typeface="Times New Roman" panose="02020603050405020304" pitchFamily="18" charset="0"/>
               <a:cs typeface="Times New Roman" panose="02020603050405020304" pitchFamily="18" charset="0"/>
             </a:endParaRPr>
+          </a:p>
+        </p:txBody>
+      </p:sp>
+      <p:sp>
+        <p:nvSpPr>
+          <p:cNvPr id="2" name="Date Placeholder 1"/>
+          <p:cNvSpPr>
+            <a:spLocks noGrp="1"/>
+          </p:cNvSpPr>
+          <p:nvPr>
+            <p:ph type="dt" sz="half" idx="10"/>
+          </p:nvPr>
+        </p:nvSpPr>
+        <p:spPr/>
+        <p:txBody>
+          <a:bodyPr/>
+          <a:lstStyle/>
+          <a:p>
+            <a:pPr algn="r"/>
+            <a:r>
+              <a:rPr lang="en-US" spc="-1" smtClean="0">
+                <a:latin typeface="Times New Roman"/>
+              </a:rPr>
+              <a:t>3/16/2020</a:t>
+            </a:r>
+            <a:endParaRPr lang="en-US" spc="-1" dirty="0">
+              <a:latin typeface="Times New Roman"/>
+            </a:endParaRPr>
+          </a:p>
+        </p:txBody>
+      </p:sp>
+      <p:sp>
+        <p:nvSpPr>
+          <p:cNvPr id="3" name="Slide Number Placeholder 2"/>
+          <p:cNvSpPr>
+            <a:spLocks noGrp="1"/>
+          </p:cNvSpPr>
+          <p:nvPr>
+            <p:ph type="sldNum" sz="quarter" idx="12"/>
+          </p:nvPr>
+        </p:nvSpPr>
+        <p:spPr/>
+        <p:txBody>
+          <a:bodyPr/>
+          <a:lstStyle/>
+          <a:p>
+            <a:fld id="{67757F18-DA47-4173-A975-90C90D141712}" type="slidenum">
+              <a:rPr lang="en-US" smtClean="0"/>
+              <a:pPr/>
+              <a:t>19</a:t>
+            </a:fld>
+            <a:endParaRPr lang="en-US" spc="-1" dirty="0"/>
           </a:p>
         </p:txBody>
       </p:sp>
@@ -8298,112 +5042,6 @@
                                           <p:spTgt spid="139">
                                             <p:txEl>
                                               <p:pRg st="0" end="0"/>
-                                            </p:txEl>
-                                          </p:spTgt>
-                                        </p:tgtEl>
-                                        <p:attrNameLst>
-                                          <p:attrName>ppt_y</p:attrName>
-                                        </p:attrNameLst>
-                                      </p:cBhvr>
-                                      <p:tavLst>
-                                        <p:tav tm="0">
-                                          <p:val>
-                                            <p:strVal val="#ppt_y+.1"/>
-                                          </p:val>
-                                        </p:tav>
-                                        <p:tav tm="100000">
-                                          <p:val>
-                                            <p:strVal val="#ppt_y"/>
-                                          </p:val>
-                                        </p:tav>
-                                      </p:tavLst>
-                                    </p:anim>
-                                  </p:childTnLst>
-                                </p:cTn>
-                              </p:par>
-                            </p:childTnLst>
-                          </p:cTn>
-                        </p:par>
-                        <p:par>
-                          <p:cTn id="16" fill="hold">
-                            <p:stCondLst>
-                              <p:cond delay="2000"/>
-                            </p:stCondLst>
-                            <p:childTnLst>
-                              <p:par>
-                                <p:cTn id="17" presetID="42" presetClass="entr" fill="hold" nodeType="afterEffect">
-                                  <p:stCondLst>
-                                    <p:cond delay="0"/>
-                                  </p:stCondLst>
-                                  <p:childTnLst>
-                                    <p:set>
-                                      <p:cBhvr>
-                                        <p:cTn id="18" dur="1" fill="hold">
-                                          <p:stCondLst>
-                                            <p:cond delay="0"/>
-                                          </p:stCondLst>
-                                        </p:cTn>
-                                        <p:tgtEl>
-                                          <p:spTgt spid="139">
-                                            <p:txEl>
-                                              <p:pRg st="1" end="1"/>
-                                            </p:txEl>
-                                          </p:spTgt>
-                                        </p:tgtEl>
-                                        <p:attrNameLst>
-                                          <p:attrName>style.visibility</p:attrName>
-                                        </p:attrNameLst>
-                                      </p:cBhvr>
-                                      <p:to>
-                                        <p:strVal val="visible"/>
-                                      </p:to>
-                                    </p:set>
-                                    <p:animEffect transition="in" filter="fade">
-                                      <p:cBhvr additive="repl">
-                                        <p:cTn id="19" dur="1000"/>
-                                        <p:tgtEl>
-                                          <p:spTgt spid="139">
-                                            <p:txEl>
-                                              <p:pRg st="1" end="1"/>
-                                            </p:txEl>
-                                          </p:spTgt>
-                                        </p:tgtEl>
-                                      </p:cBhvr>
-                                    </p:animEffect>
-                                    <p:anim calcmode="lin" valueType="num">
-                                      <p:cBhvr additive="repl">
-                                        <p:cTn id="20" dur="1000" fill="hold"/>
-                                        <p:tgtEl>
-                                          <p:spTgt spid="139">
-                                            <p:txEl>
-                                              <p:pRg st="1" end="1"/>
-                                            </p:txEl>
-                                          </p:spTgt>
-                                        </p:tgtEl>
-                                        <p:attrNameLst>
-                                          <p:attrName>ppt_x</p:attrName>
-                                        </p:attrNameLst>
-                                      </p:cBhvr>
-                                      <p:tavLst>
-                                        <p:tav tm="0">
-                                          <p:val>
-                                            <p:strVal val="#ppt_x"/>
-                                          </p:val>
-                                        </p:tav>
-                                        <p:tav tm="100000">
-                                          <p:val>
-                                            <p:strVal val="#ppt_x"/>
-                                          </p:val>
-                                        </p:tav>
-                                      </p:tavLst>
-                                    </p:anim>
-                                    <p:anim calcmode="lin" valueType="num">
-                                      <p:cBhvr additive="repl">
-                                        <p:cTn id="21" dur="1000" fill="hold"/>
-                                        <p:tgtEl>
-                                          <p:spTgt spid="139">
-                                            <p:txEl>
-                                              <p:pRg st="1" end="1"/>
                                             </p:txEl>
                                           </p:spTgt>
                                         </p:tgtEl>
@@ -8720,6 +5358,58 @@
           </a:p>
         </p:txBody>
       </p:sp>
+      <p:sp>
+        <p:nvSpPr>
+          <p:cNvPr id="2" name="Date Placeholder 1"/>
+          <p:cNvSpPr>
+            <a:spLocks noGrp="1"/>
+          </p:cNvSpPr>
+          <p:nvPr>
+            <p:ph type="dt" sz="half" idx="10"/>
+          </p:nvPr>
+        </p:nvSpPr>
+        <p:spPr/>
+        <p:txBody>
+          <a:bodyPr/>
+          <a:lstStyle/>
+          <a:p>
+            <a:pPr algn="r"/>
+            <a:r>
+              <a:rPr lang="en-US" spc="-1" smtClean="0">
+                <a:latin typeface="Times New Roman"/>
+              </a:rPr>
+              <a:t>3/16/2020</a:t>
+            </a:r>
+            <a:endParaRPr lang="en-US" spc="-1" dirty="0">
+              <a:latin typeface="Times New Roman"/>
+            </a:endParaRPr>
+          </a:p>
+        </p:txBody>
+      </p:sp>
+      <p:sp>
+        <p:nvSpPr>
+          <p:cNvPr id="3" name="Slide Number Placeholder 2"/>
+          <p:cNvSpPr>
+            <a:spLocks noGrp="1"/>
+          </p:cNvSpPr>
+          <p:nvPr>
+            <p:ph type="sldNum" sz="quarter" idx="12"/>
+          </p:nvPr>
+        </p:nvSpPr>
+        <p:spPr/>
+        <p:txBody>
+          <a:bodyPr/>
+          <a:lstStyle/>
+          <a:p>
+            <a:fld id="{67757F18-DA47-4173-A975-90C90D141712}" type="slidenum">
+              <a:rPr lang="en-US" smtClean="0"/>
+              <a:pPr/>
+              <a:t>2</a:t>
+            </a:fld>
+            <a:endParaRPr lang="en-US" spc="-1" dirty="0"/>
+          </a:p>
+        </p:txBody>
+      </p:sp>
     </p:spTree>
   </p:cSld>
   <p:clrMapOvr>
@@ -9643,6 +6333,58 @@
           </a:p>
         </p:txBody>
       </p:sp>
+      <p:sp>
+        <p:nvSpPr>
+          <p:cNvPr id="2" name="Date Placeholder 1"/>
+          <p:cNvSpPr>
+            <a:spLocks noGrp="1"/>
+          </p:cNvSpPr>
+          <p:nvPr>
+            <p:ph type="dt" sz="half" idx="10"/>
+          </p:nvPr>
+        </p:nvSpPr>
+        <p:spPr/>
+        <p:txBody>
+          <a:bodyPr/>
+          <a:lstStyle/>
+          <a:p>
+            <a:pPr algn="r"/>
+            <a:r>
+              <a:rPr lang="en-US" spc="-1" smtClean="0">
+                <a:latin typeface="Times New Roman"/>
+              </a:rPr>
+              <a:t>3/16/2020</a:t>
+            </a:r>
+            <a:endParaRPr lang="en-US" spc="-1" dirty="0">
+              <a:latin typeface="Times New Roman"/>
+            </a:endParaRPr>
+          </a:p>
+        </p:txBody>
+      </p:sp>
+      <p:sp>
+        <p:nvSpPr>
+          <p:cNvPr id="3" name="Slide Number Placeholder 2"/>
+          <p:cNvSpPr>
+            <a:spLocks noGrp="1"/>
+          </p:cNvSpPr>
+          <p:nvPr>
+            <p:ph type="sldNum" sz="quarter" idx="12"/>
+          </p:nvPr>
+        </p:nvSpPr>
+        <p:spPr/>
+        <p:txBody>
+          <a:bodyPr/>
+          <a:lstStyle/>
+          <a:p>
+            <a:fld id="{67757F18-DA47-4173-A975-90C90D141712}" type="slidenum">
+              <a:rPr lang="en-US" smtClean="0"/>
+              <a:pPr/>
+              <a:t>20</a:t>
+            </a:fld>
+            <a:endParaRPr lang="en-US" spc="-1" dirty="0"/>
+          </a:p>
+        </p:txBody>
+      </p:sp>
     </p:spTree>
   </p:cSld>
   <p:clrMapOvr>
@@ -10181,6 +6923,58 @@
               <a:buChar char="Ø"/>
             </a:pPr>
             <a:endParaRPr lang="en-US" dirty="0"/>
+          </a:p>
+        </p:txBody>
+      </p:sp>
+      <p:sp>
+        <p:nvSpPr>
+          <p:cNvPr id="6" name="Date Placeholder 5"/>
+          <p:cNvSpPr>
+            <a:spLocks noGrp="1"/>
+          </p:cNvSpPr>
+          <p:nvPr>
+            <p:ph type="dt" sz="half" idx="10"/>
+          </p:nvPr>
+        </p:nvSpPr>
+        <p:spPr/>
+        <p:txBody>
+          <a:bodyPr/>
+          <a:lstStyle/>
+          <a:p>
+            <a:pPr algn="r"/>
+            <a:r>
+              <a:rPr lang="en-US" spc="-1" smtClean="0">
+                <a:latin typeface="Times New Roman"/>
+              </a:rPr>
+              <a:t>3/16/2020</a:t>
+            </a:r>
+            <a:endParaRPr lang="en-US" spc="-1" dirty="0">
+              <a:latin typeface="Times New Roman"/>
+            </a:endParaRPr>
+          </a:p>
+        </p:txBody>
+      </p:sp>
+      <p:sp>
+        <p:nvSpPr>
+          <p:cNvPr id="7" name="Slide Number Placeholder 6"/>
+          <p:cNvSpPr>
+            <a:spLocks noGrp="1"/>
+          </p:cNvSpPr>
+          <p:nvPr>
+            <p:ph type="sldNum" sz="quarter" idx="12"/>
+          </p:nvPr>
+        </p:nvSpPr>
+        <p:spPr/>
+        <p:txBody>
+          <a:bodyPr/>
+          <a:lstStyle/>
+          <a:p>
+            <a:fld id="{67757F18-DA47-4173-A975-90C90D141712}" type="slidenum">
+              <a:rPr lang="en-US" smtClean="0"/>
+              <a:pPr/>
+              <a:t>21</a:t>
+            </a:fld>
+            <a:endParaRPr lang="en-US" spc="-1" dirty="0"/>
           </a:p>
         </p:txBody>
       </p:sp>
@@ -10394,6 +7188,58 @@
           </a:p>
         </p:txBody>
       </p:sp>
+      <p:sp>
+        <p:nvSpPr>
+          <p:cNvPr id="2" name="Date Placeholder 1"/>
+          <p:cNvSpPr>
+            <a:spLocks noGrp="1"/>
+          </p:cNvSpPr>
+          <p:nvPr>
+            <p:ph type="dt" sz="half" idx="10"/>
+          </p:nvPr>
+        </p:nvSpPr>
+        <p:spPr/>
+        <p:txBody>
+          <a:bodyPr/>
+          <a:lstStyle/>
+          <a:p>
+            <a:pPr algn="r"/>
+            <a:r>
+              <a:rPr lang="en-US" spc="-1" smtClean="0">
+                <a:latin typeface="Times New Roman"/>
+              </a:rPr>
+              <a:t>3/16/2020</a:t>
+            </a:r>
+            <a:endParaRPr lang="en-US" spc="-1" dirty="0">
+              <a:latin typeface="Times New Roman"/>
+            </a:endParaRPr>
+          </a:p>
+        </p:txBody>
+      </p:sp>
+      <p:sp>
+        <p:nvSpPr>
+          <p:cNvPr id="3" name="Slide Number Placeholder 2"/>
+          <p:cNvSpPr>
+            <a:spLocks noGrp="1"/>
+          </p:cNvSpPr>
+          <p:nvPr>
+            <p:ph type="sldNum" sz="quarter" idx="12"/>
+          </p:nvPr>
+        </p:nvSpPr>
+        <p:spPr/>
+        <p:txBody>
+          <a:bodyPr/>
+          <a:lstStyle/>
+          <a:p>
+            <a:fld id="{67757F18-DA47-4173-A975-90C90D141712}" type="slidenum">
+              <a:rPr lang="en-US" smtClean="0"/>
+              <a:pPr/>
+              <a:t>22</a:t>
+            </a:fld>
+            <a:endParaRPr lang="en-US" spc="-1" dirty="0"/>
+          </a:p>
+        </p:txBody>
+      </p:sp>
     </p:spTree>
   </p:cSld>
   <p:clrMapOvr>
@@ -10722,6 +7568,58 @@
               </a:solidFill>
               <a:latin typeface="Trebuchet MS"/>
             </a:endParaRPr>
+          </a:p>
+        </p:txBody>
+      </p:sp>
+      <p:sp>
+        <p:nvSpPr>
+          <p:cNvPr id="2" name="Date Placeholder 1"/>
+          <p:cNvSpPr>
+            <a:spLocks noGrp="1"/>
+          </p:cNvSpPr>
+          <p:nvPr>
+            <p:ph type="dt" sz="half" idx="10"/>
+          </p:nvPr>
+        </p:nvSpPr>
+        <p:spPr/>
+        <p:txBody>
+          <a:bodyPr/>
+          <a:lstStyle/>
+          <a:p>
+            <a:pPr algn="r"/>
+            <a:r>
+              <a:rPr lang="en-US" spc="-1" smtClean="0">
+                <a:latin typeface="Times New Roman"/>
+              </a:rPr>
+              <a:t>3/16/2020</a:t>
+            </a:r>
+            <a:endParaRPr lang="en-US" spc="-1" dirty="0">
+              <a:latin typeface="Times New Roman"/>
+            </a:endParaRPr>
+          </a:p>
+        </p:txBody>
+      </p:sp>
+      <p:sp>
+        <p:nvSpPr>
+          <p:cNvPr id="3" name="Slide Number Placeholder 2"/>
+          <p:cNvSpPr>
+            <a:spLocks noGrp="1"/>
+          </p:cNvSpPr>
+          <p:nvPr>
+            <p:ph type="sldNum" sz="quarter" idx="12"/>
+          </p:nvPr>
+        </p:nvSpPr>
+        <p:spPr/>
+        <p:txBody>
+          <a:bodyPr/>
+          <a:lstStyle/>
+          <a:p>
+            <a:fld id="{67757F18-DA47-4173-A975-90C90D141712}" type="slidenum">
+              <a:rPr lang="en-US" smtClean="0"/>
+              <a:pPr/>
+              <a:t>3</a:t>
+            </a:fld>
+            <a:endParaRPr lang="en-US" spc="-1" dirty="0"/>
           </a:p>
         </p:txBody>
       </p:sp>
@@ -11304,6 +8202,58 @@
           </a:p>
         </p:txBody>
       </p:sp>
+      <p:sp>
+        <p:nvSpPr>
+          <p:cNvPr id="2" name="Date Placeholder 1"/>
+          <p:cNvSpPr>
+            <a:spLocks noGrp="1"/>
+          </p:cNvSpPr>
+          <p:nvPr>
+            <p:ph type="dt" sz="half" idx="10"/>
+          </p:nvPr>
+        </p:nvSpPr>
+        <p:spPr/>
+        <p:txBody>
+          <a:bodyPr/>
+          <a:lstStyle/>
+          <a:p>
+            <a:pPr algn="r"/>
+            <a:r>
+              <a:rPr lang="en-US" spc="-1" smtClean="0">
+                <a:latin typeface="Times New Roman"/>
+              </a:rPr>
+              <a:t>3/16/2020</a:t>
+            </a:r>
+            <a:endParaRPr lang="en-US" spc="-1" dirty="0">
+              <a:latin typeface="Times New Roman"/>
+            </a:endParaRPr>
+          </a:p>
+        </p:txBody>
+      </p:sp>
+      <p:sp>
+        <p:nvSpPr>
+          <p:cNvPr id="3" name="Slide Number Placeholder 2"/>
+          <p:cNvSpPr>
+            <a:spLocks noGrp="1"/>
+          </p:cNvSpPr>
+          <p:nvPr>
+            <p:ph type="sldNum" sz="quarter" idx="12"/>
+          </p:nvPr>
+        </p:nvSpPr>
+        <p:spPr/>
+        <p:txBody>
+          <a:bodyPr/>
+          <a:lstStyle/>
+          <a:p>
+            <a:fld id="{67757F18-DA47-4173-A975-90C90D141712}" type="slidenum">
+              <a:rPr lang="en-US" smtClean="0"/>
+              <a:pPr/>
+              <a:t>4</a:t>
+            </a:fld>
+            <a:endParaRPr lang="en-US" spc="-1" dirty="0"/>
+          </a:p>
+        </p:txBody>
+      </p:sp>
     </p:spTree>
   </p:cSld>
   <p:clrMapOvr>
@@ -12102,6 +9052,58 @@
           </a:p>
         </p:txBody>
       </p:sp>
+      <p:sp>
+        <p:nvSpPr>
+          <p:cNvPr id="2" name="Date Placeholder 1"/>
+          <p:cNvSpPr>
+            <a:spLocks noGrp="1"/>
+          </p:cNvSpPr>
+          <p:nvPr>
+            <p:ph type="dt" sz="half" idx="10"/>
+          </p:nvPr>
+        </p:nvSpPr>
+        <p:spPr/>
+        <p:txBody>
+          <a:bodyPr/>
+          <a:lstStyle/>
+          <a:p>
+            <a:pPr algn="r"/>
+            <a:r>
+              <a:rPr lang="en-US" spc="-1" smtClean="0">
+                <a:latin typeface="Times New Roman"/>
+              </a:rPr>
+              <a:t>3/16/2020</a:t>
+            </a:r>
+            <a:endParaRPr lang="en-US" spc="-1" dirty="0">
+              <a:latin typeface="Times New Roman"/>
+            </a:endParaRPr>
+          </a:p>
+        </p:txBody>
+      </p:sp>
+      <p:sp>
+        <p:nvSpPr>
+          <p:cNvPr id="3" name="Slide Number Placeholder 2"/>
+          <p:cNvSpPr>
+            <a:spLocks noGrp="1"/>
+          </p:cNvSpPr>
+          <p:nvPr>
+            <p:ph type="sldNum" sz="quarter" idx="12"/>
+          </p:nvPr>
+        </p:nvSpPr>
+        <p:spPr/>
+        <p:txBody>
+          <a:bodyPr/>
+          <a:lstStyle/>
+          <a:p>
+            <a:fld id="{67757F18-DA47-4173-A975-90C90D141712}" type="slidenum">
+              <a:rPr lang="en-US" smtClean="0"/>
+              <a:pPr/>
+              <a:t>5</a:t>
+            </a:fld>
+            <a:endParaRPr lang="en-US" spc="-1" dirty="0"/>
+          </a:p>
+        </p:txBody>
+      </p:sp>
     </p:spTree>
   </p:cSld>
   <p:clrMapOvr>
@@ -12616,6 +9618,58 @@
           </a:p>
         </p:txBody>
       </p:sp>
+      <p:sp>
+        <p:nvSpPr>
+          <p:cNvPr id="2" name="Date Placeholder 1"/>
+          <p:cNvSpPr>
+            <a:spLocks noGrp="1"/>
+          </p:cNvSpPr>
+          <p:nvPr>
+            <p:ph type="dt" sz="half" idx="10"/>
+          </p:nvPr>
+        </p:nvSpPr>
+        <p:spPr/>
+        <p:txBody>
+          <a:bodyPr/>
+          <a:lstStyle/>
+          <a:p>
+            <a:pPr algn="r"/>
+            <a:r>
+              <a:rPr lang="en-US" spc="-1" smtClean="0">
+                <a:latin typeface="Times New Roman"/>
+              </a:rPr>
+              <a:t>3/16/2020</a:t>
+            </a:r>
+            <a:endParaRPr lang="en-US" spc="-1" dirty="0">
+              <a:latin typeface="Times New Roman"/>
+            </a:endParaRPr>
+          </a:p>
+        </p:txBody>
+      </p:sp>
+      <p:sp>
+        <p:nvSpPr>
+          <p:cNvPr id="3" name="Slide Number Placeholder 2"/>
+          <p:cNvSpPr>
+            <a:spLocks noGrp="1"/>
+          </p:cNvSpPr>
+          <p:nvPr>
+            <p:ph type="sldNum" sz="quarter" idx="12"/>
+          </p:nvPr>
+        </p:nvSpPr>
+        <p:spPr/>
+        <p:txBody>
+          <a:bodyPr/>
+          <a:lstStyle/>
+          <a:p>
+            <a:fld id="{67757F18-DA47-4173-A975-90C90D141712}" type="slidenum">
+              <a:rPr lang="en-US" smtClean="0"/>
+              <a:pPr/>
+              <a:t>6</a:t>
+            </a:fld>
+            <a:endParaRPr lang="en-US" spc="-1" dirty="0"/>
+          </a:p>
+        </p:txBody>
+      </p:sp>
     </p:spTree>
   </p:cSld>
   <p:clrMapOvr>
@@ -13459,6 +10513,58 @@
           </a:p>
         </p:txBody>
       </p:sp>
+      <p:sp>
+        <p:nvSpPr>
+          <p:cNvPr id="2" name="Date Placeholder 1"/>
+          <p:cNvSpPr>
+            <a:spLocks noGrp="1"/>
+          </p:cNvSpPr>
+          <p:nvPr>
+            <p:ph type="dt" sz="half" idx="10"/>
+          </p:nvPr>
+        </p:nvSpPr>
+        <p:spPr/>
+        <p:txBody>
+          <a:bodyPr/>
+          <a:lstStyle/>
+          <a:p>
+            <a:pPr algn="r"/>
+            <a:r>
+              <a:rPr lang="en-US" spc="-1" smtClean="0">
+                <a:latin typeface="Times New Roman"/>
+              </a:rPr>
+              <a:t>3/16/2020</a:t>
+            </a:r>
+            <a:endParaRPr lang="en-US" spc="-1" dirty="0">
+              <a:latin typeface="Times New Roman"/>
+            </a:endParaRPr>
+          </a:p>
+        </p:txBody>
+      </p:sp>
+      <p:sp>
+        <p:nvSpPr>
+          <p:cNvPr id="3" name="Slide Number Placeholder 2"/>
+          <p:cNvSpPr>
+            <a:spLocks noGrp="1"/>
+          </p:cNvSpPr>
+          <p:nvPr>
+            <p:ph type="sldNum" sz="quarter" idx="12"/>
+          </p:nvPr>
+        </p:nvSpPr>
+        <p:spPr/>
+        <p:txBody>
+          <a:bodyPr/>
+          <a:lstStyle/>
+          <a:p>
+            <a:fld id="{67757F18-DA47-4173-A975-90C90D141712}" type="slidenum">
+              <a:rPr lang="en-US" smtClean="0"/>
+              <a:pPr/>
+              <a:t>7</a:t>
+            </a:fld>
+            <a:endParaRPr lang="en-US" spc="-1" dirty="0"/>
+          </a:p>
+        </p:txBody>
+      </p:sp>
     </p:spTree>
   </p:cSld>
   <p:clrMapOvr>
@@ -13995,6 +11101,58 @@
           </a:ln>
         </p:spPr>
       </p:pic>
+      <p:sp>
+        <p:nvSpPr>
+          <p:cNvPr id="2" name="Date Placeholder 1"/>
+          <p:cNvSpPr>
+            <a:spLocks noGrp="1"/>
+          </p:cNvSpPr>
+          <p:nvPr>
+            <p:ph type="dt" sz="half" idx="10"/>
+          </p:nvPr>
+        </p:nvSpPr>
+        <p:spPr/>
+        <p:txBody>
+          <a:bodyPr/>
+          <a:lstStyle/>
+          <a:p>
+            <a:pPr algn="r"/>
+            <a:r>
+              <a:rPr lang="en-US" spc="-1" smtClean="0">
+                <a:latin typeface="Times New Roman"/>
+              </a:rPr>
+              <a:t>3/16/2020</a:t>
+            </a:r>
+            <a:endParaRPr lang="en-US" spc="-1" dirty="0">
+              <a:latin typeface="Times New Roman"/>
+            </a:endParaRPr>
+          </a:p>
+        </p:txBody>
+      </p:sp>
+      <p:sp>
+        <p:nvSpPr>
+          <p:cNvPr id="3" name="Slide Number Placeholder 2"/>
+          <p:cNvSpPr>
+            <a:spLocks noGrp="1"/>
+          </p:cNvSpPr>
+          <p:nvPr>
+            <p:ph type="sldNum" sz="quarter" idx="12"/>
+          </p:nvPr>
+        </p:nvSpPr>
+        <p:spPr/>
+        <p:txBody>
+          <a:bodyPr/>
+          <a:lstStyle/>
+          <a:p>
+            <a:fld id="{67757F18-DA47-4173-A975-90C90D141712}" type="slidenum">
+              <a:rPr lang="en-US" smtClean="0"/>
+              <a:pPr/>
+              <a:t>8</a:t>
+            </a:fld>
+            <a:endParaRPr lang="en-US" spc="-1" dirty="0"/>
+          </a:p>
+        </p:txBody>
+      </p:sp>
     </p:spTree>
   </p:cSld>
   <p:clrMapOvr>
@@ -14302,6 +11460,58 @@
           </a:ln>
         </p:spPr>
       </p:pic>
+      <p:sp>
+        <p:nvSpPr>
+          <p:cNvPr id="2" name="Date Placeholder 1"/>
+          <p:cNvSpPr>
+            <a:spLocks noGrp="1"/>
+          </p:cNvSpPr>
+          <p:nvPr>
+            <p:ph type="dt" sz="half" idx="10"/>
+          </p:nvPr>
+        </p:nvSpPr>
+        <p:spPr/>
+        <p:txBody>
+          <a:bodyPr/>
+          <a:lstStyle/>
+          <a:p>
+            <a:pPr algn="r"/>
+            <a:r>
+              <a:rPr lang="en-US" spc="-1" smtClean="0">
+                <a:latin typeface="Times New Roman"/>
+              </a:rPr>
+              <a:t>3/16/2020</a:t>
+            </a:r>
+            <a:endParaRPr lang="en-US" spc="-1" dirty="0">
+              <a:latin typeface="Times New Roman"/>
+            </a:endParaRPr>
+          </a:p>
+        </p:txBody>
+      </p:sp>
+      <p:sp>
+        <p:nvSpPr>
+          <p:cNvPr id="3" name="Slide Number Placeholder 2"/>
+          <p:cNvSpPr>
+            <a:spLocks noGrp="1"/>
+          </p:cNvSpPr>
+          <p:nvPr>
+            <p:ph type="sldNum" sz="quarter" idx="12"/>
+          </p:nvPr>
+        </p:nvSpPr>
+        <p:spPr/>
+        <p:txBody>
+          <a:bodyPr/>
+          <a:lstStyle/>
+          <a:p>
+            <a:fld id="{67757F18-DA47-4173-A975-90C90D141712}" type="slidenum">
+              <a:rPr lang="en-US" smtClean="0"/>
+              <a:pPr/>
+              <a:t>9</a:t>
+            </a:fld>
+            <a:endParaRPr lang="en-US" spc="-1" dirty="0"/>
+          </a:p>
+        </p:txBody>
+      </p:sp>
     </p:spTree>
   </p:cSld>
   <p:clrMapOvr>
@@ -14484,112 +11694,134 @@
 </file>
 
 <file path=ppt/theme/theme1.xml><?xml version="1.0" encoding="utf-8"?>
-<a:theme xmlns:a="http://schemas.openxmlformats.org/drawingml/2006/main" name="Office Theme">
+<a:theme xmlns:a="http://schemas.openxmlformats.org/drawingml/2006/main" name="Adjacency">
   <a:themeElements>
-    <a:clrScheme name="Office">
+    <a:clrScheme name="Adjacency">
       <a:dk1>
-        <a:sysClr val="windowText" lastClr="000000"/>
+        <a:srgbClr val="2F2B20"/>
       </a:dk1>
       <a:lt1>
-        <a:sysClr val="window" lastClr="FFFFFF"/>
+        <a:srgbClr val="FFFFFF"/>
       </a:lt1>
       <a:dk2>
-        <a:srgbClr val="2C3C43"/>
+        <a:srgbClr val="675E47"/>
       </a:dk2>
       <a:lt2>
-        <a:srgbClr val="EBEBEB"/>
+        <a:srgbClr val="DFDCB7"/>
       </a:lt2>
       <a:accent1>
-        <a:srgbClr val="5FCBEF"/>
+        <a:srgbClr val="A9A57C"/>
       </a:accent1>
       <a:accent2>
-        <a:srgbClr val="2E83C3"/>
+        <a:srgbClr val="9CBEBD"/>
       </a:accent2>
       <a:accent3>
-        <a:srgbClr val="42D0A2"/>
+        <a:srgbClr val="D2CB6C"/>
       </a:accent3>
       <a:accent4>
-        <a:srgbClr val="2E946B"/>
+        <a:srgbClr val="95A39D"/>
       </a:accent4>
       <a:accent5>
-        <a:srgbClr val="42B051"/>
+        <a:srgbClr val="C89F5D"/>
       </a:accent5>
       <a:accent6>
-        <a:srgbClr val="96D141"/>
+        <a:srgbClr val="B1A089"/>
       </a:accent6>
       <a:hlink>
-        <a:srgbClr val="3FCDE7"/>
+        <a:srgbClr val="D25814"/>
       </a:hlink>
       <a:folHlink>
-        <a:srgbClr val="A9D3E1"/>
+        <a:srgbClr val="849A0A"/>
       </a:folHlink>
     </a:clrScheme>
     <a:fontScheme name="Office">
       <a:majorFont>
-        <a:latin typeface="Arial"/>
-        <a:ea typeface="DejaVu Sans"/>
-        <a:cs typeface="DejaVu Sans"/>
+        <a:latin typeface="Cambria"/>
+        <a:ea typeface=""/>
+        <a:cs typeface=""/>
+        <a:font script="Jpan" typeface="ＭＳ ゴシック"/>
+        <a:font script="Hang" typeface="맑은 고딕"/>
+        <a:font script="Hans" typeface="宋体"/>
+        <a:font script="Hant" typeface="新細明體"/>
+        <a:font script="Arab" typeface="Times New Roman"/>
+        <a:font script="Hebr" typeface="Times New Roman"/>
+        <a:font script="Thai" typeface="Angsana New"/>
+        <a:font script="Ethi" typeface="Nyala"/>
+        <a:font script="Beng" typeface="Vrinda"/>
+        <a:font script="Gujr" typeface="Shruti"/>
+        <a:font script="Khmr" typeface="MoolBoran"/>
+        <a:font script="Knda" typeface="Tunga"/>
+        <a:font script="Guru" typeface="Raavi"/>
+        <a:font script="Cans" typeface="Euphemia"/>
+        <a:font script="Cher" typeface="Plantagenet Cherokee"/>
+        <a:font script="Yiii" typeface="Microsoft Yi Baiti"/>
+        <a:font script="Tibt" typeface="Microsoft Himalaya"/>
+        <a:font script="Thaa" typeface="MV Boli"/>
+        <a:font script="Deva" typeface="Mangal"/>
+        <a:font script="Telu" typeface="Gautami"/>
+        <a:font script="Taml" typeface="Latha"/>
+        <a:font script="Syrc" typeface="Estrangelo Edessa"/>
+        <a:font script="Orya" typeface="Kalinga"/>
+        <a:font script="Mlym" typeface="Kartika"/>
+        <a:font script="Laoo" typeface="DokChampa"/>
+        <a:font script="Sinh" typeface="Iskoola Pota"/>
+        <a:font script="Mong" typeface="Mongolian Baiti"/>
+        <a:font script="Viet" typeface="Times New Roman"/>
+        <a:font script="Uigh" typeface="Microsoft Uighur"/>
+        <a:font script="Geor" typeface="Sylfaen"/>
       </a:majorFont>
       <a:minorFont>
-        <a:latin typeface="Arial"/>
-        <a:ea typeface="DejaVu Sans"/>
-        <a:cs typeface="DejaVu Sans"/>
+        <a:latin typeface="Calibri"/>
+        <a:ea typeface=""/>
+        <a:cs typeface=""/>
+        <a:font script="Jpan" typeface="ＭＳ 明朝"/>
+        <a:font script="Hang" typeface="맑은 고딕"/>
+        <a:font script="Hans" typeface="宋体"/>
+        <a:font script="Hant" typeface="新細明體"/>
+        <a:font script="Arab" typeface="Arial"/>
+        <a:font script="Hebr" typeface="Arial"/>
+        <a:font script="Thai" typeface="Cordia New"/>
+        <a:font script="Ethi" typeface="Nyala"/>
+        <a:font script="Beng" typeface="Vrinda"/>
+        <a:font script="Gujr" typeface="Shruti"/>
+        <a:font script="Khmr" typeface="DaunPenh"/>
+        <a:font script="Knda" typeface="Tunga"/>
+        <a:font script="Guru" typeface="Raavi"/>
+        <a:font script="Cans" typeface="Euphemia"/>
+        <a:font script="Cher" typeface="Plantagenet Cherokee"/>
+        <a:font script="Yiii" typeface="Microsoft Yi Baiti"/>
+        <a:font script="Tibt" typeface="Microsoft Himalaya"/>
+        <a:font script="Thaa" typeface="MV Boli"/>
+        <a:font script="Deva" typeface="Mangal"/>
+        <a:font script="Telu" typeface="Gautami"/>
+        <a:font script="Taml" typeface="Latha"/>
+        <a:font script="Syrc" typeface="Estrangelo Edessa"/>
+        <a:font script="Orya" typeface="Kalinga"/>
+        <a:font script="Mlym" typeface="Kartika"/>
+        <a:font script="Laoo" typeface="DokChampa"/>
+        <a:font script="Sinh" typeface="Iskoola Pota"/>
+        <a:font script="Mong" typeface="Mongolian Baiti"/>
+        <a:font script="Viet" typeface="Arial"/>
+        <a:font script="Uigh" typeface="Microsoft Uighur"/>
+        <a:font script="Geor" typeface="Sylfaen"/>
       </a:minorFont>
     </a:fontScheme>
-    <a:fmtScheme name="Office">
+    <a:fmtScheme name="Adjacency">
       <a:fillStyleLst>
         <a:solidFill>
           <a:schemeClr val="phClr"/>
         </a:solidFill>
-        <a:gradFill rotWithShape="1">
-          <a:gsLst>
-            <a:gs pos="0">
-              <a:schemeClr val="phClr">
-                <a:tint val="50000"/>
-                <a:satMod val="300000"/>
-              </a:schemeClr>
-            </a:gs>
-            <a:gs pos="35000">
-              <a:schemeClr val="phClr">
-                <a:tint val="37000"/>
-                <a:satMod val="300000"/>
-              </a:schemeClr>
-            </a:gs>
-            <a:gs pos="100000">
-              <a:schemeClr val="phClr">
-                <a:tint val="15000"/>
-                <a:satMod val="350000"/>
-              </a:schemeClr>
-            </a:gs>
-          </a:gsLst>
-          <a:lin ang="16200000" scaled="1"/>
-        </a:gradFill>
-        <a:gradFill rotWithShape="1">
-          <a:gsLst>
-            <a:gs pos="0">
-              <a:schemeClr val="phClr">
-                <a:shade val="51000"/>
-                <a:satMod val="130000"/>
-              </a:schemeClr>
-            </a:gs>
-            <a:gs pos="80000">
-              <a:schemeClr val="phClr">
-                <a:shade val="93000"/>
-                <a:satMod val="130000"/>
-              </a:schemeClr>
-            </a:gs>
-            <a:gs pos="100000">
-              <a:schemeClr val="phClr">
-                <a:shade val="94000"/>
-                <a:satMod val="135000"/>
-              </a:schemeClr>
-            </a:gs>
-          </a:gsLst>
-          <a:lin ang="16200000" scaled="0"/>
-        </a:gradFill>
+        <a:solidFill>
+          <a:schemeClr val="phClr">
+            <a:tint val="55000"/>
+          </a:schemeClr>
+        </a:solidFill>
+        <a:solidFill>
+          <a:schemeClr val="phClr"/>
+        </a:solidFill>
       </a:fillStyleLst>
       <a:lnStyleLst>
-        <a:ln w="9525" cap="flat" cmpd="sng" algn="ctr">
+        <a:ln w="12700" cap="flat" cmpd="sng" algn="ctr">
           <a:solidFill>
             <a:schemeClr val="phClr">
               <a:shade val="95000"/>
@@ -14613,41 +11845,35 @@
       </a:lnStyleLst>
       <a:effectStyleLst>
         <a:effectStyle>
+          <a:effectLst/>
+        </a:effectStyle>
+        <a:effectStyle>
           <a:effectLst>
-            <a:outerShdw blurRad="40000" dist="20000" dir="5400000" rotWithShape="0">
+            <a:outerShdw blurRad="50800" dist="25400" algn="bl" rotWithShape="0">
               <a:srgbClr val="000000">
-                <a:alpha val="38000"/>
+                <a:alpha val="60000"/>
               </a:srgbClr>
             </a:outerShdw>
           </a:effectLst>
         </a:effectStyle>
         <a:effectStyle>
-          <a:effectLst>
-            <a:outerShdw blurRad="40000" dist="23000" dir="5400000" rotWithShape="0">
-              <a:srgbClr val="000000">
-                <a:alpha val="35000"/>
-              </a:srgbClr>
-            </a:outerShdw>
-          </a:effectLst>
-        </a:effectStyle>
-        <a:effectStyle>
-          <a:effectLst>
-            <a:outerShdw blurRad="40000" dist="23000" dir="5400000" rotWithShape="0">
-              <a:srgbClr val="000000">
-                <a:alpha val="35000"/>
-              </a:srgbClr>
-            </a:outerShdw>
-          </a:effectLst>
+          <a:effectLst/>
           <a:scene3d>
             <a:camera prst="orthographicFront">
               <a:rot lat="0" lon="0" rev="0"/>
             </a:camera>
-            <a:lightRig rig="threePt" dir="t">
-              <a:rot lat="0" lon="0" rev="1200000"/>
+            <a:lightRig rig="brightRoom" dir="tl">
+              <a:rot lat="0" lon="0" rev="1800000"/>
             </a:lightRig>
           </a:scene3d>
-          <a:sp3d>
-            <a:bevelT w="63500" h="25400"/>
+          <a:sp3d contourW="10160" prstMaterial="dkEdge">
+            <a:bevelT w="38100" h="50800" prst="angle"/>
+            <a:contourClr>
+              <a:schemeClr val="phClr">
+                <a:shade val="40000"/>
+                <a:satMod val="150000"/>
+              </a:schemeClr>
+            </a:contourClr>
           </a:sp3d>
         </a:effectStyle>
       </a:effectStyleLst>
@@ -14659,47 +11885,39 @@
           <a:gsLst>
             <a:gs pos="0">
               <a:schemeClr val="phClr">
-                <a:tint val="40000"/>
-                <a:satMod val="350000"/>
+                <a:tint val="90000"/>
               </a:schemeClr>
             </a:gs>
-            <a:gs pos="40000">
+            <a:gs pos="75000">
               <a:schemeClr val="phClr">
-                <a:tint val="45000"/>
-                <a:shade val="99000"/>
-                <a:satMod val="350000"/>
+                <a:shade val="100000"/>
+                <a:satMod val="115000"/>
               </a:schemeClr>
             </a:gs>
             <a:gs pos="100000">
               <a:schemeClr val="phClr">
-                <a:shade val="20000"/>
-                <a:satMod val="255000"/>
+                <a:shade val="70000"/>
+                <a:satMod val="130000"/>
               </a:schemeClr>
             </a:gs>
           </a:gsLst>
           <a:path path="circle">
-            <a:fillToRect l="50000" t="-80000" r="50000" b="180000"/>
+            <a:fillToRect l="20000" t="50000" r="100000" b="50000"/>
           </a:path>
         </a:gradFill>
-        <a:gradFill rotWithShape="1">
-          <a:gsLst>
-            <a:gs pos="0">
+        <a:blipFill rotWithShape="1">
+          <a:blip xmlns:r="http://schemas.openxmlformats.org/officeDocument/2006/relationships" r:embed="rId1">
+            <a:duotone>
               <a:schemeClr val="phClr">
-                <a:tint val="80000"/>
-                <a:satMod val="300000"/>
+                <a:tint val="97000"/>
               </a:schemeClr>
-            </a:gs>
-            <a:gs pos="100000">
               <a:schemeClr val="phClr">
-                <a:shade val="30000"/>
-                <a:satMod val="200000"/>
+                <a:shade val="96000"/>
               </a:schemeClr>
-            </a:gs>
-          </a:gsLst>
-          <a:path path="circle">
-            <a:fillToRect l="50000" t="50000" r="50000" b="50000"/>
-          </a:path>
-        </a:gradFill>
+            </a:duotone>
+          </a:blip>
+          <a:tile tx="0" ty="0" sx="32000" sy="32000" flip="none" algn="tl"/>
+        </a:blipFill>
       </a:bgFillStyleLst>
     </a:fmtScheme>
   </a:themeElements>
@@ -14719,46 +11937,106 @@
         <a:sysClr val="window" lastClr="FFFFFF"/>
       </a:lt1>
       <a:dk2>
-        <a:srgbClr val="2C3C43"/>
+        <a:srgbClr val="44546A"/>
       </a:dk2>
       <a:lt2>
-        <a:srgbClr val="EBEBEB"/>
+        <a:srgbClr val="E7E6E6"/>
       </a:lt2>
       <a:accent1>
-        <a:srgbClr val="5FCBEF"/>
+        <a:srgbClr val="5B9BD5"/>
       </a:accent1>
       <a:accent2>
-        <a:srgbClr val="2E83C3"/>
+        <a:srgbClr val="ED7D31"/>
       </a:accent2>
       <a:accent3>
-        <a:srgbClr val="42D0A2"/>
+        <a:srgbClr val="A5A5A5"/>
       </a:accent3>
       <a:accent4>
-        <a:srgbClr val="2E946B"/>
+        <a:srgbClr val="FFC000"/>
       </a:accent4>
       <a:accent5>
-        <a:srgbClr val="42B051"/>
+        <a:srgbClr val="4472C4"/>
       </a:accent5>
       <a:accent6>
-        <a:srgbClr val="96D141"/>
+        <a:srgbClr val="70AD47"/>
       </a:accent6>
       <a:hlink>
-        <a:srgbClr val="3FCDE7"/>
+        <a:srgbClr val="0563C1"/>
       </a:hlink>
       <a:folHlink>
-        <a:srgbClr val="A9D3E1"/>
+        <a:srgbClr val="954F72"/>
       </a:folHlink>
     </a:clrScheme>
     <a:fontScheme name="Office">
       <a:majorFont>
-        <a:latin typeface="Arial"/>
-        <a:ea typeface="DejaVu Sans"/>
-        <a:cs typeface="DejaVu Sans"/>
+        <a:latin typeface="Calibri Light" panose="020F0302020204030204"/>
+        <a:ea typeface=""/>
+        <a:cs typeface=""/>
+        <a:font script="Jpan" typeface="ＭＳ Ｐゴシック"/>
+        <a:font script="Hang" typeface="맑은 고딕"/>
+        <a:font script="Hans" typeface="宋体"/>
+        <a:font script="Hant" typeface="新細明體"/>
+        <a:font script="Arab" typeface="Times New Roman"/>
+        <a:font script="Hebr" typeface="Times New Roman"/>
+        <a:font script="Thai" typeface="Angsana New"/>
+        <a:font script="Ethi" typeface="Nyala"/>
+        <a:font script="Beng" typeface="Vrinda"/>
+        <a:font script="Gujr" typeface="Shruti"/>
+        <a:font script="Khmr" typeface="MoolBoran"/>
+        <a:font script="Knda" typeface="Tunga"/>
+        <a:font script="Guru" typeface="Raavi"/>
+        <a:font script="Cans" typeface="Euphemia"/>
+        <a:font script="Cher" typeface="Plantagenet Cherokee"/>
+        <a:font script="Yiii" typeface="Microsoft Yi Baiti"/>
+        <a:font script="Tibt" typeface="Microsoft Himalaya"/>
+        <a:font script="Thaa" typeface="MV Boli"/>
+        <a:font script="Deva" typeface="Mangal"/>
+        <a:font script="Telu" typeface="Gautami"/>
+        <a:font script="Taml" typeface="Latha"/>
+        <a:font script="Syrc" typeface="Estrangelo Edessa"/>
+        <a:font script="Orya" typeface="Kalinga"/>
+        <a:font script="Mlym" typeface="Kartika"/>
+        <a:font script="Laoo" typeface="DokChampa"/>
+        <a:font script="Sinh" typeface="Iskoola Pota"/>
+        <a:font script="Mong" typeface="Mongolian Baiti"/>
+        <a:font script="Viet" typeface="Times New Roman"/>
+        <a:font script="Uigh" typeface="Microsoft Uighur"/>
+        <a:font script="Geor" typeface="Sylfaen"/>
       </a:majorFont>
       <a:minorFont>
-        <a:latin typeface="Arial"/>
-        <a:ea typeface="DejaVu Sans"/>
-        <a:cs typeface="DejaVu Sans"/>
+        <a:latin typeface="Calibri" panose="020F0502020204030204"/>
+        <a:ea typeface=""/>
+        <a:cs typeface=""/>
+        <a:font script="Jpan" typeface="ＭＳ Ｐゴシック"/>
+        <a:font script="Hang" typeface="맑은 고딕"/>
+        <a:font script="Hans" typeface="宋体"/>
+        <a:font script="Hant" typeface="新細明體"/>
+        <a:font script="Arab" typeface="Arial"/>
+        <a:font script="Hebr" typeface="Arial"/>
+        <a:font script="Thai" typeface="Cordia New"/>
+        <a:font script="Ethi" typeface="Nyala"/>
+        <a:font script="Beng" typeface="Vrinda"/>
+        <a:font script="Gujr" typeface="Shruti"/>
+        <a:font script="Khmr" typeface="DaunPenh"/>
+        <a:font script="Knda" typeface="Tunga"/>
+        <a:font script="Guru" typeface="Raavi"/>
+        <a:font script="Cans" typeface="Euphemia"/>
+        <a:font script="Cher" typeface="Plantagenet Cherokee"/>
+        <a:font script="Yiii" typeface="Microsoft Yi Baiti"/>
+        <a:font script="Tibt" typeface="Microsoft Himalaya"/>
+        <a:font script="Thaa" typeface="MV Boli"/>
+        <a:font script="Deva" typeface="Mangal"/>
+        <a:font script="Telu" typeface="Gautami"/>
+        <a:font script="Taml" typeface="Latha"/>
+        <a:font script="Syrc" typeface="Estrangelo Edessa"/>
+        <a:font script="Orya" typeface="Kalinga"/>
+        <a:font script="Mlym" typeface="Kartika"/>
+        <a:font script="Laoo" typeface="DokChampa"/>
+        <a:font script="Sinh" typeface="Iskoola Pota"/>
+        <a:font script="Mong" typeface="Mongolian Baiti"/>
+        <a:font script="Viet" typeface="Arial"/>
+        <a:font script="Uigh" typeface="Microsoft Uighur"/>
+        <a:font script="Geor" typeface="Sylfaen"/>
       </a:minorFont>
     </a:fontScheme>
     <a:fmtScheme name="Office">
@@ -14770,165 +12048,141 @@
           <a:gsLst>
             <a:gs pos="0">
               <a:schemeClr val="phClr">
-                <a:tint val="50000"/>
-                <a:satMod val="300000"/>
+                <a:lumMod val="110000"/>
+                <a:satMod val="105000"/>
+                <a:tint val="67000"/>
               </a:schemeClr>
             </a:gs>
-            <a:gs pos="35000">
+            <a:gs pos="50000">
               <a:schemeClr val="phClr">
-                <a:tint val="37000"/>
-                <a:satMod val="300000"/>
+                <a:lumMod val="105000"/>
+                <a:satMod val="103000"/>
+                <a:tint val="73000"/>
               </a:schemeClr>
             </a:gs>
             <a:gs pos="100000">
               <a:schemeClr val="phClr">
-                <a:tint val="15000"/>
-                <a:satMod val="350000"/>
+                <a:lumMod val="105000"/>
+                <a:satMod val="109000"/>
+                <a:tint val="81000"/>
               </a:schemeClr>
             </a:gs>
           </a:gsLst>
-          <a:lin ang="16200000" scaled="1"/>
+          <a:lin ang="5400000" scaled="0"/>
         </a:gradFill>
         <a:gradFill rotWithShape="1">
           <a:gsLst>
             <a:gs pos="0">
               <a:schemeClr val="phClr">
-                <a:shade val="51000"/>
-                <a:satMod val="130000"/>
+                <a:satMod val="103000"/>
+                <a:lumMod val="102000"/>
+                <a:tint val="94000"/>
               </a:schemeClr>
             </a:gs>
-            <a:gs pos="80000">
+            <a:gs pos="50000">
               <a:schemeClr val="phClr">
-                <a:shade val="93000"/>
-                <a:satMod val="130000"/>
+                <a:satMod val="110000"/>
+                <a:lumMod val="100000"/>
+                <a:shade val="100000"/>
               </a:schemeClr>
             </a:gs>
             <a:gs pos="100000">
               <a:schemeClr val="phClr">
-                <a:shade val="94000"/>
-                <a:satMod val="135000"/>
+                <a:lumMod val="99000"/>
+                <a:satMod val="120000"/>
+                <a:shade val="78000"/>
               </a:schemeClr>
             </a:gs>
           </a:gsLst>
-          <a:lin ang="16200000" scaled="0"/>
+          <a:lin ang="5400000" scaled="0"/>
         </a:gradFill>
       </a:fillStyleLst>
       <a:lnStyleLst>
-        <a:ln w="9525" cap="flat" cmpd="sng" algn="ctr">
-          <a:solidFill>
-            <a:schemeClr val="phClr">
-              <a:shade val="95000"/>
-              <a:satMod val="105000"/>
-            </a:schemeClr>
-          </a:solidFill>
-          <a:prstDash val="solid"/>
-        </a:ln>
-        <a:ln w="25400" cap="flat" cmpd="sng" algn="ctr">
+        <a:ln w="6350" cap="flat" cmpd="sng" algn="ctr">
           <a:solidFill>
             <a:schemeClr val="phClr"/>
           </a:solidFill>
           <a:prstDash val="solid"/>
+          <a:miter lim="800000"/>
         </a:ln>
-        <a:ln w="38100" cap="flat" cmpd="sng" algn="ctr">
+        <a:ln w="12700" cap="flat" cmpd="sng" algn="ctr">
           <a:solidFill>
             <a:schemeClr val="phClr"/>
           </a:solidFill>
           <a:prstDash val="solid"/>
+          <a:miter lim="800000"/>
+        </a:ln>
+        <a:ln w="19050" cap="flat" cmpd="sng" algn="ctr">
+          <a:solidFill>
+            <a:schemeClr val="phClr"/>
+          </a:solidFill>
+          <a:prstDash val="solid"/>
+          <a:miter lim="800000"/>
         </a:ln>
       </a:lnStyleLst>
       <a:effectStyleLst>
         <a:effectStyle>
+          <a:effectLst/>
+        </a:effectStyle>
+        <a:effectStyle>
+          <a:effectLst/>
+        </a:effectStyle>
+        <a:effectStyle>
           <a:effectLst>
-            <a:outerShdw blurRad="40000" dist="20000" dir="5400000" rotWithShape="0">
+            <a:outerShdw blurRad="57150" dist="19050" dir="5400000" algn="ctr" rotWithShape="0">
               <a:srgbClr val="000000">
-                <a:alpha val="38000"/>
+                <a:alpha val="63000"/>
               </a:srgbClr>
             </a:outerShdw>
           </a:effectLst>
-        </a:effectStyle>
-        <a:effectStyle>
-          <a:effectLst>
-            <a:outerShdw blurRad="40000" dist="23000" dir="5400000" rotWithShape="0">
-              <a:srgbClr val="000000">
-                <a:alpha val="35000"/>
-              </a:srgbClr>
-            </a:outerShdw>
-          </a:effectLst>
-        </a:effectStyle>
-        <a:effectStyle>
-          <a:effectLst>
-            <a:outerShdw blurRad="40000" dist="23000" dir="5400000" rotWithShape="0">
-              <a:srgbClr val="000000">
-                <a:alpha val="35000"/>
-              </a:srgbClr>
-            </a:outerShdw>
-          </a:effectLst>
-          <a:scene3d>
-            <a:camera prst="orthographicFront">
-              <a:rot lat="0" lon="0" rev="0"/>
-            </a:camera>
-            <a:lightRig rig="threePt" dir="t">
-              <a:rot lat="0" lon="0" rev="1200000"/>
-            </a:lightRig>
-          </a:scene3d>
-          <a:sp3d>
-            <a:bevelT w="63500" h="25400"/>
-          </a:sp3d>
         </a:effectStyle>
       </a:effectStyleLst>
       <a:bgFillStyleLst>
         <a:solidFill>
           <a:schemeClr val="phClr"/>
         </a:solidFill>
+        <a:solidFill>
+          <a:schemeClr val="phClr">
+            <a:tint val="95000"/>
+            <a:satMod val="170000"/>
+          </a:schemeClr>
+        </a:solidFill>
         <a:gradFill rotWithShape="1">
           <a:gsLst>
             <a:gs pos="0">
               <a:schemeClr val="phClr">
-                <a:tint val="40000"/>
-                <a:satMod val="350000"/>
+                <a:tint val="93000"/>
+                <a:satMod val="150000"/>
+                <a:shade val="98000"/>
+                <a:lumMod val="102000"/>
               </a:schemeClr>
             </a:gs>
-            <a:gs pos="40000">
+            <a:gs pos="50000">
               <a:schemeClr val="phClr">
-                <a:tint val="45000"/>
-                <a:shade val="99000"/>
-                <a:satMod val="350000"/>
+                <a:tint val="98000"/>
+                <a:satMod val="130000"/>
+                <a:shade val="90000"/>
+                <a:lumMod val="103000"/>
               </a:schemeClr>
             </a:gs>
             <a:gs pos="100000">
               <a:schemeClr val="phClr">
-                <a:shade val="20000"/>
-                <a:satMod val="255000"/>
+                <a:shade val="63000"/>
+                <a:satMod val="120000"/>
               </a:schemeClr>
             </a:gs>
           </a:gsLst>
-          <a:path path="circle">
-            <a:fillToRect l="50000" t="-80000" r="50000" b="180000"/>
-          </a:path>
-        </a:gradFill>
-        <a:gradFill rotWithShape="1">
-          <a:gsLst>
-            <a:gs pos="0">
-              <a:schemeClr val="phClr">
-                <a:tint val="80000"/>
-                <a:satMod val="300000"/>
-              </a:schemeClr>
-            </a:gs>
-            <a:gs pos="100000">
-              <a:schemeClr val="phClr">
-                <a:shade val="30000"/>
-                <a:satMod val="200000"/>
-              </a:schemeClr>
-            </a:gs>
-          </a:gsLst>
-          <a:path path="circle">
-            <a:fillToRect l="50000" t="50000" r="50000" b="50000"/>
-          </a:path>
+          <a:lin ang="5400000" scaled="0"/>
         </a:gradFill>
       </a:bgFillStyleLst>
     </a:fmtScheme>
   </a:themeElements>
   <a:objectDefaults/>
   <a:extraClrSchemeLst/>
+  <a:extLst>
+    <a:ext uri="{05A4C25C-085E-4340-85A3-A5531E510DB2}">
+      <thm15:themeFamily xmlns:thm15="http://schemas.microsoft.com/office/thememl/2012/main" name="Office Theme" id="{62F939B6-93AF-4DB8-9C6B-D6C7DFDC589F}" vid="{4A3C46E8-61CC-4603-A589-7422A47A8E4A}"/>
+    </a:ext>
+  </a:extLst>
 </a:theme>
 </file>